--- a/CS315 Group Project.pptx
+++ b/CS315 Group Project.pptx
@@ -6,15 +6,17 @@
   </p:sldMasterIdLst>
   <p:sldIdLst>
     <p:sldId id="256" r:id="rId2"/>
-    <p:sldId id="257" r:id="rId3"/>
+    <p:sldId id="267" r:id="rId3"/>
     <p:sldId id="258" r:id="rId4"/>
-    <p:sldId id="259" r:id="rId5"/>
-    <p:sldId id="260" r:id="rId6"/>
-    <p:sldId id="261" r:id="rId7"/>
-    <p:sldId id="262" r:id="rId8"/>
-    <p:sldId id="263" r:id="rId9"/>
-    <p:sldId id="264" r:id="rId10"/>
-    <p:sldId id="265" r:id="rId11"/>
+    <p:sldId id="268" r:id="rId5"/>
+    <p:sldId id="259" r:id="rId6"/>
+    <p:sldId id="269" r:id="rId7"/>
+    <p:sldId id="270" r:id="rId8"/>
+    <p:sldId id="271" r:id="rId9"/>
+    <p:sldId id="266" r:id="rId10"/>
+    <p:sldId id="272" r:id="rId11"/>
+    <p:sldId id="274" r:id="rId12"/>
+    <p:sldId id="265" r:id="rId13"/>
   </p:sldIdLst>
   <p:sldSz cx="12192000" cy="6858000"/>
   <p:notesSz cx="6858000" cy="9144000"/>
@@ -113,251 +115,17 @@
       </a:defRPr>
     </a:lvl9pPr>
   </p:defaultTextStyle>
-  <p:extLst>
-    <p:ext uri="{EFAFB233-063F-42B5-8137-9DF3F51BA10A}">
-      <p15:sldGuideLst xmlns:p15="http://schemas.microsoft.com/office/powerpoint/2012/main"/>
-    </p:ext>
-  </p:extLst>
 </p:presentation>
 </file>
 
 <file path=ppt/revisionInfo.xml><?xml version="1.0" encoding="utf-8"?>
 <p1510:revInfo xmlns:a="http://schemas.openxmlformats.org/drawingml/2006/main" xmlns:r="http://schemas.openxmlformats.org/officeDocument/2006/relationships" xmlns:p1510="http://schemas.microsoft.com/office/powerpoint/2015/10/main">
   <p1510:revLst>
-    <p1510:client id="{2263E3E1-C889-7892-BB7E-43F17BB958F9}" v="213" dt="2025-11-10T20:39:05.516"/>
+    <p1510:client id="{C50400DD-81D3-75CC-9387-C0CEE6ADDBB2}" v="31" dt="2025-11-21T19:24:53.743"/>
+    <p1510:client id="{EBC6A334-41D6-78DC-5585-137B977AFB9D}" v="596" dt="2025-11-21T06:20:27.885"/>
+    <p1510:client id="{F6473853-03BE-6AEA-C863-B61D1611FE41}" v="22" dt="2025-11-21T00:34:57.762"/>
   </p1510:revLst>
 </p1510:revInfo>
-</file>
-
-<file path=ppt/changesInfos/changesInfo1.xml><?xml version="1.0" encoding="utf-8"?>
-<pc:chgInfo xmlns:a="http://schemas.openxmlformats.org/drawingml/2006/main" xmlns:r="http://schemas.openxmlformats.org/officeDocument/2006/relationships" xmlns:ac="http://schemas.microsoft.com/office/drawing/2013/main/command" xmlns:pc="http://schemas.microsoft.com/office/powerpoint/2013/main/command">
-  <pc:docChgLst>
-    <pc:chgData name="Pisio, Jacob" userId="S::pisioj@my.erau.edu::549f54a2-4a39-4c27-8a02-a3e5043e901e" providerId="AD" clId="Web-{2263E3E1-C889-7892-BB7E-43F17BB958F9}"/>
-    <pc:docChg chg="modSld">
-      <pc:chgData name="Pisio, Jacob" userId="S::pisioj@my.erau.edu::549f54a2-4a39-4c27-8a02-a3e5043e901e" providerId="AD" clId="Web-{2263E3E1-C889-7892-BB7E-43F17BB958F9}" dt="2025-11-10T20:39:05.516" v="158"/>
-      <pc:docMkLst>
-        <pc:docMk/>
-      </pc:docMkLst>
-      <pc:sldChg chg="modSp">
-        <pc:chgData name="Pisio, Jacob" userId="S::pisioj@my.erau.edu::549f54a2-4a39-4c27-8a02-a3e5043e901e" providerId="AD" clId="Web-{2263E3E1-C889-7892-BB7E-43F17BB958F9}" dt="2025-11-10T20:36:40.010" v="135" actId="20577"/>
-        <pc:sldMkLst>
-          <pc:docMk/>
-          <pc:sldMk cId="4141240178" sldId="256"/>
-        </pc:sldMkLst>
-        <pc:spChg chg="mod">
-          <ac:chgData name="Pisio, Jacob" userId="S::pisioj@my.erau.edu::549f54a2-4a39-4c27-8a02-a3e5043e901e" providerId="AD" clId="Web-{2263E3E1-C889-7892-BB7E-43F17BB958F9}" dt="2025-11-10T20:36:40.010" v="135" actId="20577"/>
-          <ac:spMkLst>
-            <pc:docMk/>
-            <pc:sldMk cId="4141240178" sldId="256"/>
-            <ac:spMk id="2" creationId="{0C0472BC-CB6F-497F-5062-085250B1E7EF}"/>
-          </ac:spMkLst>
-        </pc:spChg>
-        <pc:spChg chg="mod">
-          <ac:chgData name="Pisio, Jacob" userId="S::pisioj@my.erau.edu::549f54a2-4a39-4c27-8a02-a3e5043e901e" providerId="AD" clId="Web-{2263E3E1-C889-7892-BB7E-43F17BB958F9}" dt="2025-11-10T20:32:55.819" v="0" actId="20577"/>
-          <ac:spMkLst>
-            <pc:docMk/>
-            <pc:sldMk cId="4141240178" sldId="256"/>
-            <ac:spMk id="3" creationId="{9914D325-FA63-C852-C72B-236257CCC620}"/>
-          </ac:spMkLst>
-        </pc:spChg>
-      </pc:sldChg>
-      <pc:sldChg chg="modSp">
-        <pc:chgData name="Pisio, Jacob" userId="S::pisioj@my.erau.edu::549f54a2-4a39-4c27-8a02-a3e5043e901e" providerId="AD" clId="Web-{2263E3E1-C889-7892-BB7E-43F17BB958F9}" dt="2025-11-10T20:35:29.711" v="80" actId="20577"/>
-        <pc:sldMkLst>
-          <pc:docMk/>
-          <pc:sldMk cId="38034067" sldId="258"/>
-        </pc:sldMkLst>
-        <pc:spChg chg="mod">
-          <ac:chgData name="Pisio, Jacob" userId="S::pisioj@my.erau.edu::549f54a2-4a39-4c27-8a02-a3e5043e901e" providerId="AD" clId="Web-{2263E3E1-C889-7892-BB7E-43F17BB958F9}" dt="2025-11-10T20:35:29.711" v="80" actId="20577"/>
-          <ac:spMkLst>
-            <pc:docMk/>
-            <pc:sldMk cId="38034067" sldId="258"/>
-            <ac:spMk id="2" creationId="{5B69817B-B810-87B6-6D3A-A89DE28E3ABC}"/>
-          </ac:spMkLst>
-        </pc:spChg>
-      </pc:sldChg>
-      <pc:sldChg chg="modSp">
-        <pc:chgData name="Pisio, Jacob" userId="S::pisioj@my.erau.edu::549f54a2-4a39-4c27-8a02-a3e5043e901e" providerId="AD" clId="Web-{2263E3E1-C889-7892-BB7E-43F17BB958F9}" dt="2025-11-10T20:35:34.524" v="89" actId="20577"/>
-        <pc:sldMkLst>
-          <pc:docMk/>
-          <pc:sldMk cId="872897644" sldId="259"/>
-        </pc:sldMkLst>
-        <pc:spChg chg="mod">
-          <ac:chgData name="Pisio, Jacob" userId="S::pisioj@my.erau.edu::549f54a2-4a39-4c27-8a02-a3e5043e901e" providerId="AD" clId="Web-{2263E3E1-C889-7892-BB7E-43F17BB958F9}" dt="2025-11-10T20:35:34.524" v="89" actId="20577"/>
-          <ac:spMkLst>
-            <pc:docMk/>
-            <pc:sldMk cId="872897644" sldId="259"/>
-            <ac:spMk id="2" creationId="{79983BC4-2D42-5509-0931-9E25DE10C074}"/>
-          </ac:spMkLst>
-        </pc:spChg>
-      </pc:sldChg>
-      <pc:sldChg chg="modSp">
-        <pc:chgData name="Pisio, Jacob" userId="S::pisioj@my.erau.edu::549f54a2-4a39-4c27-8a02-a3e5043e901e" providerId="AD" clId="Web-{2263E3E1-C889-7892-BB7E-43F17BB958F9}" dt="2025-11-10T20:35:42.680" v="96" actId="20577"/>
-        <pc:sldMkLst>
-          <pc:docMk/>
-          <pc:sldMk cId="2419777774" sldId="260"/>
-        </pc:sldMkLst>
-        <pc:spChg chg="mod">
-          <ac:chgData name="Pisio, Jacob" userId="S::pisioj@my.erau.edu::549f54a2-4a39-4c27-8a02-a3e5043e901e" providerId="AD" clId="Web-{2263E3E1-C889-7892-BB7E-43F17BB958F9}" dt="2025-11-10T20:35:42.680" v="96" actId="20577"/>
-          <ac:spMkLst>
-            <pc:docMk/>
-            <pc:sldMk cId="2419777774" sldId="260"/>
-            <ac:spMk id="2" creationId="{934D267A-38EE-F505-1C5A-EC6894CF98EE}"/>
-          </ac:spMkLst>
-        </pc:spChg>
-      </pc:sldChg>
-      <pc:sldChg chg="modSp">
-        <pc:chgData name="Pisio, Jacob" userId="S::pisioj@my.erau.edu::549f54a2-4a39-4c27-8a02-a3e5043e901e" providerId="AD" clId="Web-{2263E3E1-C889-7892-BB7E-43F17BB958F9}" dt="2025-11-10T20:37:13.839" v="136" actId="20577"/>
-        <pc:sldMkLst>
-          <pc:docMk/>
-          <pc:sldMk cId="4109122580" sldId="261"/>
-        </pc:sldMkLst>
-        <pc:spChg chg="mod">
-          <ac:chgData name="Pisio, Jacob" userId="S::pisioj@my.erau.edu::549f54a2-4a39-4c27-8a02-a3e5043e901e" providerId="AD" clId="Web-{2263E3E1-C889-7892-BB7E-43F17BB958F9}" dt="2025-11-10T20:37:13.839" v="136" actId="20577"/>
-          <ac:spMkLst>
-            <pc:docMk/>
-            <pc:sldMk cId="4109122580" sldId="261"/>
-            <ac:spMk id="2" creationId="{D3A496FB-9608-DAD5-1AD5-84C041C6960D}"/>
-          </ac:spMkLst>
-        </pc:spChg>
-      </pc:sldChg>
-      <pc:sldChg chg="addSp delSp modSp addAnim delAnim modAnim">
-        <pc:chgData name="Pisio, Jacob" userId="S::pisioj@my.erau.edu::549f54a2-4a39-4c27-8a02-a3e5043e901e" providerId="AD" clId="Web-{2263E3E1-C889-7892-BB7E-43F17BB958F9}" dt="2025-11-10T20:39:05.516" v="158"/>
-        <pc:sldMkLst>
-          <pc:docMk/>
-          <pc:sldMk cId="662186547" sldId="265"/>
-        </pc:sldMkLst>
-        <pc:spChg chg="del mod">
-          <ac:chgData name="Pisio, Jacob" userId="S::pisioj@my.erau.edu::549f54a2-4a39-4c27-8a02-a3e5043e901e" providerId="AD" clId="Web-{2263E3E1-C889-7892-BB7E-43F17BB958F9}" dt="2025-11-10T20:37:40.872" v="137"/>
-          <ac:spMkLst>
-            <pc:docMk/>
-            <pc:sldMk cId="662186547" sldId="265"/>
-            <ac:spMk id="2" creationId="{25E48AA2-D3AD-A5C2-FF6A-CCF831E8375A}"/>
-          </ac:spMkLst>
-        </pc:spChg>
-        <pc:spChg chg="del">
-          <ac:chgData name="Pisio, Jacob" userId="S::pisioj@my.erau.edu::549f54a2-4a39-4c27-8a02-a3e5043e901e" providerId="AD" clId="Web-{2263E3E1-C889-7892-BB7E-43F17BB958F9}" dt="2025-11-10T20:33:30.054" v="1"/>
-          <ac:spMkLst>
-            <pc:docMk/>
-            <pc:sldMk cId="662186547" sldId="265"/>
-            <ac:spMk id="3" creationId="{17D11E03-B7CC-5AF7-2263-46C2DDD5415A}"/>
-          </ac:spMkLst>
-        </pc:spChg>
-        <pc:spChg chg="add del mod">
-          <ac:chgData name="Pisio, Jacob" userId="S::pisioj@my.erau.edu::549f54a2-4a39-4c27-8a02-a3e5043e901e" providerId="AD" clId="Web-{2263E3E1-C889-7892-BB7E-43F17BB958F9}" dt="2025-11-10T20:37:42.372" v="138"/>
-          <ac:spMkLst>
-            <pc:docMk/>
-            <pc:sldMk cId="662186547" sldId="265"/>
-            <ac:spMk id="5" creationId="{65B5A146-8223-265D-2A67-223F04A28A5D}"/>
-          </ac:spMkLst>
-        </pc:spChg>
-        <pc:spChg chg="add mod">
-          <ac:chgData name="Pisio, Jacob" userId="S::pisioj@my.erau.edu::549f54a2-4a39-4c27-8a02-a3e5043e901e" providerId="AD" clId="Web-{2263E3E1-C889-7892-BB7E-43F17BB958F9}" dt="2025-11-10T20:38:22.420" v="154" actId="20577"/>
-          <ac:spMkLst>
-            <pc:docMk/>
-            <pc:sldMk cId="662186547" sldId="265"/>
-            <ac:spMk id="7" creationId="{24B80550-5013-9BFF-0318-459C9B088881}"/>
-          </ac:spMkLst>
-        </pc:spChg>
-        <pc:picChg chg="add mod ord modCrop">
-          <ac:chgData name="Pisio, Jacob" userId="S::pisioj@my.erau.edu::549f54a2-4a39-4c27-8a02-a3e5043e901e" providerId="AD" clId="Web-{2263E3E1-C889-7892-BB7E-43F17BB958F9}" dt="2025-11-10T20:33:57.164" v="18"/>
-          <ac:picMkLst>
-            <pc:docMk/>
-            <pc:sldMk cId="662186547" sldId="265"/>
-            <ac:picMk id="4" creationId="{E1556681-E41B-9126-BB15-C18EFD133018}"/>
-          </ac:picMkLst>
-        </pc:picChg>
-      </pc:sldChg>
-    </pc:docChg>
-  </pc:docChgLst>
-  <pc:docChgLst>
-    <pc:chgData name="Salvary, Sky L." userId="1d58b70c-9665-454e-8498-557673b6b97d" providerId="ADAL" clId="{8056BE86-CE9F-4171-B12A-7430B236CD27}"/>
-    <pc:docChg chg="custSel addSld modSld">
-      <pc:chgData name="Salvary, Sky L." userId="1d58b70c-9665-454e-8498-557673b6b97d" providerId="ADAL" clId="{8056BE86-CE9F-4171-B12A-7430B236CD27}" dt="2025-11-05T20:37:20.614" v="51" actId="680"/>
-      <pc:docMkLst>
-        <pc:docMk/>
-      </pc:docMkLst>
-      <pc:sldChg chg="modSp mod">
-        <pc:chgData name="Salvary, Sky L." userId="1d58b70c-9665-454e-8498-557673b6b97d" providerId="ADAL" clId="{8056BE86-CE9F-4171-B12A-7430B236CD27}" dt="2025-11-05T20:36:09.745" v="42" actId="20577"/>
-        <pc:sldMkLst>
-          <pc:docMk/>
-          <pc:sldMk cId="4141240178" sldId="256"/>
-        </pc:sldMkLst>
-        <pc:spChg chg="mod">
-          <ac:chgData name="Salvary, Sky L." userId="1d58b70c-9665-454e-8498-557673b6b97d" providerId="ADAL" clId="{8056BE86-CE9F-4171-B12A-7430B236CD27}" dt="2025-11-05T20:36:09.745" v="42" actId="20577"/>
-          <ac:spMkLst>
-            <pc:docMk/>
-            <pc:sldMk cId="4141240178" sldId="256"/>
-            <ac:spMk id="3" creationId="{9914D325-FA63-C852-C72B-236257CCC620}"/>
-          </ac:spMkLst>
-        </pc:spChg>
-      </pc:sldChg>
-      <pc:sldChg chg="new">
-        <pc:chgData name="Salvary, Sky L." userId="1d58b70c-9665-454e-8498-557673b6b97d" providerId="ADAL" clId="{8056BE86-CE9F-4171-B12A-7430B236CD27}" dt="2025-11-05T20:37:14.610" v="43" actId="680"/>
-        <pc:sldMkLst>
-          <pc:docMk/>
-          <pc:sldMk cId="968604046" sldId="257"/>
-        </pc:sldMkLst>
-      </pc:sldChg>
-      <pc:sldChg chg="new">
-        <pc:chgData name="Salvary, Sky L." userId="1d58b70c-9665-454e-8498-557673b6b97d" providerId="ADAL" clId="{8056BE86-CE9F-4171-B12A-7430B236CD27}" dt="2025-11-05T20:37:15.451" v="44" actId="680"/>
-        <pc:sldMkLst>
-          <pc:docMk/>
-          <pc:sldMk cId="38034067" sldId="258"/>
-        </pc:sldMkLst>
-      </pc:sldChg>
-      <pc:sldChg chg="new">
-        <pc:chgData name="Salvary, Sky L." userId="1d58b70c-9665-454e-8498-557673b6b97d" providerId="ADAL" clId="{8056BE86-CE9F-4171-B12A-7430B236CD27}" dt="2025-11-05T20:37:15.751" v="45" actId="680"/>
-        <pc:sldMkLst>
-          <pc:docMk/>
-          <pc:sldMk cId="872897644" sldId="259"/>
-        </pc:sldMkLst>
-      </pc:sldChg>
-      <pc:sldChg chg="new">
-        <pc:chgData name="Salvary, Sky L." userId="1d58b70c-9665-454e-8498-557673b6b97d" providerId="ADAL" clId="{8056BE86-CE9F-4171-B12A-7430B236CD27}" dt="2025-11-05T20:37:16.296" v="46" actId="680"/>
-        <pc:sldMkLst>
-          <pc:docMk/>
-          <pc:sldMk cId="2419777774" sldId="260"/>
-        </pc:sldMkLst>
-      </pc:sldChg>
-      <pc:sldChg chg="new">
-        <pc:chgData name="Salvary, Sky L." userId="1d58b70c-9665-454e-8498-557673b6b97d" providerId="ADAL" clId="{8056BE86-CE9F-4171-B12A-7430B236CD27}" dt="2025-11-05T20:37:16.515" v="47" actId="680"/>
-        <pc:sldMkLst>
-          <pc:docMk/>
-          <pc:sldMk cId="4109122580" sldId="261"/>
-        </pc:sldMkLst>
-      </pc:sldChg>
-      <pc:sldChg chg="new">
-        <pc:chgData name="Salvary, Sky L." userId="1d58b70c-9665-454e-8498-557673b6b97d" providerId="ADAL" clId="{8056BE86-CE9F-4171-B12A-7430B236CD27}" dt="2025-11-05T20:37:18.445" v="48" actId="680"/>
-        <pc:sldMkLst>
-          <pc:docMk/>
-          <pc:sldMk cId="1862240355" sldId="262"/>
-        </pc:sldMkLst>
-      </pc:sldChg>
-      <pc:sldChg chg="new">
-        <pc:chgData name="Salvary, Sky L." userId="1d58b70c-9665-454e-8498-557673b6b97d" providerId="ADAL" clId="{8056BE86-CE9F-4171-B12A-7430B236CD27}" dt="2025-11-05T20:37:19.073" v="49" actId="680"/>
-        <pc:sldMkLst>
-          <pc:docMk/>
-          <pc:sldMk cId="189723402" sldId="263"/>
-        </pc:sldMkLst>
-      </pc:sldChg>
-      <pc:sldChg chg="new">
-        <pc:chgData name="Salvary, Sky L." userId="1d58b70c-9665-454e-8498-557673b6b97d" providerId="ADAL" clId="{8056BE86-CE9F-4171-B12A-7430B236CD27}" dt="2025-11-05T20:37:19.949" v="50" actId="680"/>
-        <pc:sldMkLst>
-          <pc:docMk/>
-          <pc:sldMk cId="2650450492" sldId="264"/>
-        </pc:sldMkLst>
-      </pc:sldChg>
-      <pc:sldChg chg="new">
-        <pc:chgData name="Salvary, Sky L." userId="1d58b70c-9665-454e-8498-557673b6b97d" providerId="ADAL" clId="{8056BE86-CE9F-4171-B12A-7430B236CD27}" dt="2025-11-05T20:37:20.614" v="51" actId="680"/>
-        <pc:sldMkLst>
-          <pc:docMk/>
-          <pc:sldMk cId="662186547" sldId="265"/>
-        </pc:sldMkLst>
-      </pc:sldChg>
-    </pc:docChg>
-  </pc:docChgLst>
-</pc:chgInfo>
 </file>
 
 <file path=ppt/slideLayouts/slideLayout1.xml><?xml version="1.0" encoding="utf-8"?>
@@ -507,7 +275,7 @@
           <a:p>
             <a:fld id="{31C75C1A-6243-4F6B-AB76-190DFB114FDA}" type="datetimeFigureOut">
               <a:rPr lang="en-US" smtClean="0"/>
-              <a:t>11/10/2025</a:t>
+              <a:t>11/21/2025</a:t>
             </a:fld>
             <a:endParaRPr lang="en-US"/>
           </a:p>
@@ -705,7 +473,7 @@
           <a:p>
             <a:fld id="{31C75C1A-6243-4F6B-AB76-190DFB114FDA}" type="datetimeFigureOut">
               <a:rPr lang="en-US" smtClean="0"/>
-              <a:t>11/10/2025</a:t>
+              <a:t>11/21/2025</a:t>
             </a:fld>
             <a:endParaRPr lang="en-US"/>
           </a:p>
@@ -913,7 +681,7 @@
           <a:p>
             <a:fld id="{31C75C1A-6243-4F6B-AB76-190DFB114FDA}" type="datetimeFigureOut">
               <a:rPr lang="en-US" smtClean="0"/>
-              <a:t>11/10/2025</a:t>
+              <a:t>11/21/2025</a:t>
             </a:fld>
             <a:endParaRPr lang="en-US"/>
           </a:p>
@@ -1111,7 +879,7 @@
           <a:p>
             <a:fld id="{31C75C1A-6243-4F6B-AB76-190DFB114FDA}" type="datetimeFigureOut">
               <a:rPr lang="en-US" smtClean="0"/>
-              <a:t>11/10/2025</a:t>
+              <a:t>11/21/2025</a:t>
             </a:fld>
             <a:endParaRPr lang="en-US"/>
           </a:p>
@@ -1386,7 +1154,7 @@
           <a:p>
             <a:fld id="{31C75C1A-6243-4F6B-AB76-190DFB114FDA}" type="datetimeFigureOut">
               <a:rPr lang="en-US" smtClean="0"/>
-              <a:t>11/10/2025</a:t>
+              <a:t>11/21/2025</a:t>
             </a:fld>
             <a:endParaRPr lang="en-US"/>
           </a:p>
@@ -1651,7 +1419,7 @@
           <a:p>
             <a:fld id="{31C75C1A-6243-4F6B-AB76-190DFB114FDA}" type="datetimeFigureOut">
               <a:rPr lang="en-US" smtClean="0"/>
-              <a:t>11/10/2025</a:t>
+              <a:t>11/21/2025</a:t>
             </a:fld>
             <a:endParaRPr lang="en-US"/>
           </a:p>
@@ -2063,7 +1831,7 @@
           <a:p>
             <a:fld id="{31C75C1A-6243-4F6B-AB76-190DFB114FDA}" type="datetimeFigureOut">
               <a:rPr lang="en-US" smtClean="0"/>
-              <a:t>11/10/2025</a:t>
+              <a:t>11/21/2025</a:t>
             </a:fld>
             <a:endParaRPr lang="en-US"/>
           </a:p>
@@ -2204,7 +1972,7 @@
           <a:p>
             <a:fld id="{31C75C1A-6243-4F6B-AB76-190DFB114FDA}" type="datetimeFigureOut">
               <a:rPr lang="en-US" smtClean="0"/>
-              <a:t>11/10/2025</a:t>
+              <a:t>11/21/2025</a:t>
             </a:fld>
             <a:endParaRPr lang="en-US"/>
           </a:p>
@@ -2317,7 +2085,7 @@
           <a:p>
             <a:fld id="{31C75C1A-6243-4F6B-AB76-190DFB114FDA}" type="datetimeFigureOut">
               <a:rPr lang="en-US" smtClean="0"/>
-              <a:t>11/10/2025</a:t>
+              <a:t>11/21/2025</a:t>
             </a:fld>
             <a:endParaRPr lang="en-US"/>
           </a:p>
@@ -2628,7 +2396,7 @@
           <a:p>
             <a:fld id="{31C75C1A-6243-4F6B-AB76-190DFB114FDA}" type="datetimeFigureOut">
               <a:rPr lang="en-US" smtClean="0"/>
-              <a:t>11/10/2025</a:t>
+              <a:t>11/21/2025</a:t>
             </a:fld>
             <a:endParaRPr lang="en-US"/>
           </a:p>
@@ -2916,7 +2684,7 @@
           <a:p>
             <a:fld id="{31C75C1A-6243-4F6B-AB76-190DFB114FDA}" type="datetimeFigureOut">
               <a:rPr lang="en-US" smtClean="0"/>
-              <a:t>11/10/2025</a:t>
+              <a:t>11/21/2025</a:t>
             </a:fld>
             <a:endParaRPr lang="en-US"/>
           </a:p>
@@ -3157,7 +2925,7 @@
           <a:p>
             <a:fld id="{31C75C1A-6243-4F6B-AB76-190DFB114FDA}" type="datetimeFigureOut">
               <a:rPr lang="en-US" smtClean="0"/>
-              <a:t>11/10/2025</a:t>
+              <a:t>11/21/2025</a:t>
             </a:fld>
             <a:endParaRPr lang="en-US"/>
           </a:p>
@@ -3560,6 +3328,14 @@
 <file path=ppt/slides/slide1.xml><?xml version="1.0" encoding="utf-8"?>
 <p:sld xmlns:a="http://schemas.openxmlformats.org/drawingml/2006/main" xmlns:r="http://schemas.openxmlformats.org/officeDocument/2006/relationships" xmlns:p="http://schemas.openxmlformats.org/presentationml/2006/main">
   <p:cSld>
+    <p:bg>
+      <p:bgPr>
+        <a:solidFill>
+          <a:schemeClr val="bg1"/>
+        </a:solidFill>
+        <a:effectLst/>
+      </p:bgPr>
+    </p:bg>
     <p:spTree>
       <p:nvGrpSpPr>
         <p:cNvPr id="1" name=""/>
@@ -3574,6 +3350,317 @@
           <a:chExt cx="0" cy="0"/>
         </a:xfrm>
       </p:grpSpPr>
+      <p:sp useBgFill="1">
+        <p:nvSpPr>
+          <p:cNvPr id="8" name="Rectangle 7">
+            <a:extLst>
+              <a:ext uri="{FF2B5EF4-FFF2-40B4-BE49-F238E27FC236}">
+                <a16:creationId xmlns:a16="http://schemas.microsoft.com/office/drawing/2014/main" id="{0D7B6173-1D58-48E2-83CF-37350F315F75}"/>
+              </a:ext>
+              <a:ext uri="{C183D7F6-B498-43B3-948B-1728B52AA6E4}">
+                <adec:decorative xmlns:adec="http://schemas.microsoft.com/office/drawing/2017/decorative" val="1"/>
+              </a:ext>
+            </a:extLst>
+          </p:cNvPr>
+          <p:cNvSpPr>
+            <a:spLocks noGrp="1" noRot="1" noChangeAspect="1" noMove="1" noResize="1" noEditPoints="1" noAdjustHandles="1" noChangeArrowheads="1" noChangeShapeType="1" noTextEdit="1"/>
+          </p:cNvSpPr>
+          <p:nvPr>
+            <p:extLst>
+              <p:ext uri="{386F3935-93C4-4BCD-93E2-E3B085C9AB24}">
+                <p16:designElem xmlns:p16="http://schemas.microsoft.com/office/powerpoint/2015/main" val="1"/>
+              </p:ext>
+            </p:extLst>
+          </p:nvPr>
+        </p:nvSpPr>
+        <p:spPr>
+          <a:xfrm>
+            <a:off x="0" y="-1"/>
+            <a:ext cx="12188952" cy="6858000"/>
+          </a:xfrm>
+          <a:prstGeom prst="rect">
+            <a:avLst/>
+          </a:prstGeom>
+          <a:ln>
+            <a:noFill/>
+          </a:ln>
+        </p:spPr>
+        <p:style>
+          <a:lnRef idx="2">
+            <a:schemeClr val="accent1">
+              <a:shade val="50000"/>
+            </a:schemeClr>
+          </a:lnRef>
+          <a:fillRef idx="1">
+            <a:schemeClr val="accent1"/>
+          </a:fillRef>
+          <a:effectRef idx="0">
+            <a:schemeClr val="accent1"/>
+          </a:effectRef>
+          <a:fontRef idx="minor">
+            <a:schemeClr val="lt1"/>
+          </a:fontRef>
+        </p:style>
+        <p:txBody>
+          <a:bodyPr rtlCol="0" anchor="ctr"/>
+          <a:lstStyle/>
+          <a:p>
+            <a:pPr algn="ctr"/>
+            <a:endParaRPr lang="en-US"/>
+          </a:p>
+        </p:txBody>
+      </p:sp>
+      <p:sp>
+        <p:nvSpPr>
+          <p:cNvPr id="10" name="Rectangle 9">
+            <a:extLst>
+              <a:ext uri="{FF2B5EF4-FFF2-40B4-BE49-F238E27FC236}">
+                <a16:creationId xmlns:a16="http://schemas.microsoft.com/office/drawing/2014/main" id="{3E4CBDBB-4FBD-4B9E-BD01-054A81D431CC}"/>
+              </a:ext>
+              <a:ext uri="{C183D7F6-B498-43B3-948B-1728B52AA6E4}">
+                <adec:decorative xmlns:adec="http://schemas.microsoft.com/office/drawing/2017/decorative" val="1"/>
+              </a:ext>
+            </a:extLst>
+          </p:cNvPr>
+          <p:cNvSpPr>
+            <a:spLocks noGrp="1" noRot="1" noChangeAspect="1" noMove="1" noResize="1" noEditPoints="1" noAdjustHandles="1" noChangeArrowheads="1" noChangeShapeType="1" noTextEdit="1"/>
+          </p:cNvSpPr>
+          <p:nvPr>
+            <p:extLst>
+              <p:ext uri="{386F3935-93C4-4BCD-93E2-E3B085C9AB24}">
+                <p16:designElem xmlns:p16="http://schemas.microsoft.com/office/powerpoint/2015/main" val="1"/>
+              </p:ext>
+            </p:extLst>
+          </p:nvPr>
+        </p:nvSpPr>
+        <p:spPr>
+          <a:xfrm>
+            <a:off x="0" y="0"/>
+            <a:ext cx="12188952" cy="6858000"/>
+          </a:xfrm>
+          <a:prstGeom prst="rect">
+            <a:avLst/>
+          </a:prstGeom>
+          <a:solidFill>
+            <a:schemeClr val="bg2">
+              <a:alpha val="50000"/>
+            </a:schemeClr>
+          </a:solidFill>
+          <a:ln>
+            <a:noFill/>
+          </a:ln>
+        </p:spPr>
+        <p:style>
+          <a:lnRef idx="2">
+            <a:schemeClr val="accent1">
+              <a:shade val="50000"/>
+            </a:schemeClr>
+          </a:lnRef>
+          <a:fillRef idx="1">
+            <a:schemeClr val="accent1"/>
+          </a:fillRef>
+          <a:effectRef idx="0">
+            <a:schemeClr val="accent1"/>
+          </a:effectRef>
+          <a:fontRef idx="minor">
+            <a:schemeClr val="lt1"/>
+          </a:fontRef>
+        </p:style>
+        <p:txBody>
+          <a:bodyPr rtlCol="0" anchor="ctr"/>
+          <a:lstStyle/>
+          <a:p>
+            <a:pPr algn="ctr"/>
+            <a:endParaRPr lang="en-US"/>
+          </a:p>
+        </p:txBody>
+      </p:sp>
+      <p:pic>
+        <p:nvPicPr>
+          <p:cNvPr id="12" name="Picture 11">
+            <a:extLst>
+              <a:ext uri="{FF2B5EF4-FFF2-40B4-BE49-F238E27FC236}">
+                <a16:creationId xmlns:a16="http://schemas.microsoft.com/office/drawing/2014/main" id="{B01A6F03-171F-40B2-8B2C-A061B89241F6}"/>
+              </a:ext>
+              <a:ext uri="{C183D7F6-B498-43B3-948B-1728B52AA6E4}">
+                <adec:decorative xmlns:adec="http://schemas.microsoft.com/office/drawing/2017/decorative" val="1"/>
+              </a:ext>
+            </a:extLst>
+          </p:cNvPr>
+          <p:cNvPicPr>
+            <a:picLocks noGrp="1" noRot="1" noChangeAspect="1" noMove="1" noResize="1" noEditPoints="1" noAdjustHandles="1" noChangeArrowheads="1" noChangeShapeType="1" noCrop="1"/>
+          </p:cNvPicPr>
+          <p:nvPr>
+            <p:extLst>
+              <p:ext uri="{386F3935-93C4-4BCD-93E2-E3B085C9AB24}">
+                <p16:designElem xmlns:p16="http://schemas.microsoft.com/office/powerpoint/2015/main" val="1"/>
+              </p:ext>
+            </p:extLst>
+          </p:nvPr>
+        </p:nvPicPr>
+        <p:blipFill>
+          <a:blip r:embed="rId2">
+            <a:extLst>
+              <a:ext uri="{28A0092B-C50C-407E-A947-70E740481C1C}">
+                <a14:useLocalDpi xmlns:a14="http://schemas.microsoft.com/office/drawing/2010/main" val="0"/>
+              </a:ext>
+            </a:extLst>
+          </a:blip>
+          <a:stretch>
+            <a:fillRect/>
+          </a:stretch>
+        </p:blipFill>
+        <p:spPr>
+          <a:xfrm>
+            <a:off x="0" y="0"/>
+            <a:ext cx="12188952" cy="6862380"/>
+          </a:xfrm>
+          <a:prstGeom prst="rect">
+            <a:avLst/>
+          </a:prstGeom>
+        </p:spPr>
+      </p:pic>
+      <p:sp>
+        <p:nvSpPr>
+          <p:cNvPr id="14" name="Rectangle 13">
+            <a:extLst>
+              <a:ext uri="{FF2B5EF4-FFF2-40B4-BE49-F238E27FC236}">
+                <a16:creationId xmlns:a16="http://schemas.microsoft.com/office/drawing/2014/main" id="{72C4834C-B602-4125-8264-BD0D55A5885F}"/>
+              </a:ext>
+              <a:ext uri="{C183D7F6-B498-43B3-948B-1728B52AA6E4}">
+                <adec:decorative xmlns:adec="http://schemas.microsoft.com/office/drawing/2017/decorative" val="1"/>
+              </a:ext>
+            </a:extLst>
+          </p:cNvPr>
+          <p:cNvSpPr>
+            <a:spLocks noGrp="1" noRot="1" noChangeAspect="1" noMove="1" noResize="1" noEditPoints="1" noAdjustHandles="1" noChangeArrowheads="1" noChangeShapeType="1" noTextEdit="1"/>
+          </p:cNvSpPr>
+          <p:nvPr>
+            <p:extLst>
+              <p:ext uri="{386F3935-93C4-4BCD-93E2-E3B085C9AB24}">
+                <p16:designElem xmlns:p16="http://schemas.microsoft.com/office/powerpoint/2015/main" val="1"/>
+              </p:ext>
+            </p:extLst>
+          </p:nvPr>
+        </p:nvSpPr>
+        <p:spPr>
+          <a:xfrm>
+            <a:off x="0" y="0"/>
+            <a:ext cx="12188952" cy="6858000"/>
+          </a:xfrm>
+          <a:prstGeom prst="rect">
+            <a:avLst/>
+          </a:prstGeom>
+          <a:solidFill>
+            <a:schemeClr val="accent1">
+              <a:alpha val="20000"/>
+            </a:schemeClr>
+          </a:solidFill>
+          <a:ln>
+            <a:noFill/>
+          </a:ln>
+        </p:spPr>
+        <p:style>
+          <a:lnRef idx="2">
+            <a:schemeClr val="accent1">
+              <a:shade val="50000"/>
+            </a:schemeClr>
+          </a:lnRef>
+          <a:fillRef idx="1">
+            <a:schemeClr val="accent1"/>
+          </a:fillRef>
+          <a:effectRef idx="0">
+            <a:schemeClr val="accent1"/>
+          </a:effectRef>
+          <a:fontRef idx="minor">
+            <a:schemeClr val="lt1"/>
+          </a:fontRef>
+        </p:style>
+        <p:txBody>
+          <a:bodyPr rtlCol="0" anchor="ctr"/>
+          <a:lstStyle/>
+          <a:p>
+            <a:pPr algn="ctr"/>
+            <a:endParaRPr lang="en-US"/>
+          </a:p>
+        </p:txBody>
+      </p:sp>
+      <p:sp>
+        <p:nvSpPr>
+          <p:cNvPr id="16" name="Rectangle 15">
+            <a:extLst>
+              <a:ext uri="{FF2B5EF4-FFF2-40B4-BE49-F238E27FC236}">
+                <a16:creationId xmlns:a16="http://schemas.microsoft.com/office/drawing/2014/main" id="{53172EE5-132F-4DD4-8855-4DBBD9C3465E}"/>
+              </a:ext>
+              <a:ext uri="{C183D7F6-B498-43B3-948B-1728B52AA6E4}">
+                <adec:decorative xmlns:adec="http://schemas.microsoft.com/office/drawing/2017/decorative" val="1"/>
+              </a:ext>
+            </a:extLst>
+          </p:cNvPr>
+          <p:cNvSpPr>
+            <a:spLocks noGrp="1" noRot="1" noChangeAspect="1" noMove="1" noResize="1" noEditPoints="1" noAdjustHandles="1" noChangeArrowheads="1" noChangeShapeType="1" noTextEdit="1"/>
+          </p:cNvSpPr>
+          <p:nvPr>
+            <p:extLst>
+              <p:ext uri="{386F3935-93C4-4BCD-93E2-E3B085C9AB24}">
+                <p16:designElem xmlns:p16="http://schemas.microsoft.com/office/powerpoint/2015/main" val="1"/>
+              </p:ext>
+            </p:extLst>
+          </p:nvPr>
+        </p:nvSpPr>
+        <p:spPr>
+          <a:xfrm>
+            <a:off x="995844" y="1110000"/>
+            <a:ext cx="10195740" cy="4629235"/>
+          </a:xfrm>
+          <a:prstGeom prst="rect">
+            <a:avLst/>
+          </a:prstGeom>
+          <a:solidFill>
+            <a:schemeClr val="bg1"/>
+          </a:solidFill>
+          <a:ln w="34925">
+            <a:noFill/>
+          </a:ln>
+        </p:spPr>
+        <p:style>
+          <a:lnRef idx="2">
+            <a:schemeClr val="accent1">
+              <a:shade val="50000"/>
+            </a:schemeClr>
+          </a:lnRef>
+          <a:fillRef idx="1">
+            <a:schemeClr val="accent1"/>
+          </a:fillRef>
+          <a:effectRef idx="0">
+            <a:schemeClr val="accent1"/>
+          </a:effectRef>
+          <a:fontRef idx="minor">
+            <a:schemeClr val="lt1"/>
+          </a:fontRef>
+        </p:style>
+        <p:txBody>
+          <a:bodyPr rtlCol="0" anchor="ctr"/>
+          <a:lstStyle/>
+          <a:p>
+            <a:pPr algn="ctr"/>
+            <a:endParaRPr lang="en-US" b="1">
+              <a:ln w="22225">
+                <a:solidFill>
+                  <a:schemeClr val="accent2"/>
+                </a:solidFill>
+                <a:prstDash val="solid"/>
+              </a:ln>
+              <a:solidFill>
+                <a:schemeClr val="accent2">
+                  <a:lumMod val="40000"/>
+                  <a:lumOff val="60000"/>
+                </a:schemeClr>
+              </a:solidFill>
+            </a:endParaRPr>
+          </a:p>
+        </p:txBody>
+      </p:sp>
       <p:sp>
         <p:nvSpPr>
           <p:cNvPr id="2" name="Title 1">
@@ -3590,14 +3677,40 @@
             <p:ph type="ctrTitle"/>
           </p:nvPr>
         </p:nvSpPr>
-        <p:spPr/>
-        <p:txBody>
-          <a:bodyPr/>
-          <a:lstStyle/>
-          <a:p>
-            <a:r>
-              <a:rPr lang="en-US"/>
-              <a:t>Sorting Algorithms in Unity</a:t>
+        <p:spPr>
+          <a:xfrm>
+            <a:off x="1998875" y="1302871"/>
+            <a:ext cx="8188026" cy="2044650"/>
+          </a:xfrm>
+        </p:spPr>
+        <p:txBody>
+          <a:bodyPr vert="horz" lIns="91440" tIns="45720" rIns="91440" bIns="45720" rtlCol="0" anchor="b">
+            <a:normAutofit/>
+          </a:bodyPr>
+          <a:lstStyle/>
+          <a:p>
+            <a:r>
+              <a:rPr lang="en-US" sz="4800" kern="1200">
+                <a:latin typeface="+mj-lt"/>
+                <a:ea typeface="+mj-ea"/>
+                <a:cs typeface="+mj-cs"/>
+              </a:rPr>
+              <a:t>Sorting Algorithms</a:t>
+            </a:r>
+            <a:br>
+              <a:rPr lang="en-US" sz="4800"/>
+            </a:br>
+            <a:r>
+              <a:rPr lang="en-US" sz="4800"/>
+              <a:t>Visualizer </a:t>
+            </a:r>
+            <a:r>
+              <a:rPr lang="en-US" sz="4800" kern="1200">
+                <a:latin typeface="+mj-lt"/>
+                <a:ea typeface="+mj-ea"/>
+                <a:cs typeface="+mj-cs"/>
+              </a:rPr>
+              <a:t>in Unity</a:t>
             </a:r>
           </a:p>
         </p:txBody>
@@ -3618,33 +3731,51 @@
             <p:ph type="subTitle" idx="1"/>
           </p:nvPr>
         </p:nvSpPr>
-        <p:spPr/>
+        <p:spPr>
+          <a:xfrm>
+            <a:off x="1993641" y="3519236"/>
+            <a:ext cx="8192843" cy="2057046"/>
+          </a:xfrm>
+        </p:spPr>
         <p:txBody>
           <a:bodyPr vert="horz" lIns="91440" tIns="45720" rIns="91440" bIns="45720" rtlCol="0" anchor="t">
-            <a:normAutofit lnSpcReduction="10000"/>
+            <a:normAutofit/>
           </a:bodyPr>
           <a:lstStyle/>
           <a:p>
             <a:r>
-              <a:rPr lang="en-US"/>
+              <a:rPr lang="en-US" sz="1800"/>
               <a:t>By</a:t>
             </a:r>
-          </a:p>
-          <a:p>
-            <a:r>
-              <a:rPr lang="en-US"/>
+            <a:endParaRPr lang="en-US"/>
+          </a:p>
+          <a:p>
+            <a:pPr indent="-228600">
+              <a:buFont typeface="Arial" panose="020B0604020202020204" pitchFamily="34" charset="0"/>
+              <a:buChar char="•"/>
+            </a:pPr>
+            <a:r>
+              <a:rPr lang="en-US" sz="1800"/>
               <a:t>Danel  P</a:t>
             </a:r>
           </a:p>
           <a:p>
-            <a:r>
-              <a:rPr lang="en-US"/>
+            <a:pPr indent="-228600">
+              <a:buFont typeface="Arial" panose="020B0604020202020204" pitchFamily="34" charset="0"/>
+              <a:buChar char="•"/>
+            </a:pPr>
+            <a:r>
+              <a:rPr lang="en-US" sz="1800"/>
               <a:t>Jacob P</a:t>
             </a:r>
           </a:p>
           <a:p>
-            <a:r>
-              <a:rPr lang="en-US"/>
+            <a:pPr indent="-228600">
+              <a:buFont typeface="Arial" panose="020B0604020202020204" pitchFamily="34" charset="0"/>
+              <a:buChar char="•"/>
+            </a:pPr>
+            <a:r>
+              <a:rPr lang="en-US" sz="1800"/>
               <a:t>Sky S</a:t>
             </a:r>
           </a:p>
@@ -3668,6 +3799,250 @@
   <p:cSld>
     <p:spTree>
       <p:nvGrpSpPr>
+        <p:cNvPr id="1" name="">
+          <a:extLst>
+            <a:ext uri="{FF2B5EF4-FFF2-40B4-BE49-F238E27FC236}">
+              <a16:creationId xmlns:a16="http://schemas.microsoft.com/office/drawing/2014/main" id="{DE7A1CFD-AD11-6957-5256-9D2F335AB8FD}"/>
+            </a:ext>
+          </a:extLst>
+        </p:cNvPr>
+        <p:cNvGrpSpPr/>
+        <p:nvPr/>
+      </p:nvGrpSpPr>
+      <p:grpSpPr>
+        <a:xfrm>
+          <a:off x="0" y="0"/>
+          <a:ext cx="0" cy="0"/>
+          <a:chOff x="0" y="0"/>
+          <a:chExt cx="0" cy="0"/>
+        </a:xfrm>
+      </p:grpSpPr>
+      <p:sp>
+        <p:nvSpPr>
+          <p:cNvPr id="5" name="Rectangle 4">
+            <a:extLst>
+              <a:ext uri="{FF2B5EF4-FFF2-40B4-BE49-F238E27FC236}">
+                <a16:creationId xmlns:a16="http://schemas.microsoft.com/office/drawing/2014/main" id="{563BF122-CC93-2A80-967E-C817FE8CB2E7}"/>
+              </a:ext>
+              <a:ext uri="{C183D7F6-B498-43B3-948B-1728B52AA6E4}">
+                <adec:decorative xmlns:adec="http://schemas.microsoft.com/office/drawing/2017/decorative" val="1"/>
+              </a:ext>
+            </a:extLst>
+          </p:cNvPr>
+          <p:cNvSpPr>
+            <a:spLocks noGrp="1" noRot="1" noChangeAspect="1" noMove="1" noResize="1" noEditPoints="1" noAdjustHandles="1" noChangeArrowheads="1" noChangeShapeType="1" noTextEdit="1"/>
+          </p:cNvSpPr>
+          <p:nvPr>
+            <p:extLst>
+              <p:ext uri="{386F3935-93C4-4BCD-93E2-E3B085C9AB24}">
+                <p16:designElem xmlns:p16="http://schemas.microsoft.com/office/powerpoint/2015/main" val="1"/>
+              </p:ext>
+            </p:extLst>
+          </p:nvPr>
+        </p:nvSpPr>
+        <p:spPr>
+          <a:xfrm>
+            <a:off x="0" y="0"/>
+            <a:ext cx="12188952" cy="6858000"/>
+          </a:xfrm>
+          <a:prstGeom prst="rect">
+            <a:avLst/>
+          </a:prstGeom>
+          <a:solidFill>
+            <a:schemeClr val="accent1">
+              <a:alpha val="20000"/>
+            </a:schemeClr>
+          </a:solidFill>
+          <a:ln>
+            <a:noFill/>
+          </a:ln>
+        </p:spPr>
+        <p:style>
+          <a:lnRef idx="2">
+            <a:schemeClr val="accent1">
+              <a:shade val="50000"/>
+            </a:schemeClr>
+          </a:lnRef>
+          <a:fillRef idx="1">
+            <a:schemeClr val="accent1"/>
+          </a:fillRef>
+          <a:effectRef idx="0">
+            <a:schemeClr val="accent1"/>
+          </a:effectRef>
+          <a:fontRef idx="minor">
+            <a:schemeClr val="lt1"/>
+          </a:fontRef>
+        </p:style>
+        <p:txBody>
+          <a:bodyPr rtlCol="0" anchor="ctr"/>
+          <a:lstStyle/>
+          <a:p>
+            <a:pPr algn="ctr"/>
+            <a:endParaRPr lang="en-US"/>
+          </a:p>
+        </p:txBody>
+      </p:sp>
+      <p:sp>
+        <p:nvSpPr>
+          <p:cNvPr id="7" name="Rectangle 6">
+            <a:extLst>
+              <a:ext uri="{FF2B5EF4-FFF2-40B4-BE49-F238E27FC236}">
+                <a16:creationId xmlns:a16="http://schemas.microsoft.com/office/drawing/2014/main" id="{3509F80D-1DD9-1309-244E-F270976997D3}"/>
+              </a:ext>
+              <a:ext uri="{C183D7F6-B498-43B3-948B-1728B52AA6E4}">
+                <adec:decorative xmlns:adec="http://schemas.microsoft.com/office/drawing/2017/decorative" val="1"/>
+              </a:ext>
+            </a:extLst>
+          </p:cNvPr>
+          <p:cNvSpPr>
+            <a:spLocks noGrp="1" noRot="1" noChangeAspect="1" noMove="1" noResize="1" noEditPoints="1" noAdjustHandles="1" noChangeArrowheads="1" noChangeShapeType="1" noTextEdit="1"/>
+          </p:cNvSpPr>
+          <p:nvPr>
+            <p:extLst>
+              <p:ext uri="{386F3935-93C4-4BCD-93E2-E3B085C9AB24}">
+                <p16:designElem xmlns:p16="http://schemas.microsoft.com/office/powerpoint/2015/main" val="1"/>
+              </p:ext>
+            </p:extLst>
+          </p:nvPr>
+        </p:nvSpPr>
+        <p:spPr>
+          <a:xfrm>
+            <a:off x="536678" y="0"/>
+            <a:ext cx="11145980" cy="6870723"/>
+          </a:xfrm>
+          <a:prstGeom prst="rect">
+            <a:avLst/>
+          </a:prstGeom>
+          <a:solidFill>
+            <a:schemeClr val="bg1"/>
+          </a:solidFill>
+          <a:ln w="34925">
+            <a:noFill/>
+          </a:ln>
+        </p:spPr>
+        <p:style>
+          <a:lnRef idx="2">
+            <a:schemeClr val="accent1">
+              <a:shade val="50000"/>
+            </a:schemeClr>
+          </a:lnRef>
+          <a:fillRef idx="1">
+            <a:schemeClr val="accent1"/>
+          </a:fillRef>
+          <a:effectRef idx="0">
+            <a:schemeClr val="accent1"/>
+          </a:effectRef>
+          <a:fontRef idx="minor">
+            <a:schemeClr val="lt1"/>
+          </a:fontRef>
+        </p:style>
+        <p:txBody>
+          <a:bodyPr rtlCol="0" anchor="ctr"/>
+          <a:lstStyle/>
+          <a:p>
+            <a:pPr algn="ctr"/>
+            <a:endParaRPr lang="en-US" b="1">
+              <a:ln w="22225">
+                <a:solidFill>
+                  <a:schemeClr val="accent2"/>
+                </a:solidFill>
+                <a:prstDash val="solid"/>
+              </a:ln>
+              <a:solidFill>
+                <a:schemeClr val="accent2">
+                  <a:lumMod val="40000"/>
+                  <a:lumOff val="60000"/>
+                </a:schemeClr>
+              </a:solidFill>
+            </a:endParaRPr>
+          </a:p>
+        </p:txBody>
+      </p:sp>
+      <p:sp>
+        <p:nvSpPr>
+          <p:cNvPr id="2" name="Title 1">
+            <a:extLst>
+              <a:ext uri="{FF2B5EF4-FFF2-40B4-BE49-F238E27FC236}">
+                <a16:creationId xmlns:a16="http://schemas.microsoft.com/office/drawing/2014/main" id="{F2134E48-7398-CCF3-2514-6BF78AC10C14}"/>
+              </a:ext>
+            </a:extLst>
+          </p:cNvPr>
+          <p:cNvSpPr>
+            <a:spLocks noGrp="1"/>
+          </p:cNvSpPr>
+          <p:nvPr>
+            <p:ph type="title"/>
+          </p:nvPr>
+        </p:nvSpPr>
+        <p:spPr/>
+        <p:txBody>
+          <a:bodyPr/>
+          <a:lstStyle/>
+          <a:p>
+            <a:r>
+              <a:rPr lang="en-US"/>
+              <a:t>Improvements</a:t>
+            </a:r>
+          </a:p>
+        </p:txBody>
+      </p:sp>
+      <p:sp>
+        <p:nvSpPr>
+          <p:cNvPr id="3" name="Content Placeholder 2">
+            <a:extLst>
+              <a:ext uri="{FF2B5EF4-FFF2-40B4-BE49-F238E27FC236}">
+                <a16:creationId xmlns:a16="http://schemas.microsoft.com/office/drawing/2014/main" id="{47C2FFB1-96CF-F4EC-3C32-7E11CA67422D}"/>
+              </a:ext>
+            </a:extLst>
+          </p:cNvPr>
+          <p:cNvSpPr>
+            <a:spLocks noGrp="1"/>
+          </p:cNvSpPr>
+          <p:nvPr>
+            <p:ph idx="1"/>
+          </p:nvPr>
+        </p:nvSpPr>
+        <p:spPr/>
+        <p:txBody>
+          <a:bodyPr vert="horz" lIns="91440" tIns="45720" rIns="91440" bIns="45720" rtlCol="0" anchor="t">
+            <a:normAutofit/>
+          </a:bodyPr>
+          <a:lstStyle/>
+          <a:p>
+            <a:r>
+              <a:rPr lang="en-US"/>
+              <a:t>Add additional sorting algorithms (code was made to be modular so additional sorting algorithms can be added quickly)</a:t>
+            </a:r>
+          </a:p>
+          <a:p>
+            <a:r>
+              <a:rPr lang="en-US"/>
+              <a:t>Add a color visualizer to see which bar is currently being moved</a:t>
+            </a:r>
+          </a:p>
+          <a:p>
+            <a:endParaRPr lang="en-US"/>
+          </a:p>
+        </p:txBody>
+      </p:sp>
+    </p:spTree>
+    <p:extLst>
+      <p:ext uri="{BB962C8B-B14F-4D97-AF65-F5344CB8AC3E}">
+        <p14:creationId xmlns:p14="http://schemas.microsoft.com/office/powerpoint/2010/main" val="2253858949"/>
+      </p:ext>
+    </p:extLst>
+  </p:cSld>
+  <p:clrMapOvr>
+    <a:masterClrMapping/>
+  </p:clrMapOvr>
+</p:sld>
+</file>
+
+<file path=ppt/slides/slide11.xml><?xml version="1.0" encoding="utf-8"?>
+<p:sld xmlns:a="http://schemas.openxmlformats.org/drawingml/2006/main" xmlns:r="http://schemas.openxmlformats.org/officeDocument/2006/relationships" xmlns:p="http://schemas.openxmlformats.org/presentationml/2006/main">
+  <p:cSld>
+    <p:spTree>
+      <p:nvGrpSpPr>
         <p:cNvPr id="1" name=""/>
         <p:cNvGrpSpPr/>
         <p:nvPr/>
@@ -3680,39 +4055,388 @@
           <a:chExt cx="0" cy="0"/>
         </a:xfrm>
       </p:grpSpPr>
-      <p:pic>
-        <p:nvPicPr>
-          <p:cNvPr id="4" name="Content Placeholder 3" descr="Works Cited Cat Meme - Works cited cat - Discover &amp; Share GIFs">
-            <a:extLst>
-              <a:ext uri="{FF2B5EF4-FFF2-40B4-BE49-F238E27FC236}">
-                <a16:creationId xmlns:a16="http://schemas.microsoft.com/office/drawing/2014/main" id="{E1556681-E41B-9126-BB15-C18EFD133018}"/>
-              </a:ext>
-            </a:extLst>
-          </p:cNvPr>
-          <p:cNvPicPr>
-            <a:picLocks noGrp="1" noChangeAspect="1"/>
-          </p:cNvPicPr>
-          <p:nvPr>
-            <p:ph idx="1"/>
-          </p:nvPr>
-        </p:nvPicPr>
-        <p:blipFill>
-          <a:blip r:embed="rId2"/>
-          <a:srcRect l="1847" t="4965" r="2639" b="-467"/>
-          <a:stretch>
-            <a:fillRect/>
-          </a:stretch>
-        </p:blipFill>
-        <p:spPr>
-          <a:xfrm>
-            <a:off x="4194042" y="1868805"/>
-            <a:ext cx="3672120" cy="4155652"/>
+      <p:sp>
+        <p:nvSpPr>
+          <p:cNvPr id="9" name="Rectangle 8">
+            <a:extLst>
+              <a:ext uri="{FF2B5EF4-FFF2-40B4-BE49-F238E27FC236}">
+                <a16:creationId xmlns:a16="http://schemas.microsoft.com/office/drawing/2014/main" id="{A483415F-C03E-29C4-3C57-C8E584FC249B}"/>
+              </a:ext>
+              <a:ext uri="{C183D7F6-B498-43B3-948B-1728B52AA6E4}">
+                <adec:decorative xmlns:adec="http://schemas.microsoft.com/office/drawing/2017/decorative" val="1"/>
+              </a:ext>
+            </a:extLst>
+          </p:cNvPr>
+          <p:cNvSpPr>
+            <a:spLocks noGrp="1" noRot="1" noChangeAspect="1" noMove="1" noResize="1" noEditPoints="1" noAdjustHandles="1" noChangeArrowheads="1" noChangeShapeType="1" noTextEdit="1"/>
+          </p:cNvSpPr>
+          <p:nvPr>
+            <p:extLst>
+              <p:ext uri="{386F3935-93C4-4BCD-93E2-E3B085C9AB24}">
+                <p16:designElem xmlns:p16="http://schemas.microsoft.com/office/powerpoint/2015/main" val="1"/>
+              </p:ext>
+            </p:extLst>
+          </p:nvPr>
+        </p:nvSpPr>
+        <p:spPr>
+          <a:xfrm>
+            <a:off x="0" y="0"/>
+            <a:ext cx="12188952" cy="6858000"/>
           </a:xfrm>
           <a:prstGeom prst="rect">
             <a:avLst/>
           </a:prstGeom>
-        </p:spPr>
-      </p:pic>
+          <a:solidFill>
+            <a:schemeClr val="accent1">
+              <a:alpha val="20000"/>
+            </a:schemeClr>
+          </a:solidFill>
+          <a:ln>
+            <a:noFill/>
+          </a:ln>
+        </p:spPr>
+        <p:style>
+          <a:lnRef idx="2">
+            <a:schemeClr val="accent1">
+              <a:shade val="50000"/>
+            </a:schemeClr>
+          </a:lnRef>
+          <a:fillRef idx="1">
+            <a:schemeClr val="accent1"/>
+          </a:fillRef>
+          <a:effectRef idx="0">
+            <a:schemeClr val="accent1"/>
+          </a:effectRef>
+          <a:fontRef idx="minor">
+            <a:schemeClr val="lt1"/>
+          </a:fontRef>
+        </p:style>
+        <p:txBody>
+          <a:bodyPr rtlCol="0" anchor="ctr"/>
+          <a:lstStyle/>
+          <a:p>
+            <a:pPr algn="ctr"/>
+            <a:endParaRPr lang="en-US"/>
+          </a:p>
+        </p:txBody>
+      </p:sp>
+      <p:sp>
+        <p:nvSpPr>
+          <p:cNvPr id="11" name="Rectangle 10">
+            <a:extLst>
+              <a:ext uri="{FF2B5EF4-FFF2-40B4-BE49-F238E27FC236}">
+                <a16:creationId xmlns:a16="http://schemas.microsoft.com/office/drawing/2014/main" id="{C66A86BE-6D8D-9F0A-AAF1-7F1D0885F377}"/>
+              </a:ext>
+              <a:ext uri="{C183D7F6-B498-43B3-948B-1728B52AA6E4}">
+                <adec:decorative xmlns:adec="http://schemas.microsoft.com/office/drawing/2017/decorative" val="1"/>
+              </a:ext>
+            </a:extLst>
+          </p:cNvPr>
+          <p:cNvSpPr>
+            <a:spLocks noGrp="1" noRot="1" noChangeAspect="1" noMove="1" noResize="1" noEditPoints="1" noAdjustHandles="1" noChangeArrowheads="1" noChangeShapeType="1" noTextEdit="1"/>
+          </p:cNvSpPr>
+          <p:nvPr>
+            <p:extLst>
+              <p:ext uri="{386F3935-93C4-4BCD-93E2-E3B085C9AB24}">
+                <p16:designElem xmlns:p16="http://schemas.microsoft.com/office/powerpoint/2015/main" val="1"/>
+              </p:ext>
+            </p:extLst>
+          </p:nvPr>
+        </p:nvSpPr>
+        <p:spPr>
+          <a:xfrm>
+            <a:off x="538542" y="729175"/>
+            <a:ext cx="11099352" cy="5399650"/>
+          </a:xfrm>
+          <a:prstGeom prst="rect">
+            <a:avLst/>
+          </a:prstGeom>
+          <a:solidFill>
+            <a:schemeClr val="bg1"/>
+          </a:solidFill>
+          <a:ln w="34925">
+            <a:noFill/>
+          </a:ln>
+        </p:spPr>
+        <p:style>
+          <a:lnRef idx="2">
+            <a:schemeClr val="accent1">
+              <a:shade val="50000"/>
+            </a:schemeClr>
+          </a:lnRef>
+          <a:fillRef idx="1">
+            <a:schemeClr val="accent1"/>
+          </a:fillRef>
+          <a:effectRef idx="0">
+            <a:schemeClr val="accent1"/>
+          </a:effectRef>
+          <a:fontRef idx="minor">
+            <a:schemeClr val="lt1"/>
+          </a:fontRef>
+        </p:style>
+        <p:txBody>
+          <a:bodyPr rtlCol="0" anchor="ctr"/>
+          <a:lstStyle/>
+          <a:p>
+            <a:pPr algn="ctr"/>
+            <a:endParaRPr lang="en-US" b="1">
+              <a:ln w="22225">
+                <a:solidFill>
+                  <a:schemeClr val="accent2"/>
+                </a:solidFill>
+                <a:prstDash val="solid"/>
+              </a:ln>
+              <a:solidFill>
+                <a:schemeClr val="accent2">
+                  <a:lumMod val="40000"/>
+                  <a:lumOff val="60000"/>
+                </a:schemeClr>
+              </a:solidFill>
+            </a:endParaRPr>
+          </a:p>
+        </p:txBody>
+      </p:sp>
+      <p:sp>
+        <p:nvSpPr>
+          <p:cNvPr id="2" name="Title 1">
+            <a:extLst>
+              <a:ext uri="{FF2B5EF4-FFF2-40B4-BE49-F238E27FC236}">
+                <a16:creationId xmlns:a16="http://schemas.microsoft.com/office/drawing/2014/main" id="{DE0BFCD7-1114-170B-3DCE-F085E5A395E1}"/>
+              </a:ext>
+            </a:extLst>
+          </p:cNvPr>
+          <p:cNvSpPr>
+            <a:spLocks noGrp="1"/>
+          </p:cNvSpPr>
+          <p:nvPr>
+            <p:ph type="ctrTitle"/>
+          </p:nvPr>
+        </p:nvSpPr>
+        <p:spPr/>
+        <p:txBody>
+          <a:bodyPr/>
+          <a:lstStyle/>
+          <a:p>
+            <a:r>
+              <a:rPr lang="en-US"/>
+              <a:t>DEMO TIME</a:t>
+            </a:r>
+          </a:p>
+        </p:txBody>
+      </p:sp>
+      <p:sp>
+        <p:nvSpPr>
+          <p:cNvPr id="3" name="Subtitle 2">
+            <a:extLst>
+              <a:ext uri="{FF2B5EF4-FFF2-40B4-BE49-F238E27FC236}">
+                <a16:creationId xmlns:a16="http://schemas.microsoft.com/office/drawing/2014/main" id="{9A520E9E-1030-5EF5-FBBE-7229689BAE51}"/>
+              </a:ext>
+            </a:extLst>
+          </p:cNvPr>
+          <p:cNvSpPr>
+            <a:spLocks noGrp="1"/>
+          </p:cNvSpPr>
+          <p:nvPr>
+            <p:ph type="subTitle" idx="1"/>
+          </p:nvPr>
+        </p:nvSpPr>
+        <p:spPr>
+          <a:xfrm>
+            <a:off x="1524000" y="3901051"/>
+            <a:ext cx="9144000" cy="1655762"/>
+          </a:xfrm>
+        </p:spPr>
+        <p:txBody>
+          <a:bodyPr vert="horz" lIns="91440" tIns="45720" rIns="91440" bIns="45720" rtlCol="0" anchor="t">
+            <a:normAutofit/>
+          </a:bodyPr>
+          <a:lstStyle/>
+          <a:p>
+            <a:r>
+              <a:rPr lang="en-US"/>
+              <a:t>Play Here -&gt; </a:t>
+            </a:r>
+            <a:r>
+              <a:rPr lang="en-US">
+                <a:hlinkClick r:id="rId2"/>
+              </a:rPr>
+              <a:t>https://d-pratt22.github.io/CS315-Group-Project</a:t>
+            </a:r>
+            <a:endParaRPr lang="en-US"/>
+          </a:p>
+        </p:txBody>
+      </p:sp>
+    </p:spTree>
+    <p:extLst>
+      <p:ext uri="{BB962C8B-B14F-4D97-AF65-F5344CB8AC3E}">
+        <p14:creationId xmlns:p14="http://schemas.microsoft.com/office/powerpoint/2010/main" val="2373773559"/>
+      </p:ext>
+    </p:extLst>
+  </p:cSld>
+  <p:clrMapOvr>
+    <a:masterClrMapping/>
+  </p:clrMapOvr>
+</p:sld>
+</file>
+
+<file path=ppt/slides/slide12.xml><?xml version="1.0" encoding="utf-8"?>
+<p:sld xmlns:a="http://schemas.openxmlformats.org/drawingml/2006/main" xmlns:r="http://schemas.openxmlformats.org/officeDocument/2006/relationships" xmlns:p="http://schemas.openxmlformats.org/presentationml/2006/main">
+  <p:cSld>
+    <p:spTree>
+      <p:nvGrpSpPr>
+        <p:cNvPr id="1" name=""/>
+        <p:cNvGrpSpPr/>
+        <p:nvPr/>
+      </p:nvGrpSpPr>
+      <p:grpSpPr>
+        <a:xfrm>
+          <a:off x="0" y="0"/>
+          <a:ext cx="0" cy="0"/>
+          <a:chOff x="0" y="0"/>
+          <a:chExt cx="0" cy="0"/>
+        </a:xfrm>
+      </p:grpSpPr>
+      <p:sp>
+        <p:nvSpPr>
+          <p:cNvPr id="9" name="Rectangle 8">
+            <a:extLst>
+              <a:ext uri="{FF2B5EF4-FFF2-40B4-BE49-F238E27FC236}">
+                <a16:creationId xmlns:a16="http://schemas.microsoft.com/office/drawing/2014/main" id="{27F33B31-0083-644D-A998-FCF061B0E5FB}"/>
+              </a:ext>
+              <a:ext uri="{C183D7F6-B498-43B3-948B-1728B52AA6E4}">
+                <adec:decorative xmlns:adec="http://schemas.microsoft.com/office/drawing/2017/decorative" val="1"/>
+              </a:ext>
+            </a:extLst>
+          </p:cNvPr>
+          <p:cNvSpPr>
+            <a:spLocks noGrp="1" noRot="1" noChangeAspect="1" noMove="1" noResize="1" noEditPoints="1" noAdjustHandles="1" noChangeArrowheads="1" noChangeShapeType="1" noTextEdit="1"/>
+          </p:cNvSpPr>
+          <p:nvPr>
+            <p:extLst>
+              <p:ext uri="{386F3935-93C4-4BCD-93E2-E3B085C9AB24}">
+                <p16:designElem xmlns:p16="http://schemas.microsoft.com/office/powerpoint/2015/main" val="1"/>
+              </p:ext>
+            </p:extLst>
+          </p:nvPr>
+        </p:nvSpPr>
+        <p:spPr>
+          <a:xfrm>
+            <a:off x="0" y="0"/>
+            <a:ext cx="12188952" cy="6858000"/>
+          </a:xfrm>
+          <a:prstGeom prst="rect">
+            <a:avLst/>
+          </a:prstGeom>
+          <a:solidFill>
+            <a:schemeClr val="accent1">
+              <a:alpha val="20000"/>
+            </a:schemeClr>
+          </a:solidFill>
+          <a:ln>
+            <a:noFill/>
+          </a:ln>
+        </p:spPr>
+        <p:style>
+          <a:lnRef idx="2">
+            <a:schemeClr val="accent1">
+              <a:shade val="50000"/>
+            </a:schemeClr>
+          </a:lnRef>
+          <a:fillRef idx="1">
+            <a:schemeClr val="accent1"/>
+          </a:fillRef>
+          <a:effectRef idx="0">
+            <a:schemeClr val="accent1"/>
+          </a:effectRef>
+          <a:fontRef idx="minor">
+            <a:schemeClr val="lt1"/>
+          </a:fontRef>
+        </p:style>
+        <p:txBody>
+          <a:bodyPr rtlCol="0" anchor="ctr"/>
+          <a:lstStyle/>
+          <a:p>
+            <a:pPr algn="ctr"/>
+            <a:endParaRPr lang="en-US"/>
+          </a:p>
+        </p:txBody>
+      </p:sp>
+      <p:sp>
+        <p:nvSpPr>
+          <p:cNvPr id="11" name="Rectangle 10">
+            <a:extLst>
+              <a:ext uri="{FF2B5EF4-FFF2-40B4-BE49-F238E27FC236}">
+                <a16:creationId xmlns:a16="http://schemas.microsoft.com/office/drawing/2014/main" id="{DFB817C9-FB6D-DB1E-F892-AA4D9584307B}"/>
+              </a:ext>
+              <a:ext uri="{C183D7F6-B498-43B3-948B-1728B52AA6E4}">
+                <adec:decorative xmlns:adec="http://schemas.microsoft.com/office/drawing/2017/decorative" val="1"/>
+              </a:ext>
+            </a:extLst>
+          </p:cNvPr>
+          <p:cNvSpPr>
+            <a:spLocks noGrp="1" noRot="1" noChangeAspect="1" noMove="1" noResize="1" noEditPoints="1" noAdjustHandles="1" noChangeArrowheads="1" noChangeShapeType="1" noTextEdit="1"/>
+          </p:cNvSpPr>
+          <p:nvPr>
+            <p:extLst>
+              <p:ext uri="{386F3935-93C4-4BCD-93E2-E3B085C9AB24}">
+                <p16:designElem xmlns:p16="http://schemas.microsoft.com/office/powerpoint/2015/main" val="1"/>
+              </p:ext>
+            </p:extLst>
+          </p:nvPr>
+        </p:nvSpPr>
+        <p:spPr>
+          <a:xfrm>
+            <a:off x="536678" y="0"/>
+            <a:ext cx="11145980" cy="6870723"/>
+          </a:xfrm>
+          <a:prstGeom prst="rect">
+            <a:avLst/>
+          </a:prstGeom>
+          <a:solidFill>
+            <a:schemeClr val="bg1"/>
+          </a:solidFill>
+          <a:ln w="34925">
+            <a:noFill/>
+          </a:ln>
+        </p:spPr>
+        <p:style>
+          <a:lnRef idx="2">
+            <a:schemeClr val="accent1">
+              <a:shade val="50000"/>
+            </a:schemeClr>
+          </a:lnRef>
+          <a:fillRef idx="1">
+            <a:schemeClr val="accent1"/>
+          </a:fillRef>
+          <a:effectRef idx="0">
+            <a:schemeClr val="accent1"/>
+          </a:effectRef>
+          <a:fontRef idx="minor">
+            <a:schemeClr val="lt1"/>
+          </a:fontRef>
+        </p:style>
+        <p:txBody>
+          <a:bodyPr rtlCol="0" anchor="ctr"/>
+          <a:lstStyle/>
+          <a:p>
+            <a:pPr algn="ctr"/>
+            <a:endParaRPr lang="en-US" b="1">
+              <a:ln w="22225">
+                <a:solidFill>
+                  <a:schemeClr val="accent2"/>
+                </a:solidFill>
+                <a:prstDash val="solid"/>
+              </a:ln>
+              <a:solidFill>
+                <a:schemeClr val="accent2">
+                  <a:lumMod val="40000"/>
+                  <a:lumOff val="60000"/>
+                </a:schemeClr>
+              </a:solidFill>
+            </a:endParaRPr>
+          </a:p>
+        </p:txBody>
+      </p:sp>
       <p:sp>
         <p:nvSpPr>
           <p:cNvPr id="7" name="Title 6">
@@ -3735,9 +4459,72 @@
           <a:lstStyle/>
           <a:p>
             <a:r>
-              <a:rPr lang="en-US"/>
-              <a:t>works cited:</a:t>
-            </a:r>
+              <a:rPr lang="en-US" dirty="0"/>
+              <a:t>Works Cited:</a:t>
+            </a:r>
+          </a:p>
+        </p:txBody>
+      </p:sp>
+      <p:sp>
+        <p:nvSpPr>
+          <p:cNvPr id="3" name="Content Placeholder 2">
+            <a:extLst>
+              <a:ext uri="{FF2B5EF4-FFF2-40B4-BE49-F238E27FC236}">
+                <a16:creationId xmlns:a16="http://schemas.microsoft.com/office/drawing/2014/main" id="{474B2070-2A06-38A0-0BAC-12017846AF48}"/>
+              </a:ext>
+            </a:extLst>
+          </p:cNvPr>
+          <p:cNvSpPr>
+            <a:spLocks noGrp="1"/>
+          </p:cNvSpPr>
+          <p:nvPr>
+            <p:ph idx="1"/>
+          </p:nvPr>
+        </p:nvSpPr>
+        <p:spPr/>
+        <p:txBody>
+          <a:bodyPr vert="horz" lIns="91440" tIns="45720" rIns="91440" bIns="45720" rtlCol="0" anchor="t">
+            <a:normAutofit/>
+          </a:bodyPr>
+          <a:lstStyle/>
+          <a:p>
+            <a:r>
+              <a:rPr lang="en-US">
+                <a:hlinkClick r:id="rId2"/>
+              </a:rPr>
+              <a:t>https://www.geeksforgeeks.org/dsa/quick-sort-algorithm/</a:t>
+            </a:r>
+            <a:endParaRPr lang="en-US"/>
+          </a:p>
+          <a:p>
+            <a:r>
+              <a:rPr lang="en-US">
+                <a:hlinkClick r:id="rId3"/>
+              </a:rPr>
+              <a:t>https://stackoverflow.com/questions/49627565/camera-controller-in-unity</a:t>
+            </a:r>
+            <a:endParaRPr lang="en-US"/>
+          </a:p>
+          <a:p>
+            <a:r>
+              <a:rPr lang="en-US">
+                <a:ea typeface="+mn-lt"/>
+                <a:cs typeface="+mn-lt"/>
+                <a:hlinkClick r:id="rId4"/>
+              </a:rPr>
+              <a:t>https://chatgpt.com</a:t>
+            </a:r>
+            <a:r>
+              <a:rPr lang="en-US">
+                <a:ea typeface="+mn-lt"/>
+                <a:cs typeface="+mn-lt"/>
+              </a:rPr>
+              <a:t> (Used for debugging mostly)</a:t>
+            </a:r>
+            <a:endParaRPr lang="en-US"/>
+          </a:p>
+          <a:p>
+            <a:endParaRPr lang="en-US"/>
           </a:p>
         </p:txBody>
       </p:sp>
@@ -3897,10 +4684,151 @@
       </p:grpSpPr>
       <p:sp>
         <p:nvSpPr>
+          <p:cNvPr id="5" name="Rectangle 4">
+            <a:extLst>
+              <a:ext uri="{FF2B5EF4-FFF2-40B4-BE49-F238E27FC236}">
+                <a16:creationId xmlns:a16="http://schemas.microsoft.com/office/drawing/2014/main" id="{A07A6DE8-5824-538F-45EF-2BC6BBCE3A59}"/>
+              </a:ext>
+              <a:ext uri="{C183D7F6-B498-43B3-948B-1728B52AA6E4}">
+                <adec:decorative xmlns:adec="http://schemas.microsoft.com/office/drawing/2017/decorative" val="1"/>
+              </a:ext>
+            </a:extLst>
+          </p:cNvPr>
+          <p:cNvSpPr>
+            <a:spLocks noGrp="1" noRot="1" noChangeAspect="1" noMove="1" noResize="1" noEditPoints="1" noAdjustHandles="1" noChangeArrowheads="1" noChangeShapeType="1" noTextEdit="1"/>
+          </p:cNvSpPr>
+          <p:nvPr>
+            <p:extLst>
+              <p:ext uri="{386F3935-93C4-4BCD-93E2-E3B085C9AB24}">
+                <p16:designElem xmlns:p16="http://schemas.microsoft.com/office/powerpoint/2015/main" val="1"/>
+              </p:ext>
+            </p:extLst>
+          </p:nvPr>
+        </p:nvSpPr>
+        <p:spPr>
+          <a:xfrm>
+            <a:off x="0" y="0"/>
+            <a:ext cx="12188952" cy="6858000"/>
+          </a:xfrm>
+          <a:prstGeom prst="rect">
+            <a:avLst/>
+          </a:prstGeom>
+          <a:solidFill>
+            <a:schemeClr val="accent1">
+              <a:alpha val="20000"/>
+            </a:schemeClr>
+          </a:solidFill>
+          <a:ln>
+            <a:noFill/>
+          </a:ln>
+        </p:spPr>
+        <p:style>
+          <a:lnRef idx="2">
+            <a:schemeClr val="accent1">
+              <a:shade val="50000"/>
+            </a:schemeClr>
+          </a:lnRef>
+          <a:fillRef idx="1">
+            <a:schemeClr val="accent1"/>
+          </a:fillRef>
+          <a:effectRef idx="0">
+            <a:schemeClr val="accent1"/>
+          </a:effectRef>
+          <a:fontRef idx="minor">
+            <a:schemeClr val="lt1"/>
+          </a:fontRef>
+        </p:style>
+        <p:txBody>
+          <a:bodyPr rtlCol="0" anchor="ctr"/>
+          <a:lstStyle/>
+          <a:p>
+            <a:pPr algn="ctr"/>
+            <a:endParaRPr lang="en-US"/>
+          </a:p>
+        </p:txBody>
+      </p:sp>
+      <p:sp>
+        <p:nvSpPr>
+          <p:cNvPr id="9" name="Rectangle 8">
+            <a:extLst>
+              <a:ext uri="{FF2B5EF4-FFF2-40B4-BE49-F238E27FC236}">
+                <a16:creationId xmlns:a16="http://schemas.microsoft.com/office/drawing/2014/main" id="{C53F890D-C9B5-CECA-9F17-7BF4B1B08D0D}"/>
+              </a:ext>
+              <a:ext uri="{C183D7F6-B498-43B3-948B-1728B52AA6E4}">
+                <adec:decorative xmlns:adec="http://schemas.microsoft.com/office/drawing/2017/decorative" val="1"/>
+              </a:ext>
+            </a:extLst>
+          </p:cNvPr>
+          <p:cNvSpPr>
+            <a:spLocks noGrp="1" noRot="1" noChangeAspect="1" noMove="1" noResize="1" noEditPoints="1" noAdjustHandles="1" noChangeArrowheads="1" noChangeShapeType="1" noTextEdit="1"/>
+          </p:cNvSpPr>
+          <p:nvPr>
+            <p:extLst>
+              <p:ext uri="{386F3935-93C4-4BCD-93E2-E3B085C9AB24}">
+                <p16:designElem xmlns:p16="http://schemas.microsoft.com/office/powerpoint/2015/main" val="1"/>
+              </p:ext>
+            </p:extLst>
+          </p:nvPr>
+        </p:nvSpPr>
+        <p:spPr>
+          <a:xfrm>
+            <a:off x="536678" y="0"/>
+            <a:ext cx="11145980" cy="6870723"/>
+          </a:xfrm>
+          <a:prstGeom prst="rect">
+            <a:avLst/>
+          </a:prstGeom>
+          <a:solidFill>
+            <a:schemeClr val="bg1"/>
+          </a:solidFill>
+          <a:ln w="34925">
+            <a:noFill/>
+          </a:ln>
+        </p:spPr>
+        <p:style>
+          <a:lnRef idx="2">
+            <a:schemeClr val="accent1">
+              <a:shade val="50000"/>
+            </a:schemeClr>
+          </a:lnRef>
+          <a:fillRef idx="1">
+            <a:schemeClr val="accent1"/>
+          </a:fillRef>
+          <a:effectRef idx="0">
+            <a:schemeClr val="accent1"/>
+          </a:effectRef>
+          <a:fontRef idx="minor">
+            <a:schemeClr val="lt1"/>
+          </a:fontRef>
+        </p:style>
+        <p:txBody>
+          <a:bodyPr rtlCol="0" anchor="ctr"/>
+          <a:lstStyle/>
+          <a:p>
+            <a:pPr algn="ctr"/>
+            <a:endParaRPr lang="en-US" b="1">
+              <a:ln w="22225">
+                <a:solidFill>
+                  <a:schemeClr val="accent2"/>
+                </a:solidFill>
+                <a:prstDash val="solid"/>
+              </a:ln>
+              <a:solidFill>
+                <a:schemeClr val="accent2">
+                  <a:lumMod val="40000"/>
+                  <a:lumOff val="60000"/>
+                </a:schemeClr>
+              </a:solidFill>
+            </a:endParaRPr>
+          </a:p>
+        </p:txBody>
+      </p:sp>
+      <p:sp>
+        <p:nvSpPr>
           <p:cNvPr id="2" name="Title 1">
             <a:extLst>
               <a:ext uri="{FF2B5EF4-FFF2-40B4-BE49-F238E27FC236}">
-                <a16:creationId xmlns:a16="http://schemas.microsoft.com/office/drawing/2014/main" id="{6DC3B850-6F17-1102-D23E-B9F71E326866}"/>
+                <a16:creationId xmlns:a16="http://schemas.microsoft.com/office/drawing/2014/main" id="{C2A02CDD-43BA-8522-9C7C-F78AABC6E432}"/>
               </a:ext>
             </a:extLst>
           </p:cNvPr>
@@ -3916,7 +4844,10 @@
           <a:bodyPr/>
           <a:lstStyle/>
           <a:p>
-            <a:endParaRPr lang="en-US"/>
+            <a:r>
+              <a:rPr lang="en-US"/>
+              <a:t>Agenda</a:t>
+            </a:r>
           </a:p>
         </p:txBody>
       </p:sp>
@@ -3925,7 +4856,7 @@
           <p:cNvPr id="3" name="Content Placeholder 2">
             <a:extLst>
               <a:ext uri="{FF2B5EF4-FFF2-40B4-BE49-F238E27FC236}">
-                <a16:creationId xmlns:a16="http://schemas.microsoft.com/office/drawing/2014/main" id="{559B0AD2-8996-9D52-D796-C4B883DCE235}"/>
+                <a16:creationId xmlns:a16="http://schemas.microsoft.com/office/drawing/2014/main" id="{B840A2E6-C55A-4432-AAE4-4385F7AD39D1}"/>
               </a:ext>
             </a:extLst>
           </p:cNvPr>
@@ -3938,17 +4869,70 @@
         </p:nvSpPr>
         <p:spPr/>
         <p:txBody>
-          <a:bodyPr/>
-          <a:lstStyle/>
-          <a:p>
-            <a:endParaRPr lang="en-US"/>
+          <a:bodyPr vert="horz" lIns="91440" tIns="45720" rIns="91440" bIns="45720" rtlCol="0" anchor="t">
+            <a:normAutofit/>
+          </a:bodyPr>
+          <a:lstStyle/>
+          <a:p>
+            <a:r>
+              <a:rPr lang="en-US"/>
+              <a:t>Sorting Algorithms + Big O</a:t>
+            </a:r>
+          </a:p>
+          <a:p>
+            <a:pPr lvl="1">
+              <a:buFont typeface="Courier New" panose="020B0604020202020204" pitchFamily="34" charset="0"/>
+              <a:buChar char="o"/>
+            </a:pPr>
+            <a:r>
+              <a:rPr lang="en-US"/>
+              <a:t>Bubble Sort</a:t>
+            </a:r>
+          </a:p>
+          <a:p>
+            <a:pPr lvl="1">
+              <a:buFont typeface="Courier New" panose="020B0604020202020204" pitchFamily="34" charset="0"/>
+              <a:buChar char="o"/>
+            </a:pPr>
+            <a:r>
+              <a:rPr lang="en-US"/>
+              <a:t>Insertion Sort</a:t>
+            </a:r>
+          </a:p>
+          <a:p>
+            <a:pPr lvl="1">
+              <a:buFont typeface="Courier New" panose="020B0604020202020204" pitchFamily="34" charset="0"/>
+              <a:buChar char="o"/>
+            </a:pPr>
+            <a:r>
+              <a:rPr lang="en-US"/>
+              <a:t>Quick Sort</a:t>
+            </a:r>
+          </a:p>
+          <a:p>
+            <a:r>
+              <a:rPr lang="en-US"/>
+              <a:t>Challenges</a:t>
+            </a:r>
+          </a:p>
+          <a:p>
+            <a:r>
+              <a:rPr lang="en-US"/>
+              <a:t>Improvements</a:t>
+            </a:r>
+          </a:p>
+          <a:p>
+            <a:r>
+              <a:rPr lang="en-US"/>
+              <a:t>Class Demo</a:t>
+            </a:r>
           </a:p>
         </p:txBody>
       </p:sp>
     </p:spTree>
     <p:extLst>
       <p:ext uri="{BB962C8B-B14F-4D97-AF65-F5344CB8AC3E}">
-        <p14:creationId xmlns:p14="http://schemas.microsoft.com/office/powerpoint/2010/main" val="968604046"/>
+        <p14:creationId xmlns:p14="http://schemas.microsoft.com/office/powerpoint/2010/main" val="1362683083"/>
       </p:ext>
     </p:extLst>
   </p:cSld>
@@ -3961,6 +4945,14 @@
 <file path=ppt/slides/slide3.xml><?xml version="1.0" encoding="utf-8"?>
 <p:sld xmlns:a="http://schemas.openxmlformats.org/drawingml/2006/main" xmlns:r="http://schemas.openxmlformats.org/officeDocument/2006/relationships" xmlns:p="http://schemas.openxmlformats.org/presentationml/2006/main">
   <p:cSld>
+    <p:bg>
+      <p:bgPr>
+        <a:solidFill>
+          <a:schemeClr val="bg1"/>
+        </a:solidFill>
+        <a:effectLst/>
+      </p:bgPr>
+    </p:bg>
     <p:spTree>
       <p:nvGrpSpPr>
         <p:cNvPr id="1" name=""/>
@@ -3975,6 +4967,317 @@
           <a:chExt cx="0" cy="0"/>
         </a:xfrm>
       </p:grpSpPr>
+      <p:sp useBgFill="1">
+        <p:nvSpPr>
+          <p:cNvPr id="14" name="Rectangle 13">
+            <a:extLst>
+              <a:ext uri="{FF2B5EF4-FFF2-40B4-BE49-F238E27FC236}">
+                <a16:creationId xmlns:a16="http://schemas.microsoft.com/office/drawing/2014/main" id="{0D7B6173-1D58-48E2-83CF-37350F315F75}"/>
+              </a:ext>
+              <a:ext uri="{C183D7F6-B498-43B3-948B-1728B52AA6E4}">
+                <adec:decorative xmlns:adec="http://schemas.microsoft.com/office/drawing/2017/decorative" val="1"/>
+              </a:ext>
+            </a:extLst>
+          </p:cNvPr>
+          <p:cNvSpPr>
+            <a:spLocks noGrp="1" noRot="1" noChangeAspect="1" noMove="1" noResize="1" noEditPoints="1" noAdjustHandles="1" noChangeArrowheads="1" noChangeShapeType="1" noTextEdit="1"/>
+          </p:cNvSpPr>
+          <p:nvPr>
+            <p:extLst>
+              <p:ext uri="{386F3935-93C4-4BCD-93E2-E3B085C9AB24}">
+                <p16:designElem xmlns:p16="http://schemas.microsoft.com/office/powerpoint/2015/main" val="1"/>
+              </p:ext>
+            </p:extLst>
+          </p:nvPr>
+        </p:nvSpPr>
+        <p:spPr>
+          <a:xfrm>
+            <a:off x="0" y="-1"/>
+            <a:ext cx="12188952" cy="6858000"/>
+          </a:xfrm>
+          <a:prstGeom prst="rect">
+            <a:avLst/>
+          </a:prstGeom>
+          <a:ln>
+            <a:noFill/>
+          </a:ln>
+        </p:spPr>
+        <p:style>
+          <a:lnRef idx="2">
+            <a:schemeClr val="accent1">
+              <a:shade val="50000"/>
+            </a:schemeClr>
+          </a:lnRef>
+          <a:fillRef idx="1">
+            <a:schemeClr val="accent1"/>
+          </a:fillRef>
+          <a:effectRef idx="0">
+            <a:schemeClr val="accent1"/>
+          </a:effectRef>
+          <a:fontRef idx="minor">
+            <a:schemeClr val="lt1"/>
+          </a:fontRef>
+        </p:style>
+        <p:txBody>
+          <a:bodyPr rtlCol="0" anchor="ctr"/>
+          <a:lstStyle/>
+          <a:p>
+            <a:pPr algn="ctr"/>
+            <a:endParaRPr lang="en-US"/>
+          </a:p>
+        </p:txBody>
+      </p:sp>
+      <p:sp>
+        <p:nvSpPr>
+          <p:cNvPr id="16" name="Rectangle 15">
+            <a:extLst>
+              <a:ext uri="{FF2B5EF4-FFF2-40B4-BE49-F238E27FC236}">
+                <a16:creationId xmlns:a16="http://schemas.microsoft.com/office/drawing/2014/main" id="{35D813D1-BA6B-40B4-A101-04BB89445561}"/>
+              </a:ext>
+              <a:ext uri="{C183D7F6-B498-43B3-948B-1728B52AA6E4}">
+                <adec:decorative xmlns:adec="http://schemas.microsoft.com/office/drawing/2017/decorative" val="1"/>
+              </a:ext>
+            </a:extLst>
+          </p:cNvPr>
+          <p:cNvSpPr>
+            <a:spLocks noGrp="1" noRot="1" noChangeAspect="1" noMove="1" noResize="1" noEditPoints="1" noAdjustHandles="1" noChangeArrowheads="1" noChangeShapeType="1" noTextEdit="1"/>
+          </p:cNvSpPr>
+          <p:nvPr>
+            <p:extLst>
+              <p:ext uri="{386F3935-93C4-4BCD-93E2-E3B085C9AB24}">
+                <p16:designElem xmlns:p16="http://schemas.microsoft.com/office/powerpoint/2015/main" val="1"/>
+              </p:ext>
+            </p:extLst>
+          </p:nvPr>
+        </p:nvSpPr>
+        <p:spPr>
+          <a:xfrm>
+            <a:off x="0" y="0"/>
+            <a:ext cx="12188952" cy="6858000"/>
+          </a:xfrm>
+          <a:prstGeom prst="rect">
+            <a:avLst/>
+          </a:prstGeom>
+          <a:solidFill>
+            <a:schemeClr val="bg2">
+              <a:alpha val="50000"/>
+            </a:schemeClr>
+          </a:solidFill>
+          <a:ln>
+            <a:noFill/>
+          </a:ln>
+        </p:spPr>
+        <p:style>
+          <a:lnRef idx="2">
+            <a:schemeClr val="accent1">
+              <a:shade val="50000"/>
+            </a:schemeClr>
+          </a:lnRef>
+          <a:fillRef idx="1">
+            <a:schemeClr val="accent1"/>
+          </a:fillRef>
+          <a:effectRef idx="0">
+            <a:schemeClr val="accent1"/>
+          </a:effectRef>
+          <a:fontRef idx="minor">
+            <a:schemeClr val="lt1"/>
+          </a:fontRef>
+        </p:style>
+        <p:txBody>
+          <a:bodyPr rtlCol="0" anchor="ctr"/>
+          <a:lstStyle/>
+          <a:p>
+            <a:pPr algn="ctr"/>
+            <a:endParaRPr lang="en-US"/>
+          </a:p>
+        </p:txBody>
+      </p:sp>
+      <p:pic>
+        <p:nvPicPr>
+          <p:cNvPr id="18" name="Picture 17">
+            <a:extLst>
+              <a:ext uri="{FF2B5EF4-FFF2-40B4-BE49-F238E27FC236}">
+                <a16:creationId xmlns:a16="http://schemas.microsoft.com/office/drawing/2014/main" id="{B0DAC8FB-A162-44E3-A606-C855A03A5B09}"/>
+              </a:ext>
+              <a:ext uri="{C183D7F6-B498-43B3-948B-1728B52AA6E4}">
+                <adec:decorative xmlns:adec="http://schemas.microsoft.com/office/drawing/2017/decorative" val="1"/>
+              </a:ext>
+            </a:extLst>
+          </p:cNvPr>
+          <p:cNvPicPr>
+            <a:picLocks noGrp="1" noRot="1" noChangeAspect="1" noMove="1" noResize="1" noEditPoints="1" noAdjustHandles="1" noChangeArrowheads="1" noChangeShapeType="1" noCrop="1"/>
+          </p:cNvPicPr>
+          <p:nvPr>
+            <p:extLst>
+              <p:ext uri="{386F3935-93C4-4BCD-93E2-E3B085C9AB24}">
+                <p16:designElem xmlns:p16="http://schemas.microsoft.com/office/powerpoint/2015/main" val="1"/>
+              </p:ext>
+            </p:extLst>
+          </p:nvPr>
+        </p:nvPicPr>
+        <p:blipFill>
+          <a:blip r:embed="rId2">
+            <a:extLst>
+              <a:ext uri="{28A0092B-C50C-407E-A947-70E740481C1C}">
+                <a14:useLocalDpi xmlns:a14="http://schemas.microsoft.com/office/drawing/2010/main" val="0"/>
+              </a:ext>
+            </a:extLst>
+          </a:blip>
+          <a:stretch>
+            <a:fillRect/>
+          </a:stretch>
+        </p:blipFill>
+        <p:spPr>
+          <a:xfrm>
+            <a:off x="0" y="0"/>
+            <a:ext cx="12188952" cy="6862380"/>
+          </a:xfrm>
+          <a:prstGeom prst="rect">
+            <a:avLst/>
+          </a:prstGeom>
+        </p:spPr>
+      </p:pic>
+      <p:sp>
+        <p:nvSpPr>
+          <p:cNvPr id="20" name="Rectangle 19">
+            <a:extLst>
+              <a:ext uri="{FF2B5EF4-FFF2-40B4-BE49-F238E27FC236}">
+                <a16:creationId xmlns:a16="http://schemas.microsoft.com/office/drawing/2014/main" id="{21BDEC81-16A7-4451-B893-C15000083B77}"/>
+              </a:ext>
+              <a:ext uri="{C183D7F6-B498-43B3-948B-1728B52AA6E4}">
+                <adec:decorative xmlns:adec="http://schemas.microsoft.com/office/drawing/2017/decorative" val="1"/>
+              </a:ext>
+            </a:extLst>
+          </p:cNvPr>
+          <p:cNvSpPr>
+            <a:spLocks noGrp="1" noRot="1" noChangeAspect="1" noMove="1" noResize="1" noEditPoints="1" noAdjustHandles="1" noChangeArrowheads="1" noChangeShapeType="1" noTextEdit="1"/>
+          </p:cNvSpPr>
+          <p:nvPr>
+            <p:extLst>
+              <p:ext uri="{386F3935-93C4-4BCD-93E2-E3B085C9AB24}">
+                <p16:designElem xmlns:p16="http://schemas.microsoft.com/office/powerpoint/2015/main" val="1"/>
+              </p:ext>
+            </p:extLst>
+          </p:nvPr>
+        </p:nvSpPr>
+        <p:spPr>
+          <a:xfrm>
+            <a:off x="0" y="0"/>
+            <a:ext cx="12188952" cy="6858000"/>
+          </a:xfrm>
+          <a:prstGeom prst="rect">
+            <a:avLst/>
+          </a:prstGeom>
+          <a:solidFill>
+            <a:schemeClr val="accent1">
+              <a:alpha val="20000"/>
+            </a:schemeClr>
+          </a:solidFill>
+          <a:ln>
+            <a:noFill/>
+          </a:ln>
+        </p:spPr>
+        <p:style>
+          <a:lnRef idx="2">
+            <a:schemeClr val="accent1">
+              <a:shade val="50000"/>
+            </a:schemeClr>
+          </a:lnRef>
+          <a:fillRef idx="1">
+            <a:schemeClr val="accent1"/>
+          </a:fillRef>
+          <a:effectRef idx="0">
+            <a:schemeClr val="accent1"/>
+          </a:effectRef>
+          <a:fontRef idx="minor">
+            <a:schemeClr val="lt1"/>
+          </a:fontRef>
+        </p:style>
+        <p:txBody>
+          <a:bodyPr rtlCol="0" anchor="ctr"/>
+          <a:lstStyle/>
+          <a:p>
+            <a:pPr algn="ctr"/>
+            <a:endParaRPr lang="en-US"/>
+          </a:p>
+        </p:txBody>
+      </p:sp>
+      <p:sp>
+        <p:nvSpPr>
+          <p:cNvPr id="22" name="Rectangle 21">
+            <a:extLst>
+              <a:ext uri="{FF2B5EF4-FFF2-40B4-BE49-F238E27FC236}">
+                <a16:creationId xmlns:a16="http://schemas.microsoft.com/office/drawing/2014/main" id="{AEA3DFA5-2D7B-4989-8ED7-8321EC114CF1}"/>
+              </a:ext>
+              <a:ext uri="{C183D7F6-B498-43B3-948B-1728B52AA6E4}">
+                <adec:decorative xmlns:adec="http://schemas.microsoft.com/office/drawing/2017/decorative" val="1"/>
+              </a:ext>
+            </a:extLst>
+          </p:cNvPr>
+          <p:cNvSpPr>
+            <a:spLocks noGrp="1" noRot="1" noChangeAspect="1" noMove="1" noResize="1" noEditPoints="1" noAdjustHandles="1" noChangeArrowheads="1" noChangeShapeType="1" noTextEdit="1"/>
+          </p:cNvSpPr>
+          <p:nvPr>
+            <p:extLst>
+              <p:ext uri="{386F3935-93C4-4BCD-93E2-E3B085C9AB24}">
+                <p16:designElem xmlns:p16="http://schemas.microsoft.com/office/powerpoint/2015/main" val="1"/>
+              </p:ext>
+            </p:extLst>
+          </p:nvPr>
+        </p:nvSpPr>
+        <p:spPr>
+          <a:xfrm>
+            <a:off x="536678" y="0"/>
+            <a:ext cx="11145980" cy="6870723"/>
+          </a:xfrm>
+          <a:prstGeom prst="rect">
+            <a:avLst/>
+          </a:prstGeom>
+          <a:solidFill>
+            <a:schemeClr val="bg1"/>
+          </a:solidFill>
+          <a:ln w="34925">
+            <a:noFill/>
+          </a:ln>
+        </p:spPr>
+        <p:style>
+          <a:lnRef idx="2">
+            <a:schemeClr val="accent1">
+              <a:shade val="50000"/>
+            </a:schemeClr>
+          </a:lnRef>
+          <a:fillRef idx="1">
+            <a:schemeClr val="accent1"/>
+          </a:fillRef>
+          <a:effectRef idx="0">
+            <a:schemeClr val="accent1"/>
+          </a:effectRef>
+          <a:fontRef idx="minor">
+            <a:schemeClr val="lt1"/>
+          </a:fontRef>
+        </p:style>
+        <p:txBody>
+          <a:bodyPr rtlCol="0" anchor="ctr"/>
+          <a:lstStyle/>
+          <a:p>
+            <a:pPr algn="ctr"/>
+            <a:endParaRPr lang="en-US" b="1">
+              <a:ln w="22225">
+                <a:solidFill>
+                  <a:schemeClr val="accent2"/>
+                </a:solidFill>
+                <a:prstDash val="solid"/>
+              </a:ln>
+              <a:solidFill>
+                <a:schemeClr val="accent2">
+                  <a:lumMod val="40000"/>
+                  <a:lumOff val="60000"/>
+                </a:schemeClr>
+              </a:solidFill>
+            </a:endParaRPr>
+          </a:p>
+        </p:txBody>
+      </p:sp>
       <p:sp>
         <p:nvSpPr>
           <p:cNvPr id="2" name="Title 1">
@@ -3991,13 +5294,20 @@
             <p:ph type="title"/>
           </p:nvPr>
         </p:nvSpPr>
-        <p:spPr/>
-        <p:txBody>
-          <a:bodyPr/>
-          <a:lstStyle/>
-          <a:p>
-            <a:r>
-              <a:rPr lang="en-US"/>
+        <p:spPr>
+          <a:xfrm>
+            <a:off x="1191966" y="900622"/>
+            <a:ext cx="3629555" cy="1893524"/>
+          </a:xfrm>
+        </p:spPr>
+        <p:txBody>
+          <a:bodyPr anchor="b">
+            <a:normAutofit/>
+          </a:bodyPr>
+          <a:lstStyle/>
+          <a:p>
+            <a:r>
+              <a:rPr lang="en-US" sz="4800"/>
               <a:t>Bubble Sort</a:t>
             </a:r>
           </a:p>
@@ -4005,10 +5315,10 @@
       </p:sp>
       <p:sp>
         <p:nvSpPr>
-          <p:cNvPr id="3" name="Content Placeholder 2">
-            <a:extLst>
-              <a:ext uri="{FF2B5EF4-FFF2-40B4-BE49-F238E27FC236}">
-                <a16:creationId xmlns:a16="http://schemas.microsoft.com/office/drawing/2014/main" id="{779B7F0A-7FE3-1091-D942-7E3D36A28733}"/>
+          <p:cNvPr id="11" name="Content Placeholder 10">
+            <a:extLst>
+              <a:ext uri="{FF2B5EF4-FFF2-40B4-BE49-F238E27FC236}">
+                <a16:creationId xmlns:a16="http://schemas.microsoft.com/office/drawing/2014/main" id="{6CB22DF8-25F5-A758-4133-7542AE01B5E8}"/>
               </a:ext>
             </a:extLst>
           </p:cNvPr>
@@ -4019,12 +5329,127 @@
             <p:ph idx="1"/>
           </p:nvPr>
         </p:nvSpPr>
-        <p:spPr/>
-        <p:txBody>
-          <a:bodyPr/>
-          <a:lstStyle/>
-          <a:p>
-            <a:endParaRPr lang="en-US"/>
+        <p:spPr>
+          <a:xfrm>
+            <a:off x="1191966" y="2965593"/>
+            <a:ext cx="3629555" cy="2941544"/>
+          </a:xfrm>
+        </p:spPr>
+        <p:txBody>
+          <a:bodyPr vert="horz" lIns="91440" tIns="45720" rIns="91440" bIns="45720" rtlCol="0" anchor="t">
+            <a:normAutofit/>
+          </a:bodyPr>
+          <a:lstStyle/>
+          <a:p>
+            <a:r>
+              <a:rPr lang="en-US" sz="2000"/>
+              <a:t>Sorts so the largest element goes to the end, then second largest and so on until completely sorted</a:t>
+            </a:r>
+          </a:p>
+          <a:p>
+            <a:r>
+              <a:rPr lang="en-US" sz="2000" b="1"/>
+              <a:t>Big O:</a:t>
+            </a:r>
+            <a:endParaRPr lang="en-US" sz="2000"/>
+          </a:p>
+          <a:p>
+            <a:pPr lvl="1">
+              <a:buFont typeface="Courier New" panose="020B0604020202020204" pitchFamily="34" charset="0"/>
+              <a:buChar char="o"/>
+            </a:pPr>
+            <a:r>
+              <a:rPr lang="en-US" sz="2000"/>
+              <a:t>Worst Case: O(n^2)</a:t>
+            </a:r>
+          </a:p>
+          <a:p>
+            <a:pPr lvl="1">
+              <a:buFont typeface="Courier New" panose="020B0604020202020204" pitchFamily="34" charset="0"/>
+              <a:buChar char="o"/>
+            </a:pPr>
+            <a:r>
+              <a:rPr lang="en-US" sz="2000"/>
+              <a:t>Average Case: O(n^2)</a:t>
+            </a:r>
+          </a:p>
+          <a:p>
+            <a:pPr lvl="1">
+              <a:buFont typeface="Courier New" panose="020B0604020202020204" pitchFamily="34" charset="0"/>
+              <a:buChar char="o"/>
+            </a:pPr>
+            <a:r>
+              <a:rPr lang="en-US" sz="2000"/>
+              <a:t>Best Case: O(n)</a:t>
+            </a:r>
+          </a:p>
+        </p:txBody>
+      </p:sp>
+      <p:pic>
+        <p:nvPicPr>
+          <p:cNvPr id="3" name="Picture 2" descr="A diagram of a swap&#10;&#10;AI-generated content may be incorrect.">
+            <a:extLst>
+              <a:ext uri="{FF2B5EF4-FFF2-40B4-BE49-F238E27FC236}">
+                <a16:creationId xmlns:a16="http://schemas.microsoft.com/office/drawing/2014/main" id="{3DB72CD3-F67B-C3D2-1820-D064D0EFE0C1}"/>
+              </a:ext>
+            </a:extLst>
+          </p:cNvPr>
+          <p:cNvPicPr>
+            <a:picLocks noChangeAspect="1"/>
+          </p:cNvPicPr>
+          <p:nvPr/>
+        </p:nvPicPr>
+        <p:blipFill>
+          <a:blip r:embed="rId3"/>
+          <a:stretch>
+            <a:fillRect/>
+          </a:stretch>
+        </p:blipFill>
+        <p:spPr>
+          <a:xfrm>
+            <a:off x="5329358" y="1976558"/>
+            <a:ext cx="6124575" cy="2924175"/>
+          </a:xfrm>
+          <a:prstGeom prst="rect">
+            <a:avLst/>
+          </a:prstGeom>
+        </p:spPr>
+      </p:pic>
+      <p:sp>
+        <p:nvSpPr>
+          <p:cNvPr id="4" name="TextBox 3">
+            <a:extLst>
+              <a:ext uri="{FF2B5EF4-FFF2-40B4-BE49-F238E27FC236}">
+                <a16:creationId xmlns:a16="http://schemas.microsoft.com/office/drawing/2014/main" id="{E70E6D74-5006-DE83-220B-DB388080B299}"/>
+              </a:ext>
+            </a:extLst>
+          </p:cNvPr>
+          <p:cNvSpPr txBox="1"/>
+          <p:nvPr/>
+        </p:nvSpPr>
+        <p:spPr>
+          <a:xfrm>
+            <a:off x="5331488" y="4903516"/>
+            <a:ext cx="3674301" cy="261610"/>
+          </a:xfrm>
+          <a:prstGeom prst="rect">
+            <a:avLst/>
+          </a:prstGeom>
+          <a:noFill/>
+        </p:spPr>
+        <p:txBody>
+          <a:bodyPr rot="0" spcFirstLastPara="0" vertOverflow="overflow" horzOverflow="overflow" vert="horz" wrap="square" lIns="91440" tIns="45720" rIns="91440" bIns="45720" numCol="1" spcCol="0" rtlCol="0" fromWordArt="0" anchor="t" anchorCtr="0" forceAA="0" compatLnSpc="1">
+            <a:prstTxWarp prst="textNoShape">
+              <a:avLst/>
+            </a:prstTxWarp>
+            <a:spAutoFit/>
+          </a:bodyPr>
+          <a:lstStyle/>
+          <a:p>
+            <a:r>
+              <a:rPr lang="en-US" sz="1100"/>
+              <a:t>From geeksforgeeks.com</a:t>
+            </a:r>
           </a:p>
         </p:txBody>
       </p:sp>
@@ -4044,6 +5469,539 @@
 <file path=ppt/slides/slide4.xml><?xml version="1.0" encoding="utf-8"?>
 <p:sld xmlns:a="http://schemas.openxmlformats.org/drawingml/2006/main" xmlns:r="http://schemas.openxmlformats.org/officeDocument/2006/relationships" xmlns:p="http://schemas.openxmlformats.org/presentationml/2006/main">
   <p:cSld>
+    <p:bg>
+      <p:bgPr>
+        <a:solidFill>
+          <a:schemeClr val="bg1"/>
+        </a:solidFill>
+        <a:effectLst/>
+      </p:bgPr>
+    </p:bg>
+    <p:spTree>
+      <p:nvGrpSpPr>
+        <p:cNvPr id="1" name="">
+          <a:extLst>
+            <a:ext uri="{FF2B5EF4-FFF2-40B4-BE49-F238E27FC236}">
+              <a16:creationId xmlns:a16="http://schemas.microsoft.com/office/drawing/2014/main" id="{954484CD-8425-ACAE-0850-3F0B5F9F01F2}"/>
+            </a:ext>
+          </a:extLst>
+        </p:cNvPr>
+        <p:cNvGrpSpPr/>
+        <p:nvPr/>
+      </p:nvGrpSpPr>
+      <p:grpSpPr>
+        <a:xfrm>
+          <a:off x="0" y="0"/>
+          <a:ext cx="0" cy="0"/>
+          <a:chOff x="0" y="0"/>
+          <a:chExt cx="0" cy="0"/>
+        </a:xfrm>
+      </p:grpSpPr>
+      <p:sp useBgFill="1">
+        <p:nvSpPr>
+          <p:cNvPr id="14" name="Rectangle 13">
+            <a:extLst>
+              <a:ext uri="{FF2B5EF4-FFF2-40B4-BE49-F238E27FC236}">
+                <a16:creationId xmlns:a16="http://schemas.microsoft.com/office/drawing/2014/main" id="{64A6435E-143F-7FE5-67DD-4B32AC6D1F04}"/>
+              </a:ext>
+              <a:ext uri="{C183D7F6-B498-43B3-948B-1728B52AA6E4}">
+                <adec:decorative xmlns:adec="http://schemas.microsoft.com/office/drawing/2017/decorative" val="1"/>
+              </a:ext>
+            </a:extLst>
+          </p:cNvPr>
+          <p:cNvSpPr>
+            <a:spLocks noGrp="1" noRot="1" noChangeAspect="1" noMove="1" noResize="1" noEditPoints="1" noAdjustHandles="1" noChangeArrowheads="1" noChangeShapeType="1" noTextEdit="1"/>
+          </p:cNvSpPr>
+          <p:nvPr>
+            <p:extLst>
+              <p:ext uri="{386F3935-93C4-4BCD-93E2-E3B085C9AB24}">
+                <p16:designElem xmlns:p16="http://schemas.microsoft.com/office/powerpoint/2015/main" val="1"/>
+              </p:ext>
+            </p:extLst>
+          </p:nvPr>
+        </p:nvSpPr>
+        <p:spPr>
+          <a:xfrm>
+            <a:off x="0" y="-1"/>
+            <a:ext cx="12188952" cy="6858000"/>
+          </a:xfrm>
+          <a:prstGeom prst="rect">
+            <a:avLst/>
+          </a:prstGeom>
+          <a:ln>
+            <a:noFill/>
+          </a:ln>
+        </p:spPr>
+        <p:style>
+          <a:lnRef idx="2">
+            <a:schemeClr val="accent1">
+              <a:shade val="50000"/>
+            </a:schemeClr>
+          </a:lnRef>
+          <a:fillRef idx="1">
+            <a:schemeClr val="accent1"/>
+          </a:fillRef>
+          <a:effectRef idx="0">
+            <a:schemeClr val="accent1"/>
+          </a:effectRef>
+          <a:fontRef idx="minor">
+            <a:schemeClr val="lt1"/>
+          </a:fontRef>
+        </p:style>
+        <p:txBody>
+          <a:bodyPr rtlCol="0" anchor="ctr"/>
+          <a:lstStyle/>
+          <a:p>
+            <a:pPr algn="ctr"/>
+            <a:endParaRPr lang="en-US"/>
+          </a:p>
+        </p:txBody>
+      </p:sp>
+      <p:sp>
+        <p:nvSpPr>
+          <p:cNvPr id="16" name="Rectangle 15">
+            <a:extLst>
+              <a:ext uri="{FF2B5EF4-FFF2-40B4-BE49-F238E27FC236}">
+                <a16:creationId xmlns:a16="http://schemas.microsoft.com/office/drawing/2014/main" id="{08274604-0897-3282-43C7-88497E166D20}"/>
+              </a:ext>
+              <a:ext uri="{C183D7F6-B498-43B3-948B-1728B52AA6E4}">
+                <adec:decorative xmlns:adec="http://schemas.microsoft.com/office/drawing/2017/decorative" val="1"/>
+              </a:ext>
+            </a:extLst>
+          </p:cNvPr>
+          <p:cNvSpPr>
+            <a:spLocks noGrp="1" noRot="1" noChangeAspect="1" noMove="1" noResize="1" noEditPoints="1" noAdjustHandles="1" noChangeArrowheads="1" noChangeShapeType="1" noTextEdit="1"/>
+          </p:cNvSpPr>
+          <p:nvPr>
+            <p:extLst>
+              <p:ext uri="{386F3935-93C4-4BCD-93E2-E3B085C9AB24}">
+                <p16:designElem xmlns:p16="http://schemas.microsoft.com/office/powerpoint/2015/main" val="1"/>
+              </p:ext>
+            </p:extLst>
+          </p:nvPr>
+        </p:nvSpPr>
+        <p:spPr>
+          <a:xfrm>
+            <a:off x="0" y="0"/>
+            <a:ext cx="12188952" cy="6858000"/>
+          </a:xfrm>
+          <a:prstGeom prst="rect">
+            <a:avLst/>
+          </a:prstGeom>
+          <a:solidFill>
+            <a:schemeClr val="bg2">
+              <a:alpha val="50000"/>
+            </a:schemeClr>
+          </a:solidFill>
+          <a:ln>
+            <a:noFill/>
+          </a:ln>
+        </p:spPr>
+        <p:style>
+          <a:lnRef idx="2">
+            <a:schemeClr val="accent1">
+              <a:shade val="50000"/>
+            </a:schemeClr>
+          </a:lnRef>
+          <a:fillRef idx="1">
+            <a:schemeClr val="accent1"/>
+          </a:fillRef>
+          <a:effectRef idx="0">
+            <a:schemeClr val="accent1"/>
+          </a:effectRef>
+          <a:fontRef idx="minor">
+            <a:schemeClr val="lt1"/>
+          </a:fontRef>
+        </p:style>
+        <p:txBody>
+          <a:bodyPr rtlCol="0" anchor="ctr"/>
+          <a:lstStyle/>
+          <a:p>
+            <a:pPr algn="ctr"/>
+            <a:endParaRPr lang="en-US"/>
+          </a:p>
+        </p:txBody>
+      </p:sp>
+      <p:pic>
+        <p:nvPicPr>
+          <p:cNvPr id="18" name="Picture 17">
+            <a:extLst>
+              <a:ext uri="{FF2B5EF4-FFF2-40B4-BE49-F238E27FC236}">
+                <a16:creationId xmlns:a16="http://schemas.microsoft.com/office/drawing/2014/main" id="{484AA162-6B45-BB65-E0EE-D50E5C11B3A3}"/>
+              </a:ext>
+              <a:ext uri="{C183D7F6-B498-43B3-948B-1728B52AA6E4}">
+                <adec:decorative xmlns:adec="http://schemas.microsoft.com/office/drawing/2017/decorative" val="1"/>
+              </a:ext>
+            </a:extLst>
+          </p:cNvPr>
+          <p:cNvPicPr>
+            <a:picLocks noGrp="1" noRot="1" noChangeAspect="1" noMove="1" noResize="1" noEditPoints="1" noAdjustHandles="1" noChangeArrowheads="1" noChangeShapeType="1" noCrop="1"/>
+          </p:cNvPicPr>
+          <p:nvPr>
+            <p:extLst>
+              <p:ext uri="{386F3935-93C4-4BCD-93E2-E3B085C9AB24}">
+                <p16:designElem xmlns:p16="http://schemas.microsoft.com/office/powerpoint/2015/main" val="1"/>
+              </p:ext>
+            </p:extLst>
+          </p:nvPr>
+        </p:nvPicPr>
+        <p:blipFill>
+          <a:blip r:embed="rId2">
+            <a:extLst>
+              <a:ext uri="{28A0092B-C50C-407E-A947-70E740481C1C}">
+                <a14:useLocalDpi xmlns:a14="http://schemas.microsoft.com/office/drawing/2010/main" val="0"/>
+              </a:ext>
+            </a:extLst>
+          </a:blip>
+          <a:stretch>
+            <a:fillRect/>
+          </a:stretch>
+        </p:blipFill>
+        <p:spPr>
+          <a:xfrm>
+            <a:off x="0" y="0"/>
+            <a:ext cx="12188952" cy="6862380"/>
+          </a:xfrm>
+          <a:prstGeom prst="rect">
+            <a:avLst/>
+          </a:prstGeom>
+        </p:spPr>
+      </p:pic>
+      <p:sp>
+        <p:nvSpPr>
+          <p:cNvPr id="20" name="Rectangle 19">
+            <a:extLst>
+              <a:ext uri="{FF2B5EF4-FFF2-40B4-BE49-F238E27FC236}">
+                <a16:creationId xmlns:a16="http://schemas.microsoft.com/office/drawing/2014/main" id="{82319D3E-5CA9-4232-BCB6-9331EF0852CD}"/>
+              </a:ext>
+              <a:ext uri="{C183D7F6-B498-43B3-948B-1728B52AA6E4}">
+                <adec:decorative xmlns:adec="http://schemas.microsoft.com/office/drawing/2017/decorative" val="1"/>
+              </a:ext>
+            </a:extLst>
+          </p:cNvPr>
+          <p:cNvSpPr>
+            <a:spLocks noGrp="1" noRot="1" noChangeAspect="1" noMove="1" noResize="1" noEditPoints="1" noAdjustHandles="1" noChangeArrowheads="1" noChangeShapeType="1" noTextEdit="1"/>
+          </p:cNvSpPr>
+          <p:nvPr>
+            <p:extLst>
+              <p:ext uri="{386F3935-93C4-4BCD-93E2-E3B085C9AB24}">
+                <p16:designElem xmlns:p16="http://schemas.microsoft.com/office/powerpoint/2015/main" val="1"/>
+              </p:ext>
+            </p:extLst>
+          </p:nvPr>
+        </p:nvSpPr>
+        <p:spPr>
+          <a:xfrm>
+            <a:off x="0" y="0"/>
+            <a:ext cx="12188952" cy="6858000"/>
+          </a:xfrm>
+          <a:prstGeom prst="rect">
+            <a:avLst/>
+          </a:prstGeom>
+          <a:solidFill>
+            <a:schemeClr val="accent1">
+              <a:alpha val="20000"/>
+            </a:schemeClr>
+          </a:solidFill>
+          <a:ln>
+            <a:noFill/>
+          </a:ln>
+        </p:spPr>
+        <p:style>
+          <a:lnRef idx="2">
+            <a:schemeClr val="accent1">
+              <a:shade val="50000"/>
+            </a:schemeClr>
+          </a:lnRef>
+          <a:fillRef idx="1">
+            <a:schemeClr val="accent1"/>
+          </a:fillRef>
+          <a:effectRef idx="0">
+            <a:schemeClr val="accent1"/>
+          </a:effectRef>
+          <a:fontRef idx="minor">
+            <a:schemeClr val="lt1"/>
+          </a:fontRef>
+        </p:style>
+        <p:txBody>
+          <a:bodyPr rtlCol="0" anchor="ctr"/>
+          <a:lstStyle/>
+          <a:p>
+            <a:pPr algn="ctr"/>
+            <a:endParaRPr lang="en-US"/>
+          </a:p>
+        </p:txBody>
+      </p:sp>
+      <p:sp>
+        <p:nvSpPr>
+          <p:cNvPr id="22" name="Rectangle 21">
+            <a:extLst>
+              <a:ext uri="{FF2B5EF4-FFF2-40B4-BE49-F238E27FC236}">
+                <a16:creationId xmlns:a16="http://schemas.microsoft.com/office/drawing/2014/main" id="{F691236B-E4E6-59EA-B686-4D050856C763}"/>
+              </a:ext>
+              <a:ext uri="{C183D7F6-B498-43B3-948B-1728B52AA6E4}">
+                <adec:decorative xmlns:adec="http://schemas.microsoft.com/office/drawing/2017/decorative" val="1"/>
+              </a:ext>
+            </a:extLst>
+          </p:cNvPr>
+          <p:cNvSpPr>
+            <a:spLocks noGrp="1" noRot="1" noChangeAspect="1" noMove="1" noResize="1" noEditPoints="1" noAdjustHandles="1" noChangeArrowheads="1" noChangeShapeType="1" noTextEdit="1"/>
+          </p:cNvSpPr>
+          <p:nvPr>
+            <p:extLst>
+              <p:ext uri="{386F3935-93C4-4BCD-93E2-E3B085C9AB24}">
+                <p16:designElem xmlns:p16="http://schemas.microsoft.com/office/powerpoint/2015/main" val="1"/>
+              </p:ext>
+            </p:extLst>
+          </p:nvPr>
+        </p:nvSpPr>
+        <p:spPr>
+          <a:xfrm>
+            <a:off x="536678" y="0"/>
+            <a:ext cx="11145980" cy="6870723"/>
+          </a:xfrm>
+          <a:prstGeom prst="rect">
+            <a:avLst/>
+          </a:prstGeom>
+          <a:solidFill>
+            <a:schemeClr val="bg1"/>
+          </a:solidFill>
+          <a:ln w="34925">
+            <a:noFill/>
+          </a:ln>
+        </p:spPr>
+        <p:style>
+          <a:lnRef idx="2">
+            <a:schemeClr val="accent1">
+              <a:shade val="50000"/>
+            </a:schemeClr>
+          </a:lnRef>
+          <a:fillRef idx="1">
+            <a:schemeClr val="accent1"/>
+          </a:fillRef>
+          <a:effectRef idx="0">
+            <a:schemeClr val="accent1"/>
+          </a:effectRef>
+          <a:fontRef idx="minor">
+            <a:schemeClr val="lt1"/>
+          </a:fontRef>
+        </p:style>
+        <p:txBody>
+          <a:bodyPr rtlCol="0" anchor="ctr"/>
+          <a:lstStyle/>
+          <a:p>
+            <a:pPr algn="ctr"/>
+            <a:endParaRPr lang="en-US" b="1">
+              <a:ln w="22225">
+                <a:solidFill>
+                  <a:schemeClr val="accent2"/>
+                </a:solidFill>
+                <a:prstDash val="solid"/>
+              </a:ln>
+              <a:solidFill>
+                <a:schemeClr val="accent2">
+                  <a:lumMod val="40000"/>
+                  <a:lumOff val="60000"/>
+                </a:schemeClr>
+              </a:solidFill>
+            </a:endParaRPr>
+          </a:p>
+        </p:txBody>
+      </p:sp>
+      <p:sp>
+        <p:nvSpPr>
+          <p:cNvPr id="2" name="Title 1">
+            <a:extLst>
+              <a:ext uri="{FF2B5EF4-FFF2-40B4-BE49-F238E27FC236}">
+                <a16:creationId xmlns:a16="http://schemas.microsoft.com/office/drawing/2014/main" id="{BC582E9B-E8C4-154C-1DC3-2328D2062EC3}"/>
+              </a:ext>
+            </a:extLst>
+          </p:cNvPr>
+          <p:cNvSpPr>
+            <a:spLocks noGrp="1"/>
+          </p:cNvSpPr>
+          <p:nvPr>
+            <p:ph type="title"/>
+          </p:nvPr>
+        </p:nvSpPr>
+        <p:spPr>
+          <a:xfrm>
+            <a:off x="1191966" y="900622"/>
+            <a:ext cx="3629555" cy="1893524"/>
+          </a:xfrm>
+        </p:spPr>
+        <p:txBody>
+          <a:bodyPr anchor="b">
+            <a:normAutofit/>
+          </a:bodyPr>
+          <a:lstStyle/>
+          <a:p>
+            <a:r>
+              <a:rPr lang="en-US" sz="4800"/>
+              <a:t>Bubble Sort</a:t>
+            </a:r>
+          </a:p>
+        </p:txBody>
+      </p:sp>
+      <p:sp>
+        <p:nvSpPr>
+          <p:cNvPr id="11" name="Content Placeholder 10">
+            <a:extLst>
+              <a:ext uri="{FF2B5EF4-FFF2-40B4-BE49-F238E27FC236}">
+                <a16:creationId xmlns:a16="http://schemas.microsoft.com/office/drawing/2014/main" id="{0D5643BB-4B3F-2AA7-4EE7-7A4137767A20}"/>
+              </a:ext>
+            </a:extLst>
+          </p:cNvPr>
+          <p:cNvSpPr>
+            <a:spLocks noGrp="1"/>
+          </p:cNvSpPr>
+          <p:nvPr>
+            <p:ph idx="1"/>
+          </p:nvPr>
+        </p:nvSpPr>
+        <p:spPr>
+          <a:xfrm>
+            <a:off x="1191966" y="2965593"/>
+            <a:ext cx="3629555" cy="2941544"/>
+          </a:xfrm>
+        </p:spPr>
+        <p:txBody>
+          <a:bodyPr>
+            <a:normAutofit lnSpcReduction="10000"/>
+          </a:bodyPr>
+          <a:lstStyle/>
+          <a:p>
+            <a:r>
+              <a:rPr lang="en-US" sz="1800"/>
+              <a:t>Implements a bubble-sort–style loop that compares cube heights using their “</a:t>
+            </a:r>
+            <a:r>
+              <a:rPr lang="en-US" sz="1800" err="1"/>
+              <a:t>localScale.y</a:t>
+            </a:r>
+            <a:r>
+              <a:rPr lang="en-US" sz="1800"/>
+              <a:t>” values.</a:t>
+            </a:r>
+          </a:p>
+          <a:p>
+            <a:r>
+              <a:rPr lang="en-US" sz="1800"/>
+              <a:t>Swaps the cube references in the array and updates their positions along the x-axis to reflect the swap.</a:t>
+            </a:r>
+          </a:p>
+          <a:p>
+            <a:r>
+              <a:rPr lang="en-US" sz="1700"/>
+              <a:t>Uses “yield return new </a:t>
+            </a:r>
+            <a:r>
+              <a:rPr lang="en-US" sz="1700" err="1"/>
+              <a:t>WaitForSeconds</a:t>
+            </a:r>
+            <a:r>
+              <a:rPr lang="en-US" sz="1700"/>
+              <a:t>(0.1f)” to visualize the sorting process step-by-step.</a:t>
+            </a:r>
+          </a:p>
+        </p:txBody>
+      </p:sp>
+      <p:pic>
+        <p:nvPicPr>
+          <p:cNvPr id="5" name="Content Placeholder 4" descr="A computer screen with white and blue text&#10;&#10;AI-generated content may be incorrect.">
+            <a:extLst>
+              <a:ext uri="{FF2B5EF4-FFF2-40B4-BE49-F238E27FC236}">
+                <a16:creationId xmlns:a16="http://schemas.microsoft.com/office/drawing/2014/main" id="{07FE478A-2786-3DDC-42E3-3EC53F158198}"/>
+              </a:ext>
+            </a:extLst>
+          </p:cNvPr>
+          <p:cNvPicPr>
+            <a:picLocks noChangeAspect="1"/>
+          </p:cNvPicPr>
+          <p:nvPr/>
+        </p:nvPicPr>
+        <p:blipFill>
+          <a:blip r:embed="rId3">
+            <a:extLst>
+              <a:ext uri="{28A0092B-C50C-407E-A947-70E740481C1C}">
+                <a14:useLocalDpi xmlns:a14="http://schemas.microsoft.com/office/drawing/2010/main" val="0"/>
+              </a:ext>
+            </a:extLst>
+          </a:blip>
+          <a:stretch>
+            <a:fillRect/>
+          </a:stretch>
+        </p:blipFill>
+        <p:spPr>
+          <a:xfrm>
+            <a:off x="5186548" y="823160"/>
+            <a:ext cx="6320441" cy="2528175"/>
+          </a:xfrm>
+          <a:prstGeom prst="rect">
+            <a:avLst/>
+          </a:prstGeom>
+        </p:spPr>
+      </p:pic>
+      <p:pic>
+        <p:nvPicPr>
+          <p:cNvPr id="7" name="Picture 6" descr="A computer screen with white text&#10;&#10;AI-generated content may be incorrect.">
+            <a:extLst>
+              <a:ext uri="{FF2B5EF4-FFF2-40B4-BE49-F238E27FC236}">
+                <a16:creationId xmlns:a16="http://schemas.microsoft.com/office/drawing/2014/main" id="{606D4539-3302-F1A0-6DC0-440494083D02}"/>
+              </a:ext>
+            </a:extLst>
+          </p:cNvPr>
+          <p:cNvPicPr>
+            <a:picLocks noChangeAspect="1"/>
+          </p:cNvPicPr>
+          <p:nvPr/>
+        </p:nvPicPr>
+        <p:blipFill>
+          <a:blip r:embed="rId4">
+            <a:extLst>
+              <a:ext uri="{28A0092B-C50C-407E-A947-70E740481C1C}">
+                <a14:useLocalDpi xmlns:a14="http://schemas.microsoft.com/office/drawing/2010/main" val="0"/>
+              </a:ext>
+            </a:extLst>
+          </a:blip>
+          <a:stretch>
+            <a:fillRect/>
+          </a:stretch>
+        </p:blipFill>
+        <p:spPr>
+          <a:xfrm>
+            <a:off x="5189717" y="3498320"/>
+            <a:ext cx="6320441" cy="1990938"/>
+          </a:xfrm>
+          <a:prstGeom prst="rect">
+            <a:avLst/>
+          </a:prstGeom>
+        </p:spPr>
+      </p:pic>
+    </p:spTree>
+    <p:extLst>
+      <p:ext uri="{BB962C8B-B14F-4D97-AF65-F5344CB8AC3E}">
+        <p14:creationId xmlns:p14="http://schemas.microsoft.com/office/powerpoint/2010/main" val="3569030276"/>
+      </p:ext>
+    </p:extLst>
+  </p:cSld>
+  <p:clrMapOvr>
+    <a:masterClrMapping/>
+  </p:clrMapOvr>
+</p:sld>
+</file>
+
+<file path=ppt/slides/slide5.xml><?xml version="1.0" encoding="utf-8"?>
+<p:sld xmlns:a="http://schemas.openxmlformats.org/drawingml/2006/main" xmlns:r="http://schemas.openxmlformats.org/officeDocument/2006/relationships" xmlns:p="http://schemas.openxmlformats.org/presentationml/2006/main">
+  <p:cSld>
+    <p:bg>
+      <p:bgPr>
+        <a:solidFill>
+          <a:schemeClr val="bg1"/>
+        </a:solidFill>
+        <a:effectLst/>
+      </p:bgPr>
+    </p:bg>
     <p:spTree>
       <p:nvGrpSpPr>
         <p:cNvPr id="1" name=""/>
@@ -4058,6 +6016,317 @@
           <a:chExt cx="0" cy="0"/>
         </a:xfrm>
       </p:grpSpPr>
+      <p:sp useBgFill="1">
+        <p:nvSpPr>
+          <p:cNvPr id="14" name="Rectangle 13">
+            <a:extLst>
+              <a:ext uri="{FF2B5EF4-FFF2-40B4-BE49-F238E27FC236}">
+                <a16:creationId xmlns:a16="http://schemas.microsoft.com/office/drawing/2014/main" id="{0D7B6173-1D58-48E2-83CF-37350F315F75}"/>
+              </a:ext>
+              <a:ext uri="{C183D7F6-B498-43B3-948B-1728B52AA6E4}">
+                <adec:decorative xmlns:adec="http://schemas.microsoft.com/office/drawing/2017/decorative" val="1"/>
+              </a:ext>
+            </a:extLst>
+          </p:cNvPr>
+          <p:cNvSpPr>
+            <a:spLocks noGrp="1" noRot="1" noChangeAspect="1" noMove="1" noResize="1" noEditPoints="1" noAdjustHandles="1" noChangeArrowheads="1" noChangeShapeType="1" noTextEdit="1"/>
+          </p:cNvSpPr>
+          <p:nvPr>
+            <p:extLst>
+              <p:ext uri="{386F3935-93C4-4BCD-93E2-E3B085C9AB24}">
+                <p16:designElem xmlns:p16="http://schemas.microsoft.com/office/powerpoint/2015/main" val="1"/>
+              </p:ext>
+            </p:extLst>
+          </p:nvPr>
+        </p:nvSpPr>
+        <p:spPr>
+          <a:xfrm>
+            <a:off x="0" y="-1"/>
+            <a:ext cx="12188952" cy="6858000"/>
+          </a:xfrm>
+          <a:prstGeom prst="rect">
+            <a:avLst/>
+          </a:prstGeom>
+          <a:ln>
+            <a:noFill/>
+          </a:ln>
+        </p:spPr>
+        <p:style>
+          <a:lnRef idx="2">
+            <a:schemeClr val="accent1">
+              <a:shade val="50000"/>
+            </a:schemeClr>
+          </a:lnRef>
+          <a:fillRef idx="1">
+            <a:schemeClr val="accent1"/>
+          </a:fillRef>
+          <a:effectRef idx="0">
+            <a:schemeClr val="accent1"/>
+          </a:effectRef>
+          <a:fontRef idx="minor">
+            <a:schemeClr val="lt1"/>
+          </a:fontRef>
+        </p:style>
+        <p:txBody>
+          <a:bodyPr rtlCol="0" anchor="ctr"/>
+          <a:lstStyle/>
+          <a:p>
+            <a:pPr algn="ctr"/>
+            <a:endParaRPr lang="en-US"/>
+          </a:p>
+        </p:txBody>
+      </p:sp>
+      <p:sp>
+        <p:nvSpPr>
+          <p:cNvPr id="16" name="Rectangle 15">
+            <a:extLst>
+              <a:ext uri="{FF2B5EF4-FFF2-40B4-BE49-F238E27FC236}">
+                <a16:creationId xmlns:a16="http://schemas.microsoft.com/office/drawing/2014/main" id="{8B068B58-6F94-4AFF-A8A7-18573884D6CD}"/>
+              </a:ext>
+              <a:ext uri="{C183D7F6-B498-43B3-948B-1728B52AA6E4}">
+                <adec:decorative xmlns:adec="http://schemas.microsoft.com/office/drawing/2017/decorative" val="1"/>
+              </a:ext>
+            </a:extLst>
+          </p:cNvPr>
+          <p:cNvSpPr>
+            <a:spLocks noGrp="1" noRot="1" noChangeAspect="1" noMove="1" noResize="1" noEditPoints="1" noAdjustHandles="1" noChangeArrowheads="1" noChangeShapeType="1" noTextEdit="1"/>
+          </p:cNvSpPr>
+          <p:nvPr>
+            <p:extLst>
+              <p:ext uri="{386F3935-93C4-4BCD-93E2-E3B085C9AB24}">
+                <p16:designElem xmlns:p16="http://schemas.microsoft.com/office/powerpoint/2015/main" val="1"/>
+              </p:ext>
+            </p:extLst>
+          </p:nvPr>
+        </p:nvSpPr>
+        <p:spPr>
+          <a:xfrm>
+            <a:off x="0" y="0"/>
+            <a:ext cx="12188952" cy="6858000"/>
+          </a:xfrm>
+          <a:prstGeom prst="rect">
+            <a:avLst/>
+          </a:prstGeom>
+          <a:solidFill>
+            <a:schemeClr val="bg2">
+              <a:alpha val="50000"/>
+            </a:schemeClr>
+          </a:solidFill>
+          <a:ln>
+            <a:noFill/>
+          </a:ln>
+        </p:spPr>
+        <p:style>
+          <a:lnRef idx="2">
+            <a:schemeClr val="accent1">
+              <a:shade val="50000"/>
+            </a:schemeClr>
+          </a:lnRef>
+          <a:fillRef idx="1">
+            <a:schemeClr val="accent1"/>
+          </a:fillRef>
+          <a:effectRef idx="0">
+            <a:schemeClr val="accent1"/>
+          </a:effectRef>
+          <a:fontRef idx="minor">
+            <a:schemeClr val="lt1"/>
+          </a:fontRef>
+        </p:style>
+        <p:txBody>
+          <a:bodyPr rtlCol="0" anchor="ctr"/>
+          <a:lstStyle/>
+          <a:p>
+            <a:pPr algn="ctr"/>
+            <a:endParaRPr lang="en-US"/>
+          </a:p>
+        </p:txBody>
+      </p:sp>
+      <p:pic>
+        <p:nvPicPr>
+          <p:cNvPr id="18" name="Picture 17">
+            <a:extLst>
+              <a:ext uri="{FF2B5EF4-FFF2-40B4-BE49-F238E27FC236}">
+                <a16:creationId xmlns:a16="http://schemas.microsoft.com/office/drawing/2014/main" id="{B0DAC8FB-A162-44E3-A606-C855A03A5B09}"/>
+              </a:ext>
+              <a:ext uri="{C183D7F6-B498-43B3-948B-1728B52AA6E4}">
+                <adec:decorative xmlns:adec="http://schemas.microsoft.com/office/drawing/2017/decorative" val="1"/>
+              </a:ext>
+            </a:extLst>
+          </p:cNvPr>
+          <p:cNvPicPr>
+            <a:picLocks noGrp="1" noRot="1" noChangeAspect="1" noMove="1" noResize="1" noEditPoints="1" noAdjustHandles="1" noChangeArrowheads="1" noChangeShapeType="1" noCrop="1"/>
+          </p:cNvPicPr>
+          <p:nvPr>
+            <p:extLst>
+              <p:ext uri="{386F3935-93C4-4BCD-93E2-E3B085C9AB24}">
+                <p16:designElem xmlns:p16="http://schemas.microsoft.com/office/powerpoint/2015/main" val="1"/>
+              </p:ext>
+            </p:extLst>
+          </p:nvPr>
+        </p:nvPicPr>
+        <p:blipFill>
+          <a:blip r:embed="rId2">
+            <a:extLst>
+              <a:ext uri="{28A0092B-C50C-407E-A947-70E740481C1C}">
+                <a14:useLocalDpi xmlns:a14="http://schemas.microsoft.com/office/drawing/2010/main" val="0"/>
+              </a:ext>
+            </a:extLst>
+          </a:blip>
+          <a:stretch>
+            <a:fillRect/>
+          </a:stretch>
+        </p:blipFill>
+        <p:spPr>
+          <a:xfrm>
+            <a:off x="0" y="0"/>
+            <a:ext cx="12188952" cy="6862380"/>
+          </a:xfrm>
+          <a:prstGeom prst="rect">
+            <a:avLst/>
+          </a:prstGeom>
+        </p:spPr>
+      </p:pic>
+      <p:sp>
+        <p:nvSpPr>
+          <p:cNvPr id="20" name="Rectangle 19">
+            <a:extLst>
+              <a:ext uri="{FF2B5EF4-FFF2-40B4-BE49-F238E27FC236}">
+                <a16:creationId xmlns:a16="http://schemas.microsoft.com/office/drawing/2014/main" id="{21BDEC81-16A7-4451-B893-C15000083B77}"/>
+              </a:ext>
+              <a:ext uri="{C183D7F6-B498-43B3-948B-1728B52AA6E4}">
+                <adec:decorative xmlns:adec="http://schemas.microsoft.com/office/drawing/2017/decorative" val="1"/>
+              </a:ext>
+            </a:extLst>
+          </p:cNvPr>
+          <p:cNvSpPr>
+            <a:spLocks noGrp="1" noRot="1" noChangeAspect="1" noMove="1" noResize="1" noEditPoints="1" noAdjustHandles="1" noChangeArrowheads="1" noChangeShapeType="1" noTextEdit="1"/>
+          </p:cNvSpPr>
+          <p:nvPr>
+            <p:extLst>
+              <p:ext uri="{386F3935-93C4-4BCD-93E2-E3B085C9AB24}">
+                <p16:designElem xmlns:p16="http://schemas.microsoft.com/office/powerpoint/2015/main" val="1"/>
+              </p:ext>
+            </p:extLst>
+          </p:nvPr>
+        </p:nvSpPr>
+        <p:spPr>
+          <a:xfrm>
+            <a:off x="0" y="0"/>
+            <a:ext cx="12188952" cy="6858000"/>
+          </a:xfrm>
+          <a:prstGeom prst="rect">
+            <a:avLst/>
+          </a:prstGeom>
+          <a:solidFill>
+            <a:schemeClr val="accent1">
+              <a:alpha val="20000"/>
+            </a:schemeClr>
+          </a:solidFill>
+          <a:ln>
+            <a:noFill/>
+          </a:ln>
+        </p:spPr>
+        <p:style>
+          <a:lnRef idx="2">
+            <a:schemeClr val="accent1">
+              <a:shade val="50000"/>
+            </a:schemeClr>
+          </a:lnRef>
+          <a:fillRef idx="1">
+            <a:schemeClr val="accent1"/>
+          </a:fillRef>
+          <a:effectRef idx="0">
+            <a:schemeClr val="accent1"/>
+          </a:effectRef>
+          <a:fontRef idx="minor">
+            <a:schemeClr val="lt1"/>
+          </a:fontRef>
+        </p:style>
+        <p:txBody>
+          <a:bodyPr rtlCol="0" anchor="ctr"/>
+          <a:lstStyle/>
+          <a:p>
+            <a:pPr algn="ctr"/>
+            <a:endParaRPr lang="en-US"/>
+          </a:p>
+        </p:txBody>
+      </p:sp>
+      <p:sp>
+        <p:nvSpPr>
+          <p:cNvPr id="22" name="Rectangle 21">
+            <a:extLst>
+              <a:ext uri="{FF2B5EF4-FFF2-40B4-BE49-F238E27FC236}">
+                <a16:creationId xmlns:a16="http://schemas.microsoft.com/office/drawing/2014/main" id="{BE5B028C-7535-45E5-9D2C-32C50D0E0E43}"/>
+              </a:ext>
+              <a:ext uri="{C183D7F6-B498-43B3-948B-1728B52AA6E4}">
+                <adec:decorative xmlns:adec="http://schemas.microsoft.com/office/drawing/2017/decorative" val="1"/>
+              </a:ext>
+            </a:extLst>
+          </p:cNvPr>
+          <p:cNvSpPr>
+            <a:spLocks noGrp="1" noRot="1" noChangeAspect="1" noMove="1" noResize="1" noEditPoints="1" noAdjustHandles="1" noChangeArrowheads="1" noChangeShapeType="1" noTextEdit="1"/>
+          </p:cNvSpPr>
+          <p:nvPr>
+            <p:extLst>
+              <p:ext uri="{386F3935-93C4-4BCD-93E2-E3B085C9AB24}">
+                <p16:designElem xmlns:p16="http://schemas.microsoft.com/office/powerpoint/2015/main" val="1"/>
+              </p:ext>
+            </p:extLst>
+          </p:nvPr>
+        </p:nvSpPr>
+        <p:spPr>
+          <a:xfrm>
+            <a:off x="538542" y="729175"/>
+            <a:ext cx="11099352" cy="5399650"/>
+          </a:xfrm>
+          <a:prstGeom prst="rect">
+            <a:avLst/>
+          </a:prstGeom>
+          <a:solidFill>
+            <a:schemeClr val="bg1"/>
+          </a:solidFill>
+          <a:ln w="34925">
+            <a:noFill/>
+          </a:ln>
+        </p:spPr>
+        <p:style>
+          <a:lnRef idx="2">
+            <a:schemeClr val="accent1">
+              <a:shade val="50000"/>
+            </a:schemeClr>
+          </a:lnRef>
+          <a:fillRef idx="1">
+            <a:schemeClr val="accent1"/>
+          </a:fillRef>
+          <a:effectRef idx="0">
+            <a:schemeClr val="accent1"/>
+          </a:effectRef>
+          <a:fontRef idx="minor">
+            <a:schemeClr val="lt1"/>
+          </a:fontRef>
+        </p:style>
+        <p:txBody>
+          <a:bodyPr rtlCol="0" anchor="ctr"/>
+          <a:lstStyle/>
+          <a:p>
+            <a:pPr algn="ctr"/>
+            <a:endParaRPr lang="en-US" b="1">
+              <a:ln w="22225">
+                <a:solidFill>
+                  <a:schemeClr val="accent2"/>
+                </a:solidFill>
+                <a:prstDash val="solid"/>
+              </a:ln>
+              <a:solidFill>
+                <a:schemeClr val="accent2">
+                  <a:lumMod val="40000"/>
+                  <a:lumOff val="60000"/>
+                </a:schemeClr>
+              </a:solidFill>
+            </a:endParaRPr>
+          </a:p>
+        </p:txBody>
+      </p:sp>
       <p:sp>
         <p:nvSpPr>
           <p:cNvPr id="2" name="Title 1">
@@ -4074,13 +6343,20 @@
             <p:ph type="title"/>
           </p:nvPr>
         </p:nvSpPr>
-        <p:spPr/>
-        <p:txBody>
-          <a:bodyPr/>
-          <a:lstStyle/>
-          <a:p>
-            <a:r>
-              <a:rPr lang="en-US"/>
+        <p:spPr>
+          <a:xfrm>
+            <a:off x="1191966" y="900622"/>
+            <a:ext cx="4997189" cy="1893524"/>
+          </a:xfrm>
+        </p:spPr>
+        <p:txBody>
+          <a:bodyPr anchor="b">
+            <a:normAutofit/>
+          </a:bodyPr>
+          <a:lstStyle/>
+          <a:p>
+            <a:r>
+              <a:rPr lang="en-US" sz="4800"/>
               <a:t>Insertion Sort</a:t>
             </a:r>
           </a:p>
@@ -4088,10 +6364,10 @@
       </p:sp>
       <p:sp>
         <p:nvSpPr>
-          <p:cNvPr id="3" name="Content Placeholder 2">
-            <a:extLst>
-              <a:ext uri="{FF2B5EF4-FFF2-40B4-BE49-F238E27FC236}">
-                <a16:creationId xmlns:a16="http://schemas.microsoft.com/office/drawing/2014/main" id="{3AE0BA42-3CE2-CC3F-C00C-B069380230C0}"/>
+          <p:cNvPr id="11" name="Content Placeholder 10">
+            <a:extLst>
+              <a:ext uri="{FF2B5EF4-FFF2-40B4-BE49-F238E27FC236}">
+                <a16:creationId xmlns:a16="http://schemas.microsoft.com/office/drawing/2014/main" id="{7C06BEA1-FFA6-9D5D-ACCC-6C81F2FE765F}"/>
               </a:ext>
             </a:extLst>
           </p:cNvPr>
@@ -4102,12 +6378,128 @@
             <p:ph idx="1"/>
           </p:nvPr>
         </p:nvSpPr>
-        <p:spPr/>
-        <p:txBody>
-          <a:bodyPr/>
-          <a:lstStyle/>
-          <a:p>
+        <p:spPr>
+          <a:xfrm>
+            <a:off x="1191966" y="2965593"/>
+            <a:ext cx="4997189" cy="2941544"/>
+          </a:xfrm>
+        </p:spPr>
+        <p:txBody>
+          <a:bodyPr vert="horz" lIns="91440" tIns="45720" rIns="91440" bIns="45720" rtlCol="0" anchor="t">
+            <a:normAutofit/>
+          </a:bodyPr>
+          <a:lstStyle/>
+          <a:p>
+            <a:r>
+              <a:rPr lang="en-US" sz="2000"/>
+              <a:t>Sorts by going element by element and inserting the next element where it needs to go by comparing to the previously sorted elements.</a:t>
+            </a:r>
+          </a:p>
+          <a:p>
+            <a:r>
+              <a:rPr lang="en-US" sz="2000" b="1"/>
+              <a:t>Big O:</a:t>
+            </a:r>
+            <a:endParaRPr lang="en-US" sz="2000"/>
+          </a:p>
+          <a:p>
+            <a:pPr lvl="1">
+              <a:buFont typeface="Courier New,monospace" panose="020B0604020202020204" pitchFamily="34" charset="0"/>
+              <a:buChar char="o"/>
+            </a:pPr>
+            <a:r>
+              <a:rPr lang="en-US" sz="2000"/>
+              <a:t>Worst Case: O(n^2)</a:t>
+            </a:r>
+          </a:p>
+          <a:p>
+            <a:pPr lvl="1">
+              <a:buFont typeface="Courier New,monospace" panose="020B0604020202020204" pitchFamily="34" charset="0"/>
+              <a:buChar char="o"/>
+            </a:pPr>
+            <a:r>
+              <a:rPr lang="en-US" sz="2000"/>
+              <a:t>Average Case: O(n^2)</a:t>
+            </a:r>
+          </a:p>
+          <a:p>
+            <a:pPr lvl="1">
+              <a:buFont typeface="Courier New,monospace" panose="020B0604020202020204" pitchFamily="34" charset="0"/>
+              <a:buChar char="o"/>
+            </a:pPr>
+            <a:r>
+              <a:rPr lang="en-US" sz="2000"/>
+              <a:t>Best Case: O(n)</a:t>
+            </a:r>
             <a:endParaRPr lang="en-US"/>
+          </a:p>
+        </p:txBody>
+      </p:sp>
+      <p:pic>
+        <p:nvPicPr>
+          <p:cNvPr id="8" name="Picture 7" descr="A diagram of numbers and arrows&#10;&#10;AI-generated content may be incorrect.">
+            <a:extLst>
+              <a:ext uri="{FF2B5EF4-FFF2-40B4-BE49-F238E27FC236}">
+                <a16:creationId xmlns:a16="http://schemas.microsoft.com/office/drawing/2014/main" id="{AFFE0A98-2DFD-DE45-819D-BC7AFDDB9A68}"/>
+              </a:ext>
+            </a:extLst>
+          </p:cNvPr>
+          <p:cNvPicPr>
+            <a:picLocks noChangeAspect="1"/>
+          </p:cNvPicPr>
+          <p:nvPr/>
+        </p:nvPicPr>
+        <p:blipFill>
+          <a:blip r:embed="rId3"/>
+          <a:stretch>
+            <a:fillRect/>
+          </a:stretch>
+        </p:blipFill>
+        <p:spPr>
+          <a:xfrm>
+            <a:off x="5862757" y="1847307"/>
+            <a:ext cx="5356788" cy="3124803"/>
+          </a:xfrm>
+          <a:prstGeom prst="rect">
+            <a:avLst/>
+          </a:prstGeom>
+        </p:spPr>
+      </p:pic>
+      <p:sp>
+        <p:nvSpPr>
+          <p:cNvPr id="12" name="TextBox 11">
+            <a:extLst>
+              <a:ext uri="{FF2B5EF4-FFF2-40B4-BE49-F238E27FC236}">
+                <a16:creationId xmlns:a16="http://schemas.microsoft.com/office/drawing/2014/main" id="{51EA11A7-9643-4C02-D1E5-B21808941836}"/>
+              </a:ext>
+            </a:extLst>
+          </p:cNvPr>
+          <p:cNvSpPr txBox="1"/>
+          <p:nvPr/>
+        </p:nvSpPr>
+        <p:spPr>
+          <a:xfrm>
+            <a:off x="5861994" y="4961389"/>
+            <a:ext cx="3674301" cy="261610"/>
+          </a:xfrm>
+          <a:prstGeom prst="rect">
+            <a:avLst/>
+          </a:prstGeom>
+          <a:noFill/>
+        </p:spPr>
+        <p:txBody>
+          <a:bodyPr rot="0" spcFirstLastPara="0" vertOverflow="overflow" horzOverflow="overflow" vert="horz" wrap="square" lIns="91440" tIns="45720" rIns="91440" bIns="45720" numCol="1" spcCol="0" rtlCol="0" fromWordArt="0" anchor="t" anchorCtr="0" forceAA="0" compatLnSpc="1">
+            <a:prstTxWarp prst="textNoShape">
+              <a:avLst/>
+            </a:prstTxWarp>
+            <a:spAutoFit/>
+          </a:bodyPr>
+          <a:lstStyle/>
+          <a:p>
+            <a:r>
+              <a:rPr lang="en-US" sz="1100"/>
+              <a:t>From geeksforgeeks.com</a:t>
+            </a:r>
           </a:p>
         </p:txBody>
       </p:sp>
@@ -4124,12 +6516,26 @@
 </p:sld>
 </file>
 
-<file path=ppt/slides/slide5.xml><?xml version="1.0" encoding="utf-8"?>
+<file path=ppt/slides/slide6.xml><?xml version="1.0" encoding="utf-8"?>
 <p:sld xmlns:a="http://schemas.openxmlformats.org/drawingml/2006/main" xmlns:r="http://schemas.openxmlformats.org/officeDocument/2006/relationships" xmlns:p="http://schemas.openxmlformats.org/presentationml/2006/main">
   <p:cSld>
+    <p:bg>
+      <p:bgPr>
+        <a:solidFill>
+          <a:schemeClr val="bg1"/>
+        </a:solidFill>
+        <a:effectLst/>
+      </p:bgPr>
+    </p:bg>
     <p:spTree>
       <p:nvGrpSpPr>
-        <p:cNvPr id="1" name=""/>
+        <p:cNvPr id="1" name="">
+          <a:extLst>
+            <a:ext uri="{FF2B5EF4-FFF2-40B4-BE49-F238E27FC236}">
+              <a16:creationId xmlns:a16="http://schemas.microsoft.com/office/drawing/2014/main" id="{63AFE8FF-679B-0158-4B59-879C82DB20AD}"/>
+            </a:ext>
+          </a:extLst>
+        </p:cNvPr>
         <p:cNvGrpSpPr/>
         <p:nvPr/>
       </p:nvGrpSpPr>
@@ -4141,12 +6547,323 @@
           <a:chExt cx="0" cy="0"/>
         </a:xfrm>
       </p:grpSpPr>
+      <p:sp useBgFill="1">
+        <p:nvSpPr>
+          <p:cNvPr id="14" name="Rectangle 13">
+            <a:extLst>
+              <a:ext uri="{FF2B5EF4-FFF2-40B4-BE49-F238E27FC236}">
+                <a16:creationId xmlns:a16="http://schemas.microsoft.com/office/drawing/2014/main" id="{AD84B1CA-59A6-EA40-2423-55EECF6F5897}"/>
+              </a:ext>
+              <a:ext uri="{C183D7F6-B498-43B3-948B-1728B52AA6E4}">
+                <adec:decorative xmlns:adec="http://schemas.microsoft.com/office/drawing/2017/decorative" val="1"/>
+              </a:ext>
+            </a:extLst>
+          </p:cNvPr>
+          <p:cNvSpPr>
+            <a:spLocks noGrp="1" noRot="1" noChangeAspect="1" noMove="1" noResize="1" noEditPoints="1" noAdjustHandles="1" noChangeArrowheads="1" noChangeShapeType="1" noTextEdit="1"/>
+          </p:cNvSpPr>
+          <p:nvPr>
+            <p:extLst>
+              <p:ext uri="{386F3935-93C4-4BCD-93E2-E3B085C9AB24}">
+                <p16:designElem xmlns:p16="http://schemas.microsoft.com/office/powerpoint/2015/main" val="1"/>
+              </p:ext>
+            </p:extLst>
+          </p:nvPr>
+        </p:nvSpPr>
+        <p:spPr>
+          <a:xfrm>
+            <a:off x="0" y="-1"/>
+            <a:ext cx="12188952" cy="6858000"/>
+          </a:xfrm>
+          <a:prstGeom prst="rect">
+            <a:avLst/>
+          </a:prstGeom>
+          <a:ln>
+            <a:noFill/>
+          </a:ln>
+        </p:spPr>
+        <p:style>
+          <a:lnRef idx="2">
+            <a:schemeClr val="accent1">
+              <a:shade val="50000"/>
+            </a:schemeClr>
+          </a:lnRef>
+          <a:fillRef idx="1">
+            <a:schemeClr val="accent1"/>
+          </a:fillRef>
+          <a:effectRef idx="0">
+            <a:schemeClr val="accent1"/>
+          </a:effectRef>
+          <a:fontRef idx="minor">
+            <a:schemeClr val="lt1"/>
+          </a:fontRef>
+        </p:style>
+        <p:txBody>
+          <a:bodyPr rtlCol="0" anchor="ctr"/>
+          <a:lstStyle/>
+          <a:p>
+            <a:pPr algn="ctr"/>
+            <a:endParaRPr lang="en-US"/>
+          </a:p>
+        </p:txBody>
+      </p:sp>
+      <p:sp>
+        <p:nvSpPr>
+          <p:cNvPr id="16" name="Rectangle 15">
+            <a:extLst>
+              <a:ext uri="{FF2B5EF4-FFF2-40B4-BE49-F238E27FC236}">
+                <a16:creationId xmlns:a16="http://schemas.microsoft.com/office/drawing/2014/main" id="{ED1F88CA-D7D5-16A9-3DD3-84555E7EBE9B}"/>
+              </a:ext>
+              <a:ext uri="{C183D7F6-B498-43B3-948B-1728B52AA6E4}">
+                <adec:decorative xmlns:adec="http://schemas.microsoft.com/office/drawing/2017/decorative" val="1"/>
+              </a:ext>
+            </a:extLst>
+          </p:cNvPr>
+          <p:cNvSpPr>
+            <a:spLocks noGrp="1" noRot="1" noChangeAspect="1" noMove="1" noResize="1" noEditPoints="1" noAdjustHandles="1" noChangeArrowheads="1" noChangeShapeType="1" noTextEdit="1"/>
+          </p:cNvSpPr>
+          <p:nvPr>
+            <p:extLst>
+              <p:ext uri="{386F3935-93C4-4BCD-93E2-E3B085C9AB24}">
+                <p16:designElem xmlns:p16="http://schemas.microsoft.com/office/powerpoint/2015/main" val="1"/>
+              </p:ext>
+            </p:extLst>
+          </p:nvPr>
+        </p:nvSpPr>
+        <p:spPr>
+          <a:xfrm>
+            <a:off x="0" y="0"/>
+            <a:ext cx="12188952" cy="6858000"/>
+          </a:xfrm>
+          <a:prstGeom prst="rect">
+            <a:avLst/>
+          </a:prstGeom>
+          <a:solidFill>
+            <a:schemeClr val="bg2">
+              <a:alpha val="50000"/>
+            </a:schemeClr>
+          </a:solidFill>
+          <a:ln>
+            <a:noFill/>
+          </a:ln>
+        </p:spPr>
+        <p:style>
+          <a:lnRef idx="2">
+            <a:schemeClr val="accent1">
+              <a:shade val="50000"/>
+            </a:schemeClr>
+          </a:lnRef>
+          <a:fillRef idx="1">
+            <a:schemeClr val="accent1"/>
+          </a:fillRef>
+          <a:effectRef idx="0">
+            <a:schemeClr val="accent1"/>
+          </a:effectRef>
+          <a:fontRef idx="minor">
+            <a:schemeClr val="lt1"/>
+          </a:fontRef>
+        </p:style>
+        <p:txBody>
+          <a:bodyPr rtlCol="0" anchor="ctr"/>
+          <a:lstStyle/>
+          <a:p>
+            <a:pPr algn="ctr"/>
+            <a:endParaRPr lang="en-US"/>
+          </a:p>
+        </p:txBody>
+      </p:sp>
+      <p:pic>
+        <p:nvPicPr>
+          <p:cNvPr id="18" name="Picture 17">
+            <a:extLst>
+              <a:ext uri="{FF2B5EF4-FFF2-40B4-BE49-F238E27FC236}">
+                <a16:creationId xmlns:a16="http://schemas.microsoft.com/office/drawing/2014/main" id="{CA79B0AF-83D1-AABF-70D0-E75333962E1E}"/>
+              </a:ext>
+              <a:ext uri="{C183D7F6-B498-43B3-948B-1728B52AA6E4}">
+                <adec:decorative xmlns:adec="http://schemas.microsoft.com/office/drawing/2017/decorative" val="1"/>
+              </a:ext>
+            </a:extLst>
+          </p:cNvPr>
+          <p:cNvPicPr>
+            <a:picLocks noGrp="1" noRot="1" noChangeAspect="1" noMove="1" noResize="1" noEditPoints="1" noAdjustHandles="1" noChangeArrowheads="1" noChangeShapeType="1" noCrop="1"/>
+          </p:cNvPicPr>
+          <p:nvPr>
+            <p:extLst>
+              <p:ext uri="{386F3935-93C4-4BCD-93E2-E3B085C9AB24}">
+                <p16:designElem xmlns:p16="http://schemas.microsoft.com/office/powerpoint/2015/main" val="1"/>
+              </p:ext>
+            </p:extLst>
+          </p:nvPr>
+        </p:nvPicPr>
+        <p:blipFill>
+          <a:blip r:embed="rId2">
+            <a:extLst>
+              <a:ext uri="{28A0092B-C50C-407E-A947-70E740481C1C}">
+                <a14:useLocalDpi xmlns:a14="http://schemas.microsoft.com/office/drawing/2010/main" val="0"/>
+              </a:ext>
+            </a:extLst>
+          </a:blip>
+          <a:stretch>
+            <a:fillRect/>
+          </a:stretch>
+        </p:blipFill>
+        <p:spPr>
+          <a:xfrm>
+            <a:off x="0" y="0"/>
+            <a:ext cx="12188952" cy="6862380"/>
+          </a:xfrm>
+          <a:prstGeom prst="rect">
+            <a:avLst/>
+          </a:prstGeom>
+        </p:spPr>
+      </p:pic>
+      <p:sp>
+        <p:nvSpPr>
+          <p:cNvPr id="20" name="Rectangle 19">
+            <a:extLst>
+              <a:ext uri="{FF2B5EF4-FFF2-40B4-BE49-F238E27FC236}">
+                <a16:creationId xmlns:a16="http://schemas.microsoft.com/office/drawing/2014/main" id="{1C28B94B-5BEC-F2C6-3054-6C4189FA5630}"/>
+              </a:ext>
+              <a:ext uri="{C183D7F6-B498-43B3-948B-1728B52AA6E4}">
+                <adec:decorative xmlns:adec="http://schemas.microsoft.com/office/drawing/2017/decorative" val="1"/>
+              </a:ext>
+            </a:extLst>
+          </p:cNvPr>
+          <p:cNvSpPr>
+            <a:spLocks noGrp="1" noRot="1" noChangeAspect="1" noMove="1" noResize="1" noEditPoints="1" noAdjustHandles="1" noChangeArrowheads="1" noChangeShapeType="1" noTextEdit="1"/>
+          </p:cNvSpPr>
+          <p:nvPr>
+            <p:extLst>
+              <p:ext uri="{386F3935-93C4-4BCD-93E2-E3B085C9AB24}">
+                <p16:designElem xmlns:p16="http://schemas.microsoft.com/office/powerpoint/2015/main" val="1"/>
+              </p:ext>
+            </p:extLst>
+          </p:nvPr>
+        </p:nvSpPr>
+        <p:spPr>
+          <a:xfrm>
+            <a:off x="0" y="0"/>
+            <a:ext cx="12188952" cy="6858000"/>
+          </a:xfrm>
+          <a:prstGeom prst="rect">
+            <a:avLst/>
+          </a:prstGeom>
+          <a:solidFill>
+            <a:schemeClr val="accent1">
+              <a:alpha val="20000"/>
+            </a:schemeClr>
+          </a:solidFill>
+          <a:ln>
+            <a:noFill/>
+          </a:ln>
+        </p:spPr>
+        <p:style>
+          <a:lnRef idx="2">
+            <a:schemeClr val="accent1">
+              <a:shade val="50000"/>
+            </a:schemeClr>
+          </a:lnRef>
+          <a:fillRef idx="1">
+            <a:schemeClr val="accent1"/>
+          </a:fillRef>
+          <a:effectRef idx="0">
+            <a:schemeClr val="accent1"/>
+          </a:effectRef>
+          <a:fontRef idx="minor">
+            <a:schemeClr val="lt1"/>
+          </a:fontRef>
+        </p:style>
+        <p:txBody>
+          <a:bodyPr rtlCol="0" anchor="ctr"/>
+          <a:lstStyle/>
+          <a:p>
+            <a:pPr algn="ctr"/>
+            <a:endParaRPr lang="en-US"/>
+          </a:p>
+        </p:txBody>
+      </p:sp>
+      <p:sp>
+        <p:nvSpPr>
+          <p:cNvPr id="22" name="Rectangle 21">
+            <a:extLst>
+              <a:ext uri="{FF2B5EF4-FFF2-40B4-BE49-F238E27FC236}">
+                <a16:creationId xmlns:a16="http://schemas.microsoft.com/office/drawing/2014/main" id="{0AED2D56-BDBA-D103-4F94-3DAAEE2BD8D7}"/>
+              </a:ext>
+              <a:ext uri="{C183D7F6-B498-43B3-948B-1728B52AA6E4}">
+                <adec:decorative xmlns:adec="http://schemas.microsoft.com/office/drawing/2017/decorative" val="1"/>
+              </a:ext>
+            </a:extLst>
+          </p:cNvPr>
+          <p:cNvSpPr>
+            <a:spLocks noGrp="1" noRot="1" noChangeAspect="1" noMove="1" noResize="1" noEditPoints="1" noAdjustHandles="1" noChangeArrowheads="1" noChangeShapeType="1" noTextEdit="1"/>
+          </p:cNvSpPr>
+          <p:nvPr>
+            <p:extLst>
+              <p:ext uri="{386F3935-93C4-4BCD-93E2-E3B085C9AB24}">
+                <p16:designElem xmlns:p16="http://schemas.microsoft.com/office/powerpoint/2015/main" val="1"/>
+              </p:ext>
+            </p:extLst>
+          </p:nvPr>
+        </p:nvSpPr>
+        <p:spPr>
+          <a:xfrm>
+            <a:off x="538542" y="729175"/>
+            <a:ext cx="11099352" cy="5399650"/>
+          </a:xfrm>
+          <a:prstGeom prst="rect">
+            <a:avLst/>
+          </a:prstGeom>
+          <a:solidFill>
+            <a:schemeClr val="bg1"/>
+          </a:solidFill>
+          <a:ln w="34925">
+            <a:noFill/>
+          </a:ln>
+        </p:spPr>
+        <p:style>
+          <a:lnRef idx="2">
+            <a:schemeClr val="accent1">
+              <a:shade val="50000"/>
+            </a:schemeClr>
+          </a:lnRef>
+          <a:fillRef idx="1">
+            <a:schemeClr val="accent1"/>
+          </a:fillRef>
+          <a:effectRef idx="0">
+            <a:schemeClr val="accent1"/>
+          </a:effectRef>
+          <a:fontRef idx="minor">
+            <a:schemeClr val="lt1"/>
+          </a:fontRef>
+        </p:style>
+        <p:txBody>
+          <a:bodyPr rtlCol="0" anchor="ctr"/>
+          <a:lstStyle/>
+          <a:p>
+            <a:pPr algn="ctr"/>
+            <a:endParaRPr lang="en-US" b="1">
+              <a:ln w="22225">
+                <a:solidFill>
+                  <a:schemeClr val="accent2"/>
+                </a:solidFill>
+                <a:prstDash val="solid"/>
+              </a:ln>
+              <a:solidFill>
+                <a:schemeClr val="accent2">
+                  <a:lumMod val="40000"/>
+                  <a:lumOff val="60000"/>
+                </a:schemeClr>
+              </a:solidFill>
+            </a:endParaRPr>
+          </a:p>
+        </p:txBody>
+      </p:sp>
       <p:sp>
         <p:nvSpPr>
           <p:cNvPr id="2" name="Title 1">
             <a:extLst>
               <a:ext uri="{FF2B5EF4-FFF2-40B4-BE49-F238E27FC236}">
-                <a16:creationId xmlns:a16="http://schemas.microsoft.com/office/drawing/2014/main" id="{934D267A-38EE-F505-1C5A-EC6894CF98EE}"/>
+                <a16:creationId xmlns:a16="http://schemas.microsoft.com/office/drawing/2014/main" id="{E4A44416-0875-8B08-8580-FB917B55F0FE}"/>
               </a:ext>
             </a:extLst>
           </p:cNvPr>
@@ -4157,24 +6874,31 @@
             <p:ph type="title"/>
           </p:nvPr>
         </p:nvSpPr>
-        <p:spPr/>
-        <p:txBody>
-          <a:bodyPr/>
-          <a:lstStyle/>
-          <a:p>
-            <a:r>
-              <a:rPr lang="en-US"/>
-              <a:t>Quick Sort</a:t>
-            </a:r>
-          </a:p>
-        </p:txBody>
-      </p:sp>
-      <p:sp>
-        <p:nvSpPr>
-          <p:cNvPr id="3" name="Content Placeholder 2">
-            <a:extLst>
-              <a:ext uri="{FF2B5EF4-FFF2-40B4-BE49-F238E27FC236}">
-                <a16:creationId xmlns:a16="http://schemas.microsoft.com/office/drawing/2014/main" id="{EBB0DE76-156D-77EC-4C6F-6616B4EF59B3}"/>
+        <p:spPr>
+          <a:xfrm>
+            <a:off x="1191966" y="900622"/>
+            <a:ext cx="4997189" cy="1893524"/>
+          </a:xfrm>
+        </p:spPr>
+        <p:txBody>
+          <a:bodyPr anchor="b">
+            <a:normAutofit/>
+          </a:bodyPr>
+          <a:lstStyle/>
+          <a:p>
+            <a:r>
+              <a:rPr lang="en-US" sz="4800"/>
+              <a:t>Insertion Sort</a:t>
+            </a:r>
+          </a:p>
+        </p:txBody>
+      </p:sp>
+      <p:sp>
+        <p:nvSpPr>
+          <p:cNvPr id="11" name="Content Placeholder 10">
+            <a:extLst>
+              <a:ext uri="{FF2B5EF4-FFF2-40B4-BE49-F238E27FC236}">
+                <a16:creationId xmlns:a16="http://schemas.microsoft.com/office/drawing/2014/main" id="{119AF933-78CC-2E4D-FD35-08151A0AE170}"/>
               </a:ext>
             </a:extLst>
           </p:cNvPr>
@@ -4185,102 +6909,131 @@
             <p:ph idx="1"/>
           </p:nvPr>
         </p:nvSpPr>
-        <p:spPr/>
-        <p:txBody>
-          <a:bodyPr/>
-          <a:lstStyle/>
-          <a:p>
-            <a:endParaRPr lang="en-US"/>
-          </a:p>
-        </p:txBody>
-      </p:sp>
+        <p:spPr>
+          <a:xfrm>
+            <a:off x="1191966" y="2965593"/>
+            <a:ext cx="4997189" cy="2941544"/>
+          </a:xfrm>
+        </p:spPr>
+        <p:txBody>
+          <a:bodyPr>
+            <a:normAutofit/>
+          </a:bodyPr>
+          <a:lstStyle/>
+          <a:p>
+            <a:r>
+              <a:rPr lang="en-US" sz="1600"/>
+              <a:t>Implements insertion sort by selecting a “</a:t>
+            </a:r>
+            <a:r>
+              <a:rPr lang="en-US" sz="1600" err="1"/>
+              <a:t>keyCube</a:t>
+            </a:r>
+            <a:r>
+              <a:rPr lang="en-US" sz="1600"/>
+              <a:t>” and shifting larger cubes to the right.</a:t>
+            </a:r>
+          </a:p>
+          <a:p>
+            <a:r>
+              <a:rPr lang="en-US" sz="1600"/>
+              <a:t>Compares cubes using their height (</a:t>
+            </a:r>
+            <a:r>
+              <a:rPr lang="en-US" sz="1600" err="1"/>
+              <a:t>localScale.y</a:t>
+            </a:r>
+            <a:r>
+              <a:rPr lang="en-US" sz="1600"/>
+              <a:t>) to determine correct placement.</a:t>
+            </a:r>
+          </a:p>
+          <a:p>
+            <a:r>
+              <a:rPr lang="en-US" sz="1600"/>
+              <a:t>Use yield return for brief delays, allowing visualized step-by-step movement.</a:t>
+            </a:r>
+          </a:p>
+        </p:txBody>
+      </p:sp>
+      <p:pic>
+        <p:nvPicPr>
+          <p:cNvPr id="5" name="Content Placeholder 4" descr="A screen shot of a computer code&#10;&#10;AI-generated content may be incorrect.">
+            <a:extLst>
+              <a:ext uri="{FF2B5EF4-FFF2-40B4-BE49-F238E27FC236}">
+                <a16:creationId xmlns:a16="http://schemas.microsoft.com/office/drawing/2014/main" id="{A89B69F8-8490-6F9B-1CDA-5AF245A2B43D}"/>
+              </a:ext>
+            </a:extLst>
+          </p:cNvPr>
+          <p:cNvPicPr>
+            <a:picLocks noChangeAspect="1"/>
+          </p:cNvPicPr>
+          <p:nvPr/>
+        </p:nvPicPr>
+        <p:blipFill>
+          <a:blip r:embed="rId3">
+            <a:extLst>
+              <a:ext uri="{28A0092B-C50C-407E-A947-70E740481C1C}">
+                <a14:useLocalDpi xmlns:a14="http://schemas.microsoft.com/office/drawing/2010/main" val="0"/>
+              </a:ext>
+            </a:extLst>
+          </a:blip>
+          <a:srcRect l="1184" r="25753" b="1"/>
+          <a:stretch>
+            <a:fillRect/>
+          </a:stretch>
+        </p:blipFill>
+        <p:spPr>
+          <a:xfrm>
+            <a:off x="6575741" y="895610"/>
+            <a:ext cx="4890576" cy="2443150"/>
+          </a:xfrm>
+          <a:prstGeom prst="rect">
+            <a:avLst/>
+          </a:prstGeom>
+        </p:spPr>
+      </p:pic>
+      <p:pic>
+        <p:nvPicPr>
+          <p:cNvPr id="7" name="Picture 6" descr="A computer screen shot of code&#10;&#10;AI-generated content may be incorrect.">
+            <a:extLst>
+              <a:ext uri="{FF2B5EF4-FFF2-40B4-BE49-F238E27FC236}">
+                <a16:creationId xmlns:a16="http://schemas.microsoft.com/office/drawing/2014/main" id="{DCDEC163-38BF-E50C-8F6B-2F25932181DA}"/>
+              </a:ext>
+            </a:extLst>
+          </p:cNvPr>
+          <p:cNvPicPr>
+            <a:picLocks noChangeAspect="1"/>
+          </p:cNvPicPr>
+          <p:nvPr/>
+        </p:nvPicPr>
+        <p:blipFill>
+          <a:blip r:embed="rId4">
+            <a:extLst>
+              <a:ext uri="{28A0092B-C50C-407E-A947-70E740481C1C}">
+                <a14:useLocalDpi xmlns:a14="http://schemas.microsoft.com/office/drawing/2010/main" val="0"/>
+              </a:ext>
+            </a:extLst>
+          </a:blip>
+          <a:srcRect r="12923" b="-1"/>
+          <a:stretch>
+            <a:fillRect/>
+          </a:stretch>
+        </p:blipFill>
+        <p:spPr>
+          <a:xfrm>
+            <a:off x="6575741" y="3504974"/>
+            <a:ext cx="4890576" cy="2443150"/>
+          </a:xfrm>
+          <a:prstGeom prst="rect">
+            <a:avLst/>
+          </a:prstGeom>
+        </p:spPr>
+      </p:pic>
     </p:spTree>
     <p:extLst>
       <p:ext uri="{BB962C8B-B14F-4D97-AF65-F5344CB8AC3E}">
-        <p14:creationId xmlns:p14="http://schemas.microsoft.com/office/powerpoint/2010/main" val="2419777774"/>
-      </p:ext>
-    </p:extLst>
-  </p:cSld>
-  <p:clrMapOvr>
-    <a:masterClrMapping/>
-  </p:clrMapOvr>
-</p:sld>
-</file>
-
-<file path=ppt/slides/slide6.xml><?xml version="1.0" encoding="utf-8"?>
-<p:sld xmlns:a="http://schemas.openxmlformats.org/drawingml/2006/main" xmlns:r="http://schemas.openxmlformats.org/officeDocument/2006/relationships" xmlns:p="http://schemas.openxmlformats.org/presentationml/2006/main">
-  <p:cSld>
-    <p:spTree>
-      <p:nvGrpSpPr>
-        <p:cNvPr id="1" name=""/>
-        <p:cNvGrpSpPr/>
-        <p:nvPr/>
-      </p:nvGrpSpPr>
-      <p:grpSpPr>
-        <a:xfrm>
-          <a:off x="0" y="0"/>
-          <a:ext cx="0" cy="0"/>
-          <a:chOff x="0" y="0"/>
-          <a:chExt cx="0" cy="0"/>
-        </a:xfrm>
-      </p:grpSpPr>
-      <p:sp>
-        <p:nvSpPr>
-          <p:cNvPr id="2" name="Title 1">
-            <a:extLst>
-              <a:ext uri="{FF2B5EF4-FFF2-40B4-BE49-F238E27FC236}">
-                <a16:creationId xmlns:a16="http://schemas.microsoft.com/office/drawing/2014/main" id="{D3A496FB-9608-DAD5-1AD5-84C041C6960D}"/>
-              </a:ext>
-            </a:extLst>
-          </p:cNvPr>
-          <p:cNvSpPr>
-            <a:spLocks noGrp="1"/>
-          </p:cNvSpPr>
-          <p:nvPr>
-            <p:ph type="title"/>
-          </p:nvPr>
-        </p:nvSpPr>
-        <p:spPr/>
-        <p:txBody>
-          <a:bodyPr/>
-          <a:lstStyle/>
-          <a:p>
-            <a:r>
-              <a:rPr lang="en-US"/>
-              <a:t>Random Sort (Bogosort)</a:t>
-            </a:r>
-          </a:p>
-        </p:txBody>
-      </p:sp>
-      <p:sp>
-        <p:nvSpPr>
-          <p:cNvPr id="3" name="Content Placeholder 2">
-            <a:extLst>
-              <a:ext uri="{FF2B5EF4-FFF2-40B4-BE49-F238E27FC236}">
-                <a16:creationId xmlns:a16="http://schemas.microsoft.com/office/drawing/2014/main" id="{79CE13E9-5C07-16BD-BCA1-FF214A7B0FF9}"/>
-              </a:ext>
-            </a:extLst>
-          </p:cNvPr>
-          <p:cNvSpPr>
-            <a:spLocks noGrp="1"/>
-          </p:cNvSpPr>
-          <p:nvPr>
-            <p:ph idx="1"/>
-          </p:nvPr>
-        </p:nvSpPr>
-        <p:spPr/>
-        <p:txBody>
-          <a:bodyPr/>
-          <a:lstStyle/>
-          <a:p>
-            <a:endParaRPr lang="en-US"/>
-          </a:p>
-        </p:txBody>
-      </p:sp>
-    </p:spTree>
-    <p:extLst>
-      <p:ext uri="{BB962C8B-B14F-4D97-AF65-F5344CB8AC3E}">
-        <p14:creationId xmlns:p14="http://schemas.microsoft.com/office/powerpoint/2010/main" val="4109122580"/>
+        <p14:creationId xmlns:p14="http://schemas.microsoft.com/office/powerpoint/2010/main" val="3282164478"/>
       </p:ext>
     </p:extLst>
   </p:cSld>
@@ -4293,9 +7046,23 @@
 <file path=ppt/slides/slide7.xml><?xml version="1.0" encoding="utf-8"?>
 <p:sld xmlns:a="http://schemas.openxmlformats.org/drawingml/2006/main" xmlns:r="http://schemas.openxmlformats.org/officeDocument/2006/relationships" xmlns:p="http://schemas.openxmlformats.org/presentationml/2006/main">
   <p:cSld>
+    <p:bg>
+      <p:bgPr>
+        <a:solidFill>
+          <a:schemeClr val="bg1"/>
+        </a:solidFill>
+        <a:effectLst/>
+      </p:bgPr>
+    </p:bg>
     <p:spTree>
       <p:nvGrpSpPr>
-        <p:cNvPr id="1" name=""/>
+        <p:cNvPr id="1" name="">
+          <a:extLst>
+            <a:ext uri="{FF2B5EF4-FFF2-40B4-BE49-F238E27FC236}">
+              <a16:creationId xmlns:a16="http://schemas.microsoft.com/office/drawing/2014/main" id="{4DC9CFCE-8B59-68F7-930A-CB9EA9E87D31}"/>
+            </a:ext>
+          </a:extLst>
+        </p:cNvPr>
         <p:cNvGrpSpPr/>
         <p:nvPr/>
       </p:nvGrpSpPr>
@@ -4307,12 +7074,323 @@
           <a:chExt cx="0" cy="0"/>
         </a:xfrm>
       </p:grpSpPr>
+      <p:sp useBgFill="1">
+        <p:nvSpPr>
+          <p:cNvPr id="14" name="Rectangle 13">
+            <a:extLst>
+              <a:ext uri="{FF2B5EF4-FFF2-40B4-BE49-F238E27FC236}">
+                <a16:creationId xmlns:a16="http://schemas.microsoft.com/office/drawing/2014/main" id="{EA62E712-C8D5-0E36-85FA-3CE340264D83}"/>
+              </a:ext>
+              <a:ext uri="{C183D7F6-B498-43B3-948B-1728B52AA6E4}">
+                <adec:decorative xmlns:adec="http://schemas.microsoft.com/office/drawing/2017/decorative" val="1"/>
+              </a:ext>
+            </a:extLst>
+          </p:cNvPr>
+          <p:cNvSpPr>
+            <a:spLocks noGrp="1" noRot="1" noChangeAspect="1" noMove="1" noResize="1" noEditPoints="1" noAdjustHandles="1" noChangeArrowheads="1" noChangeShapeType="1" noTextEdit="1"/>
+          </p:cNvSpPr>
+          <p:nvPr>
+            <p:extLst>
+              <p:ext uri="{386F3935-93C4-4BCD-93E2-E3B085C9AB24}">
+                <p16:designElem xmlns:p16="http://schemas.microsoft.com/office/powerpoint/2015/main" val="1"/>
+              </p:ext>
+            </p:extLst>
+          </p:nvPr>
+        </p:nvSpPr>
+        <p:spPr>
+          <a:xfrm>
+            <a:off x="0" y="-1"/>
+            <a:ext cx="12188952" cy="6858000"/>
+          </a:xfrm>
+          <a:prstGeom prst="rect">
+            <a:avLst/>
+          </a:prstGeom>
+          <a:ln>
+            <a:noFill/>
+          </a:ln>
+        </p:spPr>
+        <p:style>
+          <a:lnRef idx="2">
+            <a:schemeClr val="accent1">
+              <a:shade val="50000"/>
+            </a:schemeClr>
+          </a:lnRef>
+          <a:fillRef idx="1">
+            <a:schemeClr val="accent1"/>
+          </a:fillRef>
+          <a:effectRef idx="0">
+            <a:schemeClr val="accent1"/>
+          </a:effectRef>
+          <a:fontRef idx="minor">
+            <a:schemeClr val="lt1"/>
+          </a:fontRef>
+        </p:style>
+        <p:txBody>
+          <a:bodyPr rtlCol="0" anchor="ctr"/>
+          <a:lstStyle/>
+          <a:p>
+            <a:pPr algn="ctr"/>
+            <a:endParaRPr lang="en-US"/>
+          </a:p>
+        </p:txBody>
+      </p:sp>
+      <p:sp>
+        <p:nvSpPr>
+          <p:cNvPr id="16" name="Rectangle 15">
+            <a:extLst>
+              <a:ext uri="{FF2B5EF4-FFF2-40B4-BE49-F238E27FC236}">
+                <a16:creationId xmlns:a16="http://schemas.microsoft.com/office/drawing/2014/main" id="{A03FE4C1-81A1-892F-3329-29AB58F60B2A}"/>
+              </a:ext>
+              <a:ext uri="{C183D7F6-B498-43B3-948B-1728B52AA6E4}">
+                <adec:decorative xmlns:adec="http://schemas.microsoft.com/office/drawing/2017/decorative" val="1"/>
+              </a:ext>
+            </a:extLst>
+          </p:cNvPr>
+          <p:cNvSpPr>
+            <a:spLocks noGrp="1" noRot="1" noChangeAspect="1" noMove="1" noResize="1" noEditPoints="1" noAdjustHandles="1" noChangeArrowheads="1" noChangeShapeType="1" noTextEdit="1"/>
+          </p:cNvSpPr>
+          <p:nvPr>
+            <p:extLst>
+              <p:ext uri="{386F3935-93C4-4BCD-93E2-E3B085C9AB24}">
+                <p16:designElem xmlns:p16="http://schemas.microsoft.com/office/powerpoint/2015/main" val="1"/>
+              </p:ext>
+            </p:extLst>
+          </p:nvPr>
+        </p:nvSpPr>
+        <p:spPr>
+          <a:xfrm>
+            <a:off x="0" y="0"/>
+            <a:ext cx="12188952" cy="6858000"/>
+          </a:xfrm>
+          <a:prstGeom prst="rect">
+            <a:avLst/>
+          </a:prstGeom>
+          <a:solidFill>
+            <a:schemeClr val="bg2">
+              <a:alpha val="50000"/>
+            </a:schemeClr>
+          </a:solidFill>
+          <a:ln>
+            <a:noFill/>
+          </a:ln>
+        </p:spPr>
+        <p:style>
+          <a:lnRef idx="2">
+            <a:schemeClr val="accent1">
+              <a:shade val="50000"/>
+            </a:schemeClr>
+          </a:lnRef>
+          <a:fillRef idx="1">
+            <a:schemeClr val="accent1"/>
+          </a:fillRef>
+          <a:effectRef idx="0">
+            <a:schemeClr val="accent1"/>
+          </a:effectRef>
+          <a:fontRef idx="minor">
+            <a:schemeClr val="lt1"/>
+          </a:fontRef>
+        </p:style>
+        <p:txBody>
+          <a:bodyPr rtlCol="0" anchor="ctr"/>
+          <a:lstStyle/>
+          <a:p>
+            <a:pPr algn="ctr"/>
+            <a:endParaRPr lang="en-US"/>
+          </a:p>
+        </p:txBody>
+      </p:sp>
+      <p:pic>
+        <p:nvPicPr>
+          <p:cNvPr id="18" name="Picture 17">
+            <a:extLst>
+              <a:ext uri="{FF2B5EF4-FFF2-40B4-BE49-F238E27FC236}">
+                <a16:creationId xmlns:a16="http://schemas.microsoft.com/office/drawing/2014/main" id="{C1242600-BE22-6647-D6CE-56D5ECFCE93E}"/>
+              </a:ext>
+              <a:ext uri="{C183D7F6-B498-43B3-948B-1728B52AA6E4}">
+                <adec:decorative xmlns:adec="http://schemas.microsoft.com/office/drawing/2017/decorative" val="1"/>
+              </a:ext>
+            </a:extLst>
+          </p:cNvPr>
+          <p:cNvPicPr>
+            <a:picLocks noGrp="1" noRot="1" noChangeAspect="1" noMove="1" noResize="1" noEditPoints="1" noAdjustHandles="1" noChangeArrowheads="1" noChangeShapeType="1" noCrop="1"/>
+          </p:cNvPicPr>
+          <p:nvPr>
+            <p:extLst>
+              <p:ext uri="{386F3935-93C4-4BCD-93E2-E3B085C9AB24}">
+                <p16:designElem xmlns:p16="http://schemas.microsoft.com/office/powerpoint/2015/main" val="1"/>
+              </p:ext>
+            </p:extLst>
+          </p:nvPr>
+        </p:nvPicPr>
+        <p:blipFill>
+          <a:blip r:embed="rId2">
+            <a:extLst>
+              <a:ext uri="{28A0092B-C50C-407E-A947-70E740481C1C}">
+                <a14:useLocalDpi xmlns:a14="http://schemas.microsoft.com/office/drawing/2010/main" val="0"/>
+              </a:ext>
+            </a:extLst>
+          </a:blip>
+          <a:stretch>
+            <a:fillRect/>
+          </a:stretch>
+        </p:blipFill>
+        <p:spPr>
+          <a:xfrm>
+            <a:off x="0" y="0"/>
+            <a:ext cx="12188952" cy="6862380"/>
+          </a:xfrm>
+          <a:prstGeom prst="rect">
+            <a:avLst/>
+          </a:prstGeom>
+        </p:spPr>
+      </p:pic>
+      <p:sp>
+        <p:nvSpPr>
+          <p:cNvPr id="20" name="Rectangle 19">
+            <a:extLst>
+              <a:ext uri="{FF2B5EF4-FFF2-40B4-BE49-F238E27FC236}">
+                <a16:creationId xmlns:a16="http://schemas.microsoft.com/office/drawing/2014/main" id="{849D9B84-1946-EEC1-D5AF-EA94C739AB21}"/>
+              </a:ext>
+              <a:ext uri="{C183D7F6-B498-43B3-948B-1728B52AA6E4}">
+                <adec:decorative xmlns:adec="http://schemas.microsoft.com/office/drawing/2017/decorative" val="1"/>
+              </a:ext>
+            </a:extLst>
+          </p:cNvPr>
+          <p:cNvSpPr>
+            <a:spLocks noGrp="1" noRot="1" noChangeAspect="1" noMove="1" noResize="1" noEditPoints="1" noAdjustHandles="1" noChangeArrowheads="1" noChangeShapeType="1" noTextEdit="1"/>
+          </p:cNvSpPr>
+          <p:nvPr>
+            <p:extLst>
+              <p:ext uri="{386F3935-93C4-4BCD-93E2-E3B085C9AB24}">
+                <p16:designElem xmlns:p16="http://schemas.microsoft.com/office/powerpoint/2015/main" val="1"/>
+              </p:ext>
+            </p:extLst>
+          </p:nvPr>
+        </p:nvSpPr>
+        <p:spPr>
+          <a:xfrm>
+            <a:off x="0" y="0"/>
+            <a:ext cx="12188952" cy="6858000"/>
+          </a:xfrm>
+          <a:prstGeom prst="rect">
+            <a:avLst/>
+          </a:prstGeom>
+          <a:solidFill>
+            <a:schemeClr val="accent1">
+              <a:alpha val="20000"/>
+            </a:schemeClr>
+          </a:solidFill>
+          <a:ln>
+            <a:noFill/>
+          </a:ln>
+        </p:spPr>
+        <p:style>
+          <a:lnRef idx="2">
+            <a:schemeClr val="accent1">
+              <a:shade val="50000"/>
+            </a:schemeClr>
+          </a:lnRef>
+          <a:fillRef idx="1">
+            <a:schemeClr val="accent1"/>
+          </a:fillRef>
+          <a:effectRef idx="0">
+            <a:schemeClr val="accent1"/>
+          </a:effectRef>
+          <a:fontRef idx="minor">
+            <a:schemeClr val="lt1"/>
+          </a:fontRef>
+        </p:style>
+        <p:txBody>
+          <a:bodyPr rtlCol="0" anchor="ctr"/>
+          <a:lstStyle/>
+          <a:p>
+            <a:pPr algn="ctr"/>
+            <a:endParaRPr lang="en-US"/>
+          </a:p>
+        </p:txBody>
+      </p:sp>
+      <p:sp>
+        <p:nvSpPr>
+          <p:cNvPr id="22" name="Rectangle 21">
+            <a:extLst>
+              <a:ext uri="{FF2B5EF4-FFF2-40B4-BE49-F238E27FC236}">
+                <a16:creationId xmlns:a16="http://schemas.microsoft.com/office/drawing/2014/main" id="{37F0550A-47C8-6D1B-AE38-221933B27241}"/>
+              </a:ext>
+              <a:ext uri="{C183D7F6-B498-43B3-948B-1728B52AA6E4}">
+                <adec:decorative xmlns:adec="http://schemas.microsoft.com/office/drawing/2017/decorative" val="1"/>
+              </a:ext>
+            </a:extLst>
+          </p:cNvPr>
+          <p:cNvSpPr>
+            <a:spLocks noGrp="1" noRot="1" noChangeAspect="1" noMove="1" noResize="1" noEditPoints="1" noAdjustHandles="1" noChangeArrowheads="1" noChangeShapeType="1" noTextEdit="1"/>
+          </p:cNvSpPr>
+          <p:nvPr>
+            <p:extLst>
+              <p:ext uri="{386F3935-93C4-4BCD-93E2-E3B085C9AB24}">
+                <p16:designElem xmlns:p16="http://schemas.microsoft.com/office/powerpoint/2015/main" val="1"/>
+              </p:ext>
+            </p:extLst>
+          </p:nvPr>
+        </p:nvSpPr>
+        <p:spPr>
+          <a:xfrm>
+            <a:off x="538542" y="729175"/>
+            <a:ext cx="11099352" cy="5399650"/>
+          </a:xfrm>
+          <a:prstGeom prst="rect">
+            <a:avLst/>
+          </a:prstGeom>
+          <a:solidFill>
+            <a:schemeClr val="bg1"/>
+          </a:solidFill>
+          <a:ln w="34925">
+            <a:noFill/>
+          </a:ln>
+        </p:spPr>
+        <p:style>
+          <a:lnRef idx="2">
+            <a:schemeClr val="accent1">
+              <a:shade val="50000"/>
+            </a:schemeClr>
+          </a:lnRef>
+          <a:fillRef idx="1">
+            <a:schemeClr val="accent1"/>
+          </a:fillRef>
+          <a:effectRef idx="0">
+            <a:schemeClr val="accent1"/>
+          </a:effectRef>
+          <a:fontRef idx="minor">
+            <a:schemeClr val="lt1"/>
+          </a:fontRef>
+        </p:style>
+        <p:txBody>
+          <a:bodyPr rtlCol="0" anchor="ctr"/>
+          <a:lstStyle/>
+          <a:p>
+            <a:pPr algn="ctr"/>
+            <a:endParaRPr lang="en-US" b="1">
+              <a:ln w="22225">
+                <a:solidFill>
+                  <a:schemeClr val="accent2"/>
+                </a:solidFill>
+                <a:prstDash val="solid"/>
+              </a:ln>
+              <a:solidFill>
+                <a:schemeClr val="accent2">
+                  <a:lumMod val="40000"/>
+                  <a:lumOff val="60000"/>
+                </a:schemeClr>
+              </a:solidFill>
+            </a:endParaRPr>
+          </a:p>
+        </p:txBody>
+      </p:sp>
       <p:sp>
         <p:nvSpPr>
           <p:cNvPr id="2" name="Title 1">
             <a:extLst>
               <a:ext uri="{FF2B5EF4-FFF2-40B4-BE49-F238E27FC236}">
-                <a16:creationId xmlns:a16="http://schemas.microsoft.com/office/drawing/2014/main" id="{C79BB47C-A720-AF93-65BC-00ECACD268A8}"/>
+                <a16:creationId xmlns:a16="http://schemas.microsoft.com/office/drawing/2014/main" id="{F2739DFE-83CA-175A-E866-11C0B0D4EE55}"/>
               </a:ext>
             </a:extLst>
           </p:cNvPr>
@@ -4323,44 +7401,170 @@
             <p:ph type="title"/>
           </p:nvPr>
         </p:nvSpPr>
-        <p:spPr/>
-        <p:txBody>
-          <a:bodyPr/>
-          <a:lstStyle/>
-          <a:p>
+        <p:spPr>
+          <a:xfrm>
+            <a:off x="1191966" y="900622"/>
+            <a:ext cx="4997189" cy="1893524"/>
+          </a:xfrm>
+        </p:spPr>
+        <p:txBody>
+          <a:bodyPr anchor="b">
+            <a:normAutofit/>
+          </a:bodyPr>
+          <a:lstStyle/>
+          <a:p>
+            <a:r>
+              <a:rPr lang="en-US" sz="4000"/>
+              <a:t>Quick Sort</a:t>
+            </a:r>
+          </a:p>
+        </p:txBody>
+      </p:sp>
+      <p:sp>
+        <p:nvSpPr>
+          <p:cNvPr id="11" name="Content Placeholder 10">
+            <a:extLst>
+              <a:ext uri="{FF2B5EF4-FFF2-40B4-BE49-F238E27FC236}">
+                <a16:creationId xmlns:a16="http://schemas.microsoft.com/office/drawing/2014/main" id="{582952D5-F6AC-4D5B-4000-CA99C6ED6B40}"/>
+              </a:ext>
+            </a:extLst>
+          </p:cNvPr>
+          <p:cNvSpPr>
+            <a:spLocks noGrp="1"/>
+          </p:cNvSpPr>
+          <p:nvPr>
+            <p:ph idx="1"/>
+          </p:nvPr>
+        </p:nvSpPr>
+        <p:spPr>
+          <a:xfrm>
+            <a:off x="1191966" y="2965593"/>
+            <a:ext cx="4997189" cy="2941544"/>
+          </a:xfrm>
+        </p:spPr>
+        <p:txBody>
+          <a:bodyPr vert="horz" lIns="91440" tIns="45720" rIns="91440" bIns="45720" rtlCol="0" anchor="t">
+            <a:normAutofit/>
+          </a:bodyPr>
+          <a:lstStyle/>
+          <a:p>
+            <a:r>
+              <a:rPr lang="en-US" sz="2000"/>
+              <a:t>Sorts by selecting a pivot then partitioning through the array and splits it up into different sections. Then do the same thing to both sides until completely sorted</a:t>
+            </a:r>
             <a:endParaRPr lang="en-US"/>
           </a:p>
-        </p:txBody>
-      </p:sp>
-      <p:sp>
-        <p:nvSpPr>
-          <p:cNvPr id="3" name="Content Placeholder 2">
-            <a:extLst>
-              <a:ext uri="{FF2B5EF4-FFF2-40B4-BE49-F238E27FC236}">
-                <a16:creationId xmlns:a16="http://schemas.microsoft.com/office/drawing/2014/main" id="{85E0BCDC-BECE-FFE9-276B-449509305A13}"/>
-              </a:ext>
-            </a:extLst>
-          </p:cNvPr>
-          <p:cNvSpPr>
-            <a:spLocks noGrp="1"/>
-          </p:cNvSpPr>
-          <p:nvPr>
-            <p:ph idx="1"/>
-          </p:nvPr>
-        </p:nvSpPr>
-        <p:spPr/>
-        <p:txBody>
-          <a:bodyPr/>
-          <a:lstStyle/>
-          <a:p>
-            <a:endParaRPr lang="en-US"/>
+          <a:p>
+            <a:r>
+              <a:rPr lang="en-US" sz="2000" b="1"/>
+              <a:t>Big O:</a:t>
+            </a:r>
+            <a:endParaRPr lang="en-US" sz="2000"/>
+          </a:p>
+          <a:p>
+            <a:pPr lvl="1">
+              <a:buFont typeface="Courier New" panose="020B0604020202020204" pitchFamily="34" charset="0"/>
+              <a:buChar char="o"/>
+            </a:pPr>
+            <a:r>
+              <a:rPr lang="en-US" sz="2000"/>
+              <a:t>Worst Case: O(n^2)</a:t>
+            </a:r>
+          </a:p>
+          <a:p>
+            <a:pPr lvl="1">
+              <a:buFont typeface="Courier New" panose="020B0604020202020204" pitchFamily="34" charset="0"/>
+              <a:buChar char="o"/>
+            </a:pPr>
+            <a:r>
+              <a:rPr lang="en-US" sz="2000"/>
+              <a:t>Average Case: O(n log(n))</a:t>
+            </a:r>
+          </a:p>
+          <a:p>
+            <a:pPr lvl="1">
+              <a:buFont typeface="Courier New" panose="020B0604020202020204" pitchFamily="34" charset="0"/>
+              <a:buChar char="o"/>
+            </a:pPr>
+            <a:r>
+              <a:rPr lang="en-US" sz="2000"/>
+              <a:t>Best Case: O(n log(n))</a:t>
+            </a:r>
+          </a:p>
+        </p:txBody>
+      </p:sp>
+      <p:pic>
+        <p:nvPicPr>
+          <p:cNvPr id="6" name="Picture 5" descr="A diagram of numbers and symbols&#10;&#10;AI-generated content may be incorrect.">
+            <a:extLst>
+              <a:ext uri="{FF2B5EF4-FFF2-40B4-BE49-F238E27FC236}">
+                <a16:creationId xmlns:a16="http://schemas.microsoft.com/office/drawing/2014/main" id="{76B62477-D59E-187D-B278-3EA841CA5158}"/>
+              </a:ext>
+            </a:extLst>
+          </p:cNvPr>
+          <p:cNvPicPr>
+            <a:picLocks noChangeAspect="1"/>
+          </p:cNvPicPr>
+          <p:nvPr/>
+        </p:nvPicPr>
+        <p:blipFill>
+          <a:blip r:embed="rId3"/>
+          <a:stretch>
+            <a:fillRect/>
+          </a:stretch>
+        </p:blipFill>
+        <p:spPr>
+          <a:xfrm>
+            <a:off x="6185643" y="2234275"/>
+            <a:ext cx="5116131" cy="2292994"/>
+          </a:xfrm>
+          <a:prstGeom prst="rect">
+            <a:avLst/>
+          </a:prstGeom>
+        </p:spPr>
+      </p:pic>
+      <p:sp>
+        <p:nvSpPr>
+          <p:cNvPr id="9" name="TextBox 8">
+            <a:extLst>
+              <a:ext uri="{FF2B5EF4-FFF2-40B4-BE49-F238E27FC236}">
+                <a16:creationId xmlns:a16="http://schemas.microsoft.com/office/drawing/2014/main" id="{2C8A5534-F505-768E-2BE6-76657553508A}"/>
+              </a:ext>
+            </a:extLst>
+          </p:cNvPr>
+          <p:cNvSpPr txBox="1"/>
+          <p:nvPr/>
+        </p:nvSpPr>
+        <p:spPr>
+          <a:xfrm>
+            <a:off x="6189943" y="4517693"/>
+            <a:ext cx="3674301" cy="261610"/>
+          </a:xfrm>
+          <a:prstGeom prst="rect">
+            <a:avLst/>
+          </a:prstGeom>
+          <a:noFill/>
+        </p:spPr>
+        <p:txBody>
+          <a:bodyPr rot="0" spcFirstLastPara="0" vertOverflow="overflow" horzOverflow="overflow" vert="horz" wrap="square" lIns="91440" tIns="45720" rIns="91440" bIns="45720" numCol="1" spcCol="0" rtlCol="0" fromWordArt="0" anchor="t" anchorCtr="0" forceAA="0" compatLnSpc="1">
+            <a:prstTxWarp prst="textNoShape">
+              <a:avLst/>
+            </a:prstTxWarp>
+            <a:spAutoFit/>
+          </a:bodyPr>
+          <a:lstStyle/>
+          <a:p>
+            <a:r>
+              <a:rPr lang="en-US" sz="1100"/>
+              <a:t>From geeksforgeeks.com</a:t>
+            </a:r>
           </a:p>
         </p:txBody>
       </p:sp>
     </p:spTree>
     <p:extLst>
       <p:ext uri="{BB962C8B-B14F-4D97-AF65-F5344CB8AC3E}">
-        <p14:creationId xmlns:p14="http://schemas.microsoft.com/office/powerpoint/2010/main" val="1862240355"/>
+        <p14:creationId xmlns:p14="http://schemas.microsoft.com/office/powerpoint/2010/main" val="3578715907"/>
       </p:ext>
     </p:extLst>
   </p:cSld>
@@ -4373,9 +7577,23 @@
 <file path=ppt/slides/slide8.xml><?xml version="1.0" encoding="utf-8"?>
 <p:sld xmlns:a="http://schemas.openxmlformats.org/drawingml/2006/main" xmlns:r="http://schemas.openxmlformats.org/officeDocument/2006/relationships" xmlns:p="http://schemas.openxmlformats.org/presentationml/2006/main">
   <p:cSld>
+    <p:bg>
+      <p:bgPr>
+        <a:solidFill>
+          <a:schemeClr val="bg1"/>
+        </a:solidFill>
+        <a:effectLst/>
+      </p:bgPr>
+    </p:bg>
     <p:spTree>
       <p:nvGrpSpPr>
-        <p:cNvPr id="1" name=""/>
+        <p:cNvPr id="1" name="">
+          <a:extLst>
+            <a:ext uri="{FF2B5EF4-FFF2-40B4-BE49-F238E27FC236}">
+              <a16:creationId xmlns:a16="http://schemas.microsoft.com/office/drawing/2014/main" id="{787EAE22-F26C-3460-B9FE-4B70C25E0364}"/>
+            </a:ext>
+          </a:extLst>
+        </p:cNvPr>
         <p:cNvGrpSpPr/>
         <p:nvPr/>
       </p:nvGrpSpPr>
@@ -4387,12 +7605,323 @@
           <a:chExt cx="0" cy="0"/>
         </a:xfrm>
       </p:grpSpPr>
+      <p:sp useBgFill="1">
+        <p:nvSpPr>
+          <p:cNvPr id="14" name="Rectangle 13">
+            <a:extLst>
+              <a:ext uri="{FF2B5EF4-FFF2-40B4-BE49-F238E27FC236}">
+                <a16:creationId xmlns:a16="http://schemas.microsoft.com/office/drawing/2014/main" id="{A5F9799F-102A-C3A7-58C1-B5BE6E227FAE}"/>
+              </a:ext>
+              <a:ext uri="{C183D7F6-B498-43B3-948B-1728B52AA6E4}">
+                <adec:decorative xmlns:adec="http://schemas.microsoft.com/office/drawing/2017/decorative" val="1"/>
+              </a:ext>
+            </a:extLst>
+          </p:cNvPr>
+          <p:cNvSpPr>
+            <a:spLocks noGrp="1" noRot="1" noChangeAspect="1" noMove="1" noResize="1" noEditPoints="1" noAdjustHandles="1" noChangeArrowheads="1" noChangeShapeType="1" noTextEdit="1"/>
+          </p:cNvSpPr>
+          <p:nvPr>
+            <p:extLst>
+              <p:ext uri="{386F3935-93C4-4BCD-93E2-E3B085C9AB24}">
+                <p16:designElem xmlns:p16="http://schemas.microsoft.com/office/powerpoint/2015/main" val="1"/>
+              </p:ext>
+            </p:extLst>
+          </p:nvPr>
+        </p:nvSpPr>
+        <p:spPr>
+          <a:xfrm>
+            <a:off x="0" y="-1"/>
+            <a:ext cx="12188952" cy="6858000"/>
+          </a:xfrm>
+          <a:prstGeom prst="rect">
+            <a:avLst/>
+          </a:prstGeom>
+          <a:ln>
+            <a:noFill/>
+          </a:ln>
+        </p:spPr>
+        <p:style>
+          <a:lnRef idx="2">
+            <a:schemeClr val="accent1">
+              <a:shade val="50000"/>
+            </a:schemeClr>
+          </a:lnRef>
+          <a:fillRef idx="1">
+            <a:schemeClr val="accent1"/>
+          </a:fillRef>
+          <a:effectRef idx="0">
+            <a:schemeClr val="accent1"/>
+          </a:effectRef>
+          <a:fontRef idx="minor">
+            <a:schemeClr val="lt1"/>
+          </a:fontRef>
+        </p:style>
+        <p:txBody>
+          <a:bodyPr rtlCol="0" anchor="ctr"/>
+          <a:lstStyle/>
+          <a:p>
+            <a:pPr algn="ctr"/>
+            <a:endParaRPr lang="en-US"/>
+          </a:p>
+        </p:txBody>
+      </p:sp>
+      <p:sp>
+        <p:nvSpPr>
+          <p:cNvPr id="16" name="Rectangle 15">
+            <a:extLst>
+              <a:ext uri="{FF2B5EF4-FFF2-40B4-BE49-F238E27FC236}">
+                <a16:creationId xmlns:a16="http://schemas.microsoft.com/office/drawing/2014/main" id="{9CA8AEEB-BF2E-BBC3-3B60-E6267D2EBAB1}"/>
+              </a:ext>
+              <a:ext uri="{C183D7F6-B498-43B3-948B-1728B52AA6E4}">
+                <adec:decorative xmlns:adec="http://schemas.microsoft.com/office/drawing/2017/decorative" val="1"/>
+              </a:ext>
+            </a:extLst>
+          </p:cNvPr>
+          <p:cNvSpPr>
+            <a:spLocks noGrp="1" noRot="1" noChangeAspect="1" noMove="1" noResize="1" noEditPoints="1" noAdjustHandles="1" noChangeArrowheads="1" noChangeShapeType="1" noTextEdit="1"/>
+          </p:cNvSpPr>
+          <p:nvPr>
+            <p:extLst>
+              <p:ext uri="{386F3935-93C4-4BCD-93E2-E3B085C9AB24}">
+                <p16:designElem xmlns:p16="http://schemas.microsoft.com/office/powerpoint/2015/main" val="1"/>
+              </p:ext>
+            </p:extLst>
+          </p:nvPr>
+        </p:nvSpPr>
+        <p:spPr>
+          <a:xfrm>
+            <a:off x="0" y="0"/>
+            <a:ext cx="12188952" cy="6858000"/>
+          </a:xfrm>
+          <a:prstGeom prst="rect">
+            <a:avLst/>
+          </a:prstGeom>
+          <a:solidFill>
+            <a:schemeClr val="bg2">
+              <a:alpha val="50000"/>
+            </a:schemeClr>
+          </a:solidFill>
+          <a:ln>
+            <a:noFill/>
+          </a:ln>
+        </p:spPr>
+        <p:style>
+          <a:lnRef idx="2">
+            <a:schemeClr val="accent1">
+              <a:shade val="50000"/>
+            </a:schemeClr>
+          </a:lnRef>
+          <a:fillRef idx="1">
+            <a:schemeClr val="accent1"/>
+          </a:fillRef>
+          <a:effectRef idx="0">
+            <a:schemeClr val="accent1"/>
+          </a:effectRef>
+          <a:fontRef idx="minor">
+            <a:schemeClr val="lt1"/>
+          </a:fontRef>
+        </p:style>
+        <p:txBody>
+          <a:bodyPr rtlCol="0" anchor="ctr"/>
+          <a:lstStyle/>
+          <a:p>
+            <a:pPr algn="ctr"/>
+            <a:endParaRPr lang="en-US"/>
+          </a:p>
+        </p:txBody>
+      </p:sp>
+      <p:pic>
+        <p:nvPicPr>
+          <p:cNvPr id="18" name="Picture 17">
+            <a:extLst>
+              <a:ext uri="{FF2B5EF4-FFF2-40B4-BE49-F238E27FC236}">
+                <a16:creationId xmlns:a16="http://schemas.microsoft.com/office/drawing/2014/main" id="{9B00889E-0871-9689-3ECA-58D7212EDA20}"/>
+              </a:ext>
+              <a:ext uri="{C183D7F6-B498-43B3-948B-1728B52AA6E4}">
+                <adec:decorative xmlns:adec="http://schemas.microsoft.com/office/drawing/2017/decorative" val="1"/>
+              </a:ext>
+            </a:extLst>
+          </p:cNvPr>
+          <p:cNvPicPr>
+            <a:picLocks noGrp="1" noRot="1" noChangeAspect="1" noMove="1" noResize="1" noEditPoints="1" noAdjustHandles="1" noChangeArrowheads="1" noChangeShapeType="1" noCrop="1"/>
+          </p:cNvPicPr>
+          <p:nvPr>
+            <p:extLst>
+              <p:ext uri="{386F3935-93C4-4BCD-93E2-E3B085C9AB24}">
+                <p16:designElem xmlns:p16="http://schemas.microsoft.com/office/powerpoint/2015/main" val="1"/>
+              </p:ext>
+            </p:extLst>
+          </p:nvPr>
+        </p:nvPicPr>
+        <p:blipFill>
+          <a:blip r:embed="rId2">
+            <a:extLst>
+              <a:ext uri="{28A0092B-C50C-407E-A947-70E740481C1C}">
+                <a14:useLocalDpi xmlns:a14="http://schemas.microsoft.com/office/drawing/2010/main" val="0"/>
+              </a:ext>
+            </a:extLst>
+          </a:blip>
+          <a:stretch>
+            <a:fillRect/>
+          </a:stretch>
+        </p:blipFill>
+        <p:spPr>
+          <a:xfrm>
+            <a:off x="0" y="0"/>
+            <a:ext cx="12188952" cy="6862380"/>
+          </a:xfrm>
+          <a:prstGeom prst="rect">
+            <a:avLst/>
+          </a:prstGeom>
+        </p:spPr>
+      </p:pic>
+      <p:sp>
+        <p:nvSpPr>
+          <p:cNvPr id="20" name="Rectangle 19">
+            <a:extLst>
+              <a:ext uri="{FF2B5EF4-FFF2-40B4-BE49-F238E27FC236}">
+                <a16:creationId xmlns:a16="http://schemas.microsoft.com/office/drawing/2014/main" id="{AE8432B9-5A7D-BBA6-6200-51A68ABD532B}"/>
+              </a:ext>
+              <a:ext uri="{C183D7F6-B498-43B3-948B-1728B52AA6E4}">
+                <adec:decorative xmlns:adec="http://schemas.microsoft.com/office/drawing/2017/decorative" val="1"/>
+              </a:ext>
+            </a:extLst>
+          </p:cNvPr>
+          <p:cNvSpPr>
+            <a:spLocks noGrp="1" noRot="1" noChangeAspect="1" noMove="1" noResize="1" noEditPoints="1" noAdjustHandles="1" noChangeArrowheads="1" noChangeShapeType="1" noTextEdit="1"/>
+          </p:cNvSpPr>
+          <p:nvPr>
+            <p:extLst>
+              <p:ext uri="{386F3935-93C4-4BCD-93E2-E3B085C9AB24}">
+                <p16:designElem xmlns:p16="http://schemas.microsoft.com/office/powerpoint/2015/main" val="1"/>
+              </p:ext>
+            </p:extLst>
+          </p:nvPr>
+        </p:nvSpPr>
+        <p:spPr>
+          <a:xfrm>
+            <a:off x="0" y="0"/>
+            <a:ext cx="12188952" cy="6858000"/>
+          </a:xfrm>
+          <a:prstGeom prst="rect">
+            <a:avLst/>
+          </a:prstGeom>
+          <a:solidFill>
+            <a:schemeClr val="accent1">
+              <a:alpha val="20000"/>
+            </a:schemeClr>
+          </a:solidFill>
+          <a:ln>
+            <a:noFill/>
+          </a:ln>
+        </p:spPr>
+        <p:style>
+          <a:lnRef idx="2">
+            <a:schemeClr val="accent1">
+              <a:shade val="50000"/>
+            </a:schemeClr>
+          </a:lnRef>
+          <a:fillRef idx="1">
+            <a:schemeClr val="accent1"/>
+          </a:fillRef>
+          <a:effectRef idx="0">
+            <a:schemeClr val="accent1"/>
+          </a:effectRef>
+          <a:fontRef idx="minor">
+            <a:schemeClr val="lt1"/>
+          </a:fontRef>
+        </p:style>
+        <p:txBody>
+          <a:bodyPr rtlCol="0" anchor="ctr"/>
+          <a:lstStyle/>
+          <a:p>
+            <a:pPr algn="ctr"/>
+            <a:endParaRPr lang="en-US"/>
+          </a:p>
+        </p:txBody>
+      </p:sp>
+      <p:sp>
+        <p:nvSpPr>
+          <p:cNvPr id="22" name="Rectangle 21">
+            <a:extLst>
+              <a:ext uri="{FF2B5EF4-FFF2-40B4-BE49-F238E27FC236}">
+                <a16:creationId xmlns:a16="http://schemas.microsoft.com/office/drawing/2014/main" id="{0473DCE0-D6EA-9816-9C1A-C2B9E6CE3A80}"/>
+              </a:ext>
+              <a:ext uri="{C183D7F6-B498-43B3-948B-1728B52AA6E4}">
+                <adec:decorative xmlns:adec="http://schemas.microsoft.com/office/drawing/2017/decorative" val="1"/>
+              </a:ext>
+            </a:extLst>
+          </p:cNvPr>
+          <p:cNvSpPr>
+            <a:spLocks noGrp="1" noRot="1" noChangeAspect="1" noMove="1" noResize="1" noEditPoints="1" noAdjustHandles="1" noChangeArrowheads="1" noChangeShapeType="1" noTextEdit="1"/>
+          </p:cNvSpPr>
+          <p:nvPr>
+            <p:extLst>
+              <p:ext uri="{386F3935-93C4-4BCD-93E2-E3B085C9AB24}">
+                <p16:designElem xmlns:p16="http://schemas.microsoft.com/office/powerpoint/2015/main" val="1"/>
+              </p:ext>
+            </p:extLst>
+          </p:nvPr>
+        </p:nvSpPr>
+        <p:spPr>
+          <a:xfrm>
+            <a:off x="538542" y="729175"/>
+            <a:ext cx="11099352" cy="5399650"/>
+          </a:xfrm>
+          <a:prstGeom prst="rect">
+            <a:avLst/>
+          </a:prstGeom>
+          <a:solidFill>
+            <a:schemeClr val="bg1"/>
+          </a:solidFill>
+          <a:ln w="34925">
+            <a:noFill/>
+          </a:ln>
+        </p:spPr>
+        <p:style>
+          <a:lnRef idx="2">
+            <a:schemeClr val="accent1">
+              <a:shade val="50000"/>
+            </a:schemeClr>
+          </a:lnRef>
+          <a:fillRef idx="1">
+            <a:schemeClr val="accent1"/>
+          </a:fillRef>
+          <a:effectRef idx="0">
+            <a:schemeClr val="accent1"/>
+          </a:effectRef>
+          <a:fontRef idx="minor">
+            <a:schemeClr val="lt1"/>
+          </a:fontRef>
+        </p:style>
+        <p:txBody>
+          <a:bodyPr rtlCol="0" anchor="ctr"/>
+          <a:lstStyle/>
+          <a:p>
+            <a:pPr algn="ctr"/>
+            <a:endParaRPr lang="en-US" b="1">
+              <a:ln w="22225">
+                <a:solidFill>
+                  <a:schemeClr val="accent2"/>
+                </a:solidFill>
+                <a:prstDash val="solid"/>
+              </a:ln>
+              <a:solidFill>
+                <a:schemeClr val="accent2">
+                  <a:lumMod val="40000"/>
+                  <a:lumOff val="60000"/>
+                </a:schemeClr>
+              </a:solidFill>
+            </a:endParaRPr>
+          </a:p>
+        </p:txBody>
+      </p:sp>
       <p:sp>
         <p:nvSpPr>
           <p:cNvPr id="2" name="Title 1">
             <a:extLst>
               <a:ext uri="{FF2B5EF4-FFF2-40B4-BE49-F238E27FC236}">
-                <a16:creationId xmlns:a16="http://schemas.microsoft.com/office/drawing/2014/main" id="{232731A2-057A-1A8B-4F84-AD7A438ACEC6}"/>
+                <a16:creationId xmlns:a16="http://schemas.microsoft.com/office/drawing/2014/main" id="{3CCD819A-2092-5329-0C98-647C5193966D}"/>
               </a:ext>
             </a:extLst>
           </p:cNvPr>
@@ -4403,21 +7932,31 @@
             <p:ph type="title"/>
           </p:nvPr>
         </p:nvSpPr>
-        <p:spPr/>
-        <p:txBody>
-          <a:bodyPr/>
-          <a:lstStyle/>
-          <a:p>
-            <a:endParaRPr lang="en-US"/>
-          </a:p>
-        </p:txBody>
-      </p:sp>
-      <p:sp>
-        <p:nvSpPr>
-          <p:cNvPr id="3" name="Content Placeholder 2">
-            <a:extLst>
-              <a:ext uri="{FF2B5EF4-FFF2-40B4-BE49-F238E27FC236}">
-                <a16:creationId xmlns:a16="http://schemas.microsoft.com/office/drawing/2014/main" id="{4B4FF514-1530-2216-9183-150D832A0648}"/>
+        <p:spPr>
+          <a:xfrm>
+            <a:off x="1191966" y="900622"/>
+            <a:ext cx="4997189" cy="1893524"/>
+          </a:xfrm>
+        </p:spPr>
+        <p:txBody>
+          <a:bodyPr anchor="b">
+            <a:normAutofit/>
+          </a:bodyPr>
+          <a:lstStyle/>
+          <a:p>
+            <a:r>
+              <a:rPr lang="en-US" sz="4000"/>
+              <a:t>Quick Sort</a:t>
+            </a:r>
+          </a:p>
+        </p:txBody>
+      </p:sp>
+      <p:sp>
+        <p:nvSpPr>
+          <p:cNvPr id="11" name="Content Placeholder 10">
+            <a:extLst>
+              <a:ext uri="{FF2B5EF4-FFF2-40B4-BE49-F238E27FC236}">
+                <a16:creationId xmlns:a16="http://schemas.microsoft.com/office/drawing/2014/main" id="{B7616E46-205D-EBE9-6524-B6928A272813}"/>
               </a:ext>
             </a:extLst>
           </p:cNvPr>
@@ -4428,19 +7967,86 @@
             <p:ph idx="1"/>
           </p:nvPr>
         </p:nvSpPr>
-        <p:spPr/>
-        <p:txBody>
-          <a:bodyPr/>
-          <a:lstStyle/>
-          <a:p>
-            <a:endParaRPr lang="en-US"/>
-          </a:p>
-        </p:txBody>
-      </p:sp>
+        <p:spPr>
+          <a:xfrm>
+            <a:off x="1191966" y="2965593"/>
+            <a:ext cx="4997189" cy="2941544"/>
+          </a:xfrm>
+        </p:spPr>
+        <p:txBody>
+          <a:bodyPr vert="horz" lIns="91440" tIns="45720" rIns="91440" bIns="45720" rtlCol="0" anchor="t">
+            <a:normAutofit/>
+          </a:bodyPr>
+          <a:lstStyle/>
+          <a:p>
+            <a:r>
+              <a:rPr lang="en-US" sz="1700"/>
+              <a:t>Implements a Quicksort partition step inside a coroutine so the sorting process can be animated over time.</a:t>
+            </a:r>
+          </a:p>
+          <a:p>
+            <a:r>
+              <a:rPr lang="en-US" sz="1700"/>
+              <a:t>The code chooses the last element as the pivot, then moves two pointers (left and right) toward each other to find values that need swapping.</a:t>
+            </a:r>
+          </a:p>
+          <a:p>
+            <a:r>
+              <a:rPr lang="en-US" sz="1700"/>
+              <a:t>Whenever two elements are swapped, the coroutine yields briefly (</a:t>
+            </a:r>
+            <a:r>
+              <a:rPr lang="en-US" sz="1700" err="1"/>
+              <a:t>WaitForSeconds</a:t>
+            </a:r>
+            <a:r>
+              <a:rPr lang="en-US" sz="1700"/>
+              <a:t>(0.1f)) to visually show the swap.</a:t>
+            </a:r>
+          </a:p>
+        </p:txBody>
+      </p:sp>
+      <p:pic>
+        <p:nvPicPr>
+          <p:cNvPr id="4" name="Content Placeholder 4" descr="A computer screen shot of a program code&#10;&#10;AI-generated content may be incorrect.">
+            <a:extLst>
+              <a:ext uri="{FF2B5EF4-FFF2-40B4-BE49-F238E27FC236}">
+                <a16:creationId xmlns:a16="http://schemas.microsoft.com/office/drawing/2014/main" id="{97503EA0-8BA9-5799-9272-2F8BC6121567}"/>
+              </a:ext>
+            </a:extLst>
+          </p:cNvPr>
+          <p:cNvPicPr>
+            <a:picLocks noChangeAspect="1"/>
+          </p:cNvPicPr>
+          <p:nvPr/>
+        </p:nvPicPr>
+        <p:blipFill>
+          <a:blip r:embed="rId3">
+            <a:extLst>
+              <a:ext uri="{28A0092B-C50C-407E-A947-70E740481C1C}">
+                <a14:useLocalDpi xmlns:a14="http://schemas.microsoft.com/office/drawing/2010/main" val="0"/>
+              </a:ext>
+            </a:extLst>
+          </a:blip>
+          <a:srcRect t="456" r="2" b="2"/>
+          <a:stretch>
+            <a:fillRect/>
+          </a:stretch>
+        </p:blipFill>
+        <p:spPr>
+          <a:xfrm>
+            <a:off x="6406279" y="1879998"/>
+            <a:ext cx="5026007" cy="3086506"/>
+          </a:xfrm>
+          <a:prstGeom prst="rect">
+            <a:avLst/>
+          </a:prstGeom>
+        </p:spPr>
+      </p:pic>
     </p:spTree>
     <p:extLst>
       <p:ext uri="{BB962C8B-B14F-4D97-AF65-F5344CB8AC3E}">
-        <p14:creationId xmlns:p14="http://schemas.microsoft.com/office/powerpoint/2010/main" val="189723402"/>
+        <p14:creationId xmlns:p14="http://schemas.microsoft.com/office/powerpoint/2010/main" val="4023148935"/>
       </p:ext>
     </p:extLst>
   </p:cSld>
@@ -4469,10 +8075,151 @@
       </p:grpSpPr>
       <p:sp>
         <p:nvSpPr>
+          <p:cNvPr id="5" name="Rectangle 4">
+            <a:extLst>
+              <a:ext uri="{FF2B5EF4-FFF2-40B4-BE49-F238E27FC236}">
+                <a16:creationId xmlns:a16="http://schemas.microsoft.com/office/drawing/2014/main" id="{4E184E3D-7E09-C43F-05C8-915725B751DE}"/>
+              </a:ext>
+              <a:ext uri="{C183D7F6-B498-43B3-948B-1728B52AA6E4}">
+                <adec:decorative xmlns:adec="http://schemas.microsoft.com/office/drawing/2017/decorative" val="1"/>
+              </a:ext>
+            </a:extLst>
+          </p:cNvPr>
+          <p:cNvSpPr>
+            <a:spLocks noGrp="1" noRot="1" noChangeAspect="1" noMove="1" noResize="1" noEditPoints="1" noAdjustHandles="1" noChangeArrowheads="1" noChangeShapeType="1" noTextEdit="1"/>
+          </p:cNvSpPr>
+          <p:nvPr>
+            <p:extLst>
+              <p:ext uri="{386F3935-93C4-4BCD-93E2-E3B085C9AB24}">
+                <p16:designElem xmlns:p16="http://schemas.microsoft.com/office/powerpoint/2015/main" val="1"/>
+              </p:ext>
+            </p:extLst>
+          </p:nvPr>
+        </p:nvSpPr>
+        <p:spPr>
+          <a:xfrm>
+            <a:off x="0" y="0"/>
+            <a:ext cx="12188952" cy="6858000"/>
+          </a:xfrm>
+          <a:prstGeom prst="rect">
+            <a:avLst/>
+          </a:prstGeom>
+          <a:solidFill>
+            <a:schemeClr val="accent1">
+              <a:alpha val="20000"/>
+            </a:schemeClr>
+          </a:solidFill>
+          <a:ln>
+            <a:noFill/>
+          </a:ln>
+        </p:spPr>
+        <p:style>
+          <a:lnRef idx="2">
+            <a:schemeClr val="accent1">
+              <a:shade val="50000"/>
+            </a:schemeClr>
+          </a:lnRef>
+          <a:fillRef idx="1">
+            <a:schemeClr val="accent1"/>
+          </a:fillRef>
+          <a:effectRef idx="0">
+            <a:schemeClr val="accent1"/>
+          </a:effectRef>
+          <a:fontRef idx="minor">
+            <a:schemeClr val="lt1"/>
+          </a:fontRef>
+        </p:style>
+        <p:txBody>
+          <a:bodyPr rtlCol="0" anchor="ctr"/>
+          <a:lstStyle/>
+          <a:p>
+            <a:pPr algn="ctr"/>
+            <a:endParaRPr lang="en-US"/>
+          </a:p>
+        </p:txBody>
+      </p:sp>
+      <p:sp>
+        <p:nvSpPr>
+          <p:cNvPr id="7" name="Rectangle 6">
+            <a:extLst>
+              <a:ext uri="{FF2B5EF4-FFF2-40B4-BE49-F238E27FC236}">
+                <a16:creationId xmlns:a16="http://schemas.microsoft.com/office/drawing/2014/main" id="{1938C670-A497-A1FA-AA32-FB73F59E3EF0}"/>
+              </a:ext>
+              <a:ext uri="{C183D7F6-B498-43B3-948B-1728B52AA6E4}">
+                <adec:decorative xmlns:adec="http://schemas.microsoft.com/office/drawing/2017/decorative" val="1"/>
+              </a:ext>
+            </a:extLst>
+          </p:cNvPr>
+          <p:cNvSpPr>
+            <a:spLocks noGrp="1" noRot="1" noChangeAspect="1" noMove="1" noResize="1" noEditPoints="1" noAdjustHandles="1" noChangeArrowheads="1" noChangeShapeType="1" noTextEdit="1"/>
+          </p:cNvSpPr>
+          <p:nvPr>
+            <p:extLst>
+              <p:ext uri="{386F3935-93C4-4BCD-93E2-E3B085C9AB24}">
+                <p16:designElem xmlns:p16="http://schemas.microsoft.com/office/powerpoint/2015/main" val="1"/>
+              </p:ext>
+            </p:extLst>
+          </p:nvPr>
+        </p:nvSpPr>
+        <p:spPr>
+          <a:xfrm>
+            <a:off x="536678" y="0"/>
+            <a:ext cx="11145980" cy="6870723"/>
+          </a:xfrm>
+          <a:prstGeom prst="rect">
+            <a:avLst/>
+          </a:prstGeom>
+          <a:solidFill>
+            <a:schemeClr val="bg1"/>
+          </a:solidFill>
+          <a:ln w="34925">
+            <a:noFill/>
+          </a:ln>
+        </p:spPr>
+        <p:style>
+          <a:lnRef idx="2">
+            <a:schemeClr val="accent1">
+              <a:shade val="50000"/>
+            </a:schemeClr>
+          </a:lnRef>
+          <a:fillRef idx="1">
+            <a:schemeClr val="accent1"/>
+          </a:fillRef>
+          <a:effectRef idx="0">
+            <a:schemeClr val="accent1"/>
+          </a:effectRef>
+          <a:fontRef idx="minor">
+            <a:schemeClr val="lt1"/>
+          </a:fontRef>
+        </p:style>
+        <p:txBody>
+          <a:bodyPr rtlCol="0" anchor="ctr"/>
+          <a:lstStyle/>
+          <a:p>
+            <a:pPr algn="ctr"/>
+            <a:endParaRPr lang="en-US" b="1">
+              <a:ln w="22225">
+                <a:solidFill>
+                  <a:schemeClr val="accent2"/>
+                </a:solidFill>
+                <a:prstDash val="solid"/>
+              </a:ln>
+              <a:solidFill>
+                <a:schemeClr val="accent2">
+                  <a:lumMod val="40000"/>
+                  <a:lumOff val="60000"/>
+                </a:schemeClr>
+              </a:solidFill>
+            </a:endParaRPr>
+          </a:p>
+        </p:txBody>
+      </p:sp>
+      <p:sp>
+        <p:nvSpPr>
           <p:cNvPr id="2" name="Title 1">
             <a:extLst>
               <a:ext uri="{FF2B5EF4-FFF2-40B4-BE49-F238E27FC236}">
-                <a16:creationId xmlns:a16="http://schemas.microsoft.com/office/drawing/2014/main" id="{D2492841-6609-2DB9-1C31-D72A30197571}"/>
+                <a16:creationId xmlns:a16="http://schemas.microsoft.com/office/drawing/2014/main" id="{207565F8-D8C0-DF3B-858F-491AD5EF6144}"/>
               </a:ext>
             </a:extLst>
           </p:cNvPr>
@@ -4488,7 +8235,10 @@
           <a:bodyPr/>
           <a:lstStyle/>
           <a:p>
-            <a:endParaRPr lang="en-US"/>
+            <a:r>
+              <a:rPr lang="en-US"/>
+              <a:t>Challenges </a:t>
+            </a:r>
           </a:p>
         </p:txBody>
       </p:sp>
@@ -4497,7 +8247,7 @@
           <p:cNvPr id="3" name="Content Placeholder 2">
             <a:extLst>
               <a:ext uri="{FF2B5EF4-FFF2-40B4-BE49-F238E27FC236}">
-                <a16:creationId xmlns:a16="http://schemas.microsoft.com/office/drawing/2014/main" id="{1F463F8F-21D1-16C9-4C08-A89A09408727}"/>
+                <a16:creationId xmlns:a16="http://schemas.microsoft.com/office/drawing/2014/main" id="{2BE32EB7-3397-D3EA-39E1-DB0FCDE3A925}"/>
               </a:ext>
             </a:extLst>
           </p:cNvPr>
@@ -4510,17 +8260,36 @@
         </p:nvSpPr>
         <p:spPr/>
         <p:txBody>
-          <a:bodyPr/>
-          <a:lstStyle/>
-          <a:p>
-            <a:endParaRPr lang="en-US"/>
+          <a:bodyPr vert="horz" lIns="91440" tIns="45720" rIns="91440" bIns="45720" rtlCol="0" anchor="t">
+            <a:normAutofit/>
+          </a:bodyPr>
+          <a:lstStyle/>
+          <a:p>
+            <a:r>
+              <a:rPr lang="en-US"/>
+              <a:t>Correctly hooking up the visual elements that were spawned to the array elements getting sorted so it matches up visually.</a:t>
+            </a:r>
+          </a:p>
+          <a:p>
+            <a:r>
+              <a:rPr lang="en-US"/>
+              <a:t>Making the </a:t>
+            </a:r>
+            <a:r>
+              <a:rPr lang="en-US" err="1"/>
+              <a:t>GameObjects</a:t>
+            </a:r>
+            <a:r>
+              <a:rPr lang="en-US"/>
+              <a:t> move around at the right y level due to the pivot being at the center rather than the bottom</a:t>
+            </a:r>
           </a:p>
         </p:txBody>
       </p:sp>
     </p:spTree>
     <p:extLst>
       <p:ext uri="{BB962C8B-B14F-4D97-AF65-F5344CB8AC3E}">
-        <p14:creationId xmlns:p14="http://schemas.microsoft.com/office/powerpoint/2010/main" val="2650450492"/>
+        <p14:creationId xmlns:p14="http://schemas.microsoft.com/office/powerpoint/2010/main" val="1264854481"/>
       </p:ext>
     </p:extLst>
   </p:cSld>
